--- a/RaciocinioAlgoritmico/Aulas/Aula 01 - Introdução/Aula 01 - Introdução.pptx
+++ b/RaciocinioAlgoritmico/Aulas/Aula 01 - Introdução/Aula 01 - Introdução.pptx
@@ -87,19 +87,16 @@
             <a:noAutofit/>
           </a:bodyPr>
           <a:p>
-            <a:r>
-              <a:rPr b="0" lang="pt-BR" sz="1800" spc="-1" strike="noStrike">
-                <a:solidFill>
-                  <a:srgbClr val="000000"/>
-                </a:solidFill>
+            <a:pPr algn="ctr">
+              <a:buNone/>
+            </a:pPr>
+            <a:r>
+              <a:rPr b="0" lang="pt-BR" sz="4400" spc="-1" strike="noStrike">
                 <a:latin typeface="Arial"/>
               </a:rPr>
               <a:t>Click to move the slide</a:t>
             </a:r>
-            <a:endParaRPr b="0" lang="pt-BR" sz="1800" spc="-1" strike="noStrike">
-              <a:solidFill>
-                <a:srgbClr val="000000"/>
-              </a:solidFill>
+            <a:endParaRPr b="0" lang="pt-BR" sz="4400" spc="-1" strike="noStrike">
               <a:latin typeface="Arial"/>
             </a:endParaRPr>
           </a:p>
@@ -322,7 +319,7 @@
             <a:pPr algn="r">
               <a:buNone/>
             </a:pPr>
-            <a:fld id="{FC7825E1-5438-4DA2-8FAE-AE02DF5B5CCF}" type="slidenum">
+            <a:fld id="{7DF6F3B3-82C0-4661-86C9-8D27D7331375}" type="slidenum">
               <a:rPr b="0" lang="pt-BR" sz="1400" spc="-1" strike="noStrike">
                 <a:latin typeface="Times New Roman"/>
               </a:rPr>
@@ -370,7 +367,7 @@
         <p:spPr>
           <a:xfrm>
             <a:off x="1376280" y="1336680"/>
-            <a:ext cx="4800240" cy="3600000"/>
+            <a:ext cx="4799880" cy="3599640"/>
           </a:xfrm>
           <a:prstGeom prst="rect">
             <a:avLst/>
@@ -393,7 +390,7 @@
         <p:spPr>
           <a:xfrm>
             <a:off x="756000" y="5145120"/>
-            <a:ext cx="6039720" cy="4201920"/>
+            <a:ext cx="6039360" cy="4201560"/>
           </a:xfrm>
           <a:prstGeom prst="rect">
             <a:avLst/>
@@ -423,7 +420,7 @@
         <p:spPr>
           <a:xfrm>
             <a:off x="0" y="10155240"/>
-            <a:ext cx="3268080" cy="528480"/>
+            <a:ext cx="3267720" cy="528120"/>
           </a:xfrm>
           <a:prstGeom prst="rect">
             <a:avLst/>
@@ -501,7 +498,7 @@
         <p:spPr>
           <a:xfrm>
             <a:off x="1376280" y="1336680"/>
-            <a:ext cx="4800240" cy="3600000"/>
+            <a:ext cx="4799880" cy="3599640"/>
           </a:xfrm>
           <a:prstGeom prst="rect">
             <a:avLst/>
@@ -524,7 +521,7 @@
         <p:spPr>
           <a:xfrm>
             <a:off x="756000" y="5145120"/>
-            <a:ext cx="6039720" cy="4201920"/>
+            <a:ext cx="6039360" cy="4201560"/>
           </a:xfrm>
           <a:prstGeom prst="rect">
             <a:avLst/>
@@ -554,7 +551,7 @@
         <p:spPr>
           <a:xfrm>
             <a:off x="0" y="10155240"/>
-            <a:ext cx="3268080" cy="528480"/>
+            <a:ext cx="3267720" cy="528120"/>
           </a:xfrm>
           <a:prstGeom prst="rect">
             <a:avLst/>
@@ -632,7 +629,7 @@
         <p:spPr>
           <a:xfrm>
             <a:off x="1376280" y="1336680"/>
-            <a:ext cx="4799880" cy="3599640"/>
+            <a:ext cx="4799520" cy="3599280"/>
           </a:xfrm>
           <a:prstGeom prst="rect">
             <a:avLst/>
@@ -655,7 +652,7 @@
         <p:spPr>
           <a:xfrm>
             <a:off x="756000" y="5145120"/>
-            <a:ext cx="6039360" cy="4201560"/>
+            <a:ext cx="6039000" cy="4201200"/>
           </a:xfrm>
           <a:prstGeom prst="rect">
             <a:avLst/>
@@ -685,7 +682,7 @@
         <p:spPr>
           <a:xfrm>
             <a:off x="0" y="10155240"/>
-            <a:ext cx="3267720" cy="528120"/>
+            <a:ext cx="3267360" cy="527760"/>
           </a:xfrm>
           <a:prstGeom prst="rect">
             <a:avLst/>
@@ -763,7 +760,7 @@
         <p:spPr>
           <a:xfrm>
             <a:off x="1376280" y="1336680"/>
-            <a:ext cx="4799880" cy="3599640"/>
+            <a:ext cx="4799520" cy="3599280"/>
           </a:xfrm>
           <a:prstGeom prst="rect">
             <a:avLst/>
@@ -786,7 +783,7 @@
         <p:spPr>
           <a:xfrm>
             <a:off x="756000" y="5145120"/>
-            <a:ext cx="6039360" cy="4201560"/>
+            <a:ext cx="6039000" cy="4201200"/>
           </a:xfrm>
           <a:prstGeom prst="rect">
             <a:avLst/>
@@ -816,7 +813,7 @@
         <p:spPr>
           <a:xfrm>
             <a:off x="0" y="10155240"/>
-            <a:ext cx="3267720" cy="528120"/>
+            <a:ext cx="3267360" cy="527760"/>
           </a:xfrm>
           <a:prstGeom prst="rect">
             <a:avLst/>
@@ -894,7 +891,7 @@
         <p:spPr>
           <a:xfrm>
             <a:off x="1376280" y="1336680"/>
-            <a:ext cx="4799880" cy="3599640"/>
+            <a:ext cx="4799520" cy="3599280"/>
           </a:xfrm>
           <a:prstGeom prst="rect">
             <a:avLst/>
@@ -917,7 +914,7 @@
         <p:spPr>
           <a:xfrm>
             <a:off x="756000" y="5145120"/>
-            <a:ext cx="6039360" cy="4201560"/>
+            <a:ext cx="6039000" cy="4201200"/>
           </a:xfrm>
           <a:prstGeom prst="rect">
             <a:avLst/>
@@ -947,7 +944,7 @@
         <p:spPr>
           <a:xfrm>
             <a:off x="0" y="10155240"/>
-            <a:ext cx="3267720" cy="528120"/>
+            <a:ext cx="3267360" cy="527760"/>
           </a:xfrm>
           <a:prstGeom prst="rect">
             <a:avLst/>
@@ -1025,7 +1022,7 @@
         <p:spPr>
           <a:xfrm>
             <a:off x="1376280" y="1336680"/>
-            <a:ext cx="4800240" cy="3600000"/>
+            <a:ext cx="4799880" cy="3599640"/>
           </a:xfrm>
           <a:prstGeom prst="rect">
             <a:avLst/>
@@ -1048,7 +1045,7 @@
         <p:spPr>
           <a:xfrm>
             <a:off x="756000" y="5145120"/>
-            <a:ext cx="6039360" cy="4201560"/>
+            <a:ext cx="6039000" cy="4201200"/>
           </a:xfrm>
           <a:prstGeom prst="rect">
             <a:avLst/>
@@ -1078,7 +1075,7 @@
         <p:spPr>
           <a:xfrm>
             <a:off x="0" y="10155240"/>
-            <a:ext cx="3267720" cy="528120"/>
+            <a:ext cx="3267360" cy="527760"/>
           </a:xfrm>
           <a:prstGeom prst="rect">
             <a:avLst/>
@@ -1156,7 +1153,7 @@
         <p:spPr>
           <a:xfrm>
             <a:off x="1376280" y="1336680"/>
-            <a:ext cx="4799880" cy="3599640"/>
+            <a:ext cx="4799520" cy="3599280"/>
           </a:xfrm>
           <a:prstGeom prst="rect">
             <a:avLst/>
@@ -1179,7 +1176,7 @@
         <p:spPr>
           <a:xfrm>
             <a:off x="756000" y="5145120"/>
-            <a:ext cx="6039360" cy="4201560"/>
+            <a:ext cx="6039000" cy="4201200"/>
           </a:xfrm>
           <a:prstGeom prst="rect">
             <a:avLst/>
@@ -1209,7 +1206,7 @@
         <p:spPr>
           <a:xfrm>
             <a:off x="0" y="10155240"/>
-            <a:ext cx="3267720" cy="528120"/>
+            <a:ext cx="3267360" cy="527760"/>
           </a:xfrm>
           <a:prstGeom prst="rect">
             <a:avLst/>
@@ -1287,7 +1284,7 @@
         <p:spPr>
           <a:xfrm>
             <a:off x="1376280" y="1336680"/>
-            <a:ext cx="4799880" cy="3599640"/>
+            <a:ext cx="4799520" cy="3599280"/>
           </a:xfrm>
           <a:prstGeom prst="rect">
             <a:avLst/>
@@ -1310,7 +1307,7 @@
         <p:spPr>
           <a:xfrm>
             <a:off x="756000" y="5145120"/>
-            <a:ext cx="6039360" cy="4201560"/>
+            <a:ext cx="6039000" cy="4201200"/>
           </a:xfrm>
           <a:prstGeom prst="rect">
             <a:avLst/>
@@ -1340,7 +1337,7 @@
         <p:spPr>
           <a:xfrm>
             <a:off x="0" y="10155240"/>
-            <a:ext cx="3267720" cy="528120"/>
+            <a:ext cx="3267360" cy="527760"/>
           </a:xfrm>
           <a:prstGeom prst="rect">
             <a:avLst/>
@@ -1418,7 +1415,7 @@
         <p:spPr>
           <a:xfrm>
             <a:off x="1376280" y="1336680"/>
-            <a:ext cx="4800240" cy="3600000"/>
+            <a:ext cx="4799880" cy="3599640"/>
           </a:xfrm>
           <a:prstGeom prst="rect">
             <a:avLst/>
@@ -1441,7 +1438,7 @@
         <p:spPr>
           <a:xfrm>
             <a:off x="756000" y="5145120"/>
-            <a:ext cx="6039360" cy="4201560"/>
+            <a:ext cx="6039000" cy="4201200"/>
           </a:xfrm>
           <a:prstGeom prst="rect">
             <a:avLst/>
@@ -1471,7 +1468,7 @@
         <p:spPr>
           <a:xfrm>
             <a:off x="0" y="10155240"/>
-            <a:ext cx="3267720" cy="528120"/>
+            <a:ext cx="3267360" cy="527760"/>
           </a:xfrm>
           <a:prstGeom prst="rect">
             <a:avLst/>
@@ -1549,7 +1546,7 @@
         <p:spPr>
           <a:xfrm>
             <a:off x="1376280" y="1336680"/>
-            <a:ext cx="4800240" cy="3600000"/>
+            <a:ext cx="4799880" cy="3599640"/>
           </a:xfrm>
           <a:prstGeom prst="rect">
             <a:avLst/>
@@ -1572,7 +1569,7 @@
         <p:spPr>
           <a:xfrm>
             <a:off x="756000" y="5145120"/>
-            <a:ext cx="6039360" cy="4201560"/>
+            <a:ext cx="6039000" cy="4201200"/>
           </a:xfrm>
           <a:prstGeom prst="rect">
             <a:avLst/>
@@ -1602,7 +1599,7 @@
         <p:spPr>
           <a:xfrm>
             <a:off x="0" y="10155240"/>
-            <a:ext cx="3267720" cy="528120"/>
+            <a:ext cx="3267360" cy="527760"/>
           </a:xfrm>
           <a:prstGeom prst="rect">
             <a:avLst/>
@@ -1680,7 +1677,7 @@
         <p:spPr>
           <a:xfrm>
             <a:off x="1376280" y="1336680"/>
-            <a:ext cx="4800240" cy="3600000"/>
+            <a:ext cx="4799880" cy="3599640"/>
           </a:xfrm>
           <a:prstGeom prst="rect">
             <a:avLst/>
@@ -1703,7 +1700,7 @@
         <p:spPr>
           <a:xfrm>
             <a:off x="756000" y="5145120"/>
-            <a:ext cx="6039360" cy="4201560"/>
+            <a:ext cx="6039000" cy="4201200"/>
           </a:xfrm>
           <a:prstGeom prst="rect">
             <a:avLst/>
@@ -1733,7 +1730,7 @@
         <p:spPr>
           <a:xfrm>
             <a:off x="0" y="10155240"/>
-            <a:ext cx="3267720" cy="528120"/>
+            <a:ext cx="3267360" cy="527760"/>
           </a:xfrm>
           <a:prstGeom prst="rect">
             <a:avLst/>
@@ -1811,7 +1808,7 @@
         <p:spPr>
           <a:xfrm>
             <a:off x="1376280" y="1336680"/>
-            <a:ext cx="4800240" cy="3600000"/>
+            <a:ext cx="4799880" cy="3599640"/>
           </a:xfrm>
           <a:prstGeom prst="rect">
             <a:avLst/>
@@ -1834,7 +1831,7 @@
         <p:spPr>
           <a:xfrm>
             <a:off x="756000" y="5145120"/>
-            <a:ext cx="6039360" cy="4201560"/>
+            <a:ext cx="6039000" cy="4201200"/>
           </a:xfrm>
           <a:prstGeom prst="rect">
             <a:avLst/>
@@ -1864,7 +1861,7 @@
         <p:spPr>
           <a:xfrm>
             <a:off x="0" y="10155240"/>
-            <a:ext cx="3267720" cy="528120"/>
+            <a:ext cx="3267360" cy="527760"/>
           </a:xfrm>
           <a:prstGeom prst="rect">
             <a:avLst/>
@@ -1942,7 +1939,7 @@
         <p:spPr>
           <a:xfrm>
             <a:off x="1376280" y="1336680"/>
-            <a:ext cx="4800240" cy="3600000"/>
+            <a:ext cx="4799880" cy="3599640"/>
           </a:xfrm>
           <a:prstGeom prst="rect">
             <a:avLst/>
@@ -1965,7 +1962,7 @@
         <p:spPr>
           <a:xfrm>
             <a:off x="756000" y="5145120"/>
-            <a:ext cx="6039360" cy="4201560"/>
+            <a:ext cx="6039000" cy="4201200"/>
           </a:xfrm>
           <a:prstGeom prst="rect">
             <a:avLst/>
@@ -1995,7 +1992,7 @@
         <p:spPr>
           <a:xfrm>
             <a:off x="0" y="10155240"/>
-            <a:ext cx="3267720" cy="528120"/>
+            <a:ext cx="3267360" cy="527760"/>
           </a:xfrm>
           <a:prstGeom prst="rect">
             <a:avLst/>
@@ -2073,7 +2070,7 @@
         <p:spPr>
           <a:xfrm>
             <a:off x="1376280" y="1336680"/>
-            <a:ext cx="4799880" cy="3599640"/>
+            <a:ext cx="4799520" cy="3599280"/>
           </a:xfrm>
           <a:prstGeom prst="rect">
             <a:avLst/>
@@ -2096,7 +2093,7 @@
         <p:spPr>
           <a:xfrm>
             <a:off x="756000" y="5145120"/>
-            <a:ext cx="6039360" cy="4201560"/>
+            <a:ext cx="6039000" cy="4201200"/>
           </a:xfrm>
           <a:prstGeom prst="rect">
             <a:avLst/>
@@ -2126,7 +2123,7 @@
         <p:spPr>
           <a:xfrm>
             <a:off x="0" y="10155240"/>
-            <a:ext cx="3267720" cy="528120"/>
+            <a:ext cx="3267360" cy="527760"/>
           </a:xfrm>
           <a:prstGeom prst="rect">
             <a:avLst/>
@@ -2204,7 +2201,7 @@
         <p:spPr>
           <a:xfrm>
             <a:off x="1376280" y="1336680"/>
-            <a:ext cx="4799880" cy="3599640"/>
+            <a:ext cx="4799520" cy="3599280"/>
           </a:xfrm>
           <a:prstGeom prst="rect">
             <a:avLst/>
@@ -2227,7 +2224,7 @@
         <p:spPr>
           <a:xfrm>
             <a:off x="756000" y="5145120"/>
-            <a:ext cx="6039360" cy="4201560"/>
+            <a:ext cx="6039000" cy="4201200"/>
           </a:xfrm>
           <a:prstGeom prst="rect">
             <a:avLst/>
@@ -2257,7 +2254,7 @@
         <p:spPr>
           <a:xfrm>
             <a:off x="0" y="10155240"/>
-            <a:ext cx="3267720" cy="528120"/>
+            <a:ext cx="3267360" cy="527760"/>
           </a:xfrm>
           <a:prstGeom prst="rect">
             <a:avLst/>
@@ -2335,7 +2332,7 @@
         <p:spPr>
           <a:xfrm>
             <a:off x="1376280" y="1336680"/>
-            <a:ext cx="4800240" cy="3600000"/>
+            <a:ext cx="4799880" cy="3599640"/>
           </a:xfrm>
           <a:prstGeom prst="rect">
             <a:avLst/>
@@ -2358,7 +2355,7 @@
         <p:spPr>
           <a:xfrm>
             <a:off x="756000" y="5145120"/>
-            <a:ext cx="6039360" cy="4201560"/>
+            <a:ext cx="6039000" cy="4201200"/>
           </a:xfrm>
           <a:prstGeom prst="rect">
             <a:avLst/>
@@ -2388,7 +2385,7 @@
         <p:spPr>
           <a:xfrm>
             <a:off x="0" y="10155240"/>
-            <a:ext cx="3267720" cy="528120"/>
+            <a:ext cx="3267360" cy="527760"/>
           </a:xfrm>
           <a:prstGeom prst="rect">
             <a:avLst/>
@@ -2466,7 +2463,7 @@
         <p:spPr>
           <a:xfrm>
             <a:off x="1376280" y="1336680"/>
-            <a:ext cx="4800240" cy="3600000"/>
+            <a:ext cx="4799880" cy="3599640"/>
           </a:xfrm>
           <a:prstGeom prst="rect">
             <a:avLst/>
@@ -2489,7 +2486,7 @@
         <p:spPr>
           <a:xfrm>
             <a:off x="756000" y="5145120"/>
-            <a:ext cx="6039360" cy="4201560"/>
+            <a:ext cx="6039000" cy="4201200"/>
           </a:xfrm>
           <a:prstGeom prst="rect">
             <a:avLst/>
@@ -2519,7 +2516,7 @@
         <p:spPr>
           <a:xfrm>
             <a:off x="0" y="10155240"/>
-            <a:ext cx="3267720" cy="528120"/>
+            <a:ext cx="3267360" cy="527760"/>
           </a:xfrm>
           <a:prstGeom prst="rect">
             <a:avLst/>
@@ -2597,7 +2594,7 @@
         <p:spPr>
           <a:xfrm>
             <a:off x="1376280" y="1336680"/>
-            <a:ext cx="4800240" cy="3600000"/>
+            <a:ext cx="4799880" cy="3599640"/>
           </a:xfrm>
           <a:prstGeom prst="rect">
             <a:avLst/>
@@ -2620,7 +2617,7 @@
         <p:spPr>
           <a:xfrm>
             <a:off x="756000" y="5145120"/>
-            <a:ext cx="6039360" cy="4201560"/>
+            <a:ext cx="6039000" cy="4201200"/>
           </a:xfrm>
           <a:prstGeom prst="rect">
             <a:avLst/>
@@ -2650,7 +2647,7 @@
         <p:spPr>
           <a:xfrm>
             <a:off x="0" y="10155240"/>
-            <a:ext cx="3267720" cy="528120"/>
+            <a:ext cx="3267360" cy="527760"/>
           </a:xfrm>
           <a:prstGeom prst="rect">
             <a:avLst/>
@@ -2728,7 +2725,7 @@
         <p:spPr>
           <a:xfrm>
             <a:off x="1376280" y="1336680"/>
-            <a:ext cx="4800240" cy="3600000"/>
+            <a:ext cx="4799880" cy="3599640"/>
           </a:xfrm>
           <a:prstGeom prst="rect">
             <a:avLst/>
@@ -2751,7 +2748,7 @@
         <p:spPr>
           <a:xfrm>
             <a:off x="756000" y="5145120"/>
-            <a:ext cx="6039720" cy="4201920"/>
+            <a:ext cx="6039360" cy="4201560"/>
           </a:xfrm>
           <a:prstGeom prst="rect">
             <a:avLst/>
@@ -2781,7 +2778,7 @@
         <p:spPr>
           <a:xfrm>
             <a:off x="0" y="10155240"/>
-            <a:ext cx="3268080" cy="528480"/>
+            <a:ext cx="3267720" cy="528120"/>
           </a:xfrm>
           <a:prstGeom prst="rect">
             <a:avLst/>
@@ -2859,7 +2856,7 @@
         <p:spPr>
           <a:xfrm>
             <a:off x="1376280" y="1336680"/>
-            <a:ext cx="4800240" cy="3600000"/>
+            <a:ext cx="4799880" cy="3599640"/>
           </a:xfrm>
           <a:prstGeom prst="rect">
             <a:avLst/>
@@ -2882,7 +2879,7 @@
         <p:spPr>
           <a:xfrm>
             <a:off x="756000" y="5145120"/>
-            <a:ext cx="6039720" cy="4201920"/>
+            <a:ext cx="6039360" cy="4201560"/>
           </a:xfrm>
           <a:prstGeom prst="rect">
             <a:avLst/>
@@ -2912,7 +2909,7 @@
         <p:spPr>
           <a:xfrm>
             <a:off x="0" y="10155240"/>
-            <a:ext cx="3268080" cy="528480"/>
+            <a:ext cx="3267720" cy="528120"/>
           </a:xfrm>
           <a:prstGeom prst="rect">
             <a:avLst/>
@@ -2990,7 +2987,7 @@
         <p:spPr>
           <a:xfrm>
             <a:off x="1376280" y="1336680"/>
-            <a:ext cx="4800240" cy="3600000"/>
+            <a:ext cx="4799880" cy="3599640"/>
           </a:xfrm>
           <a:prstGeom prst="rect">
             <a:avLst/>
@@ -3013,7 +3010,7 @@
         <p:spPr>
           <a:xfrm>
             <a:off x="756000" y="5145120"/>
-            <a:ext cx="6039720" cy="4201920"/>
+            <a:ext cx="6039360" cy="4201560"/>
           </a:xfrm>
           <a:prstGeom prst="rect">
             <a:avLst/>
@@ -3043,7 +3040,7 @@
         <p:spPr>
           <a:xfrm>
             <a:off x="0" y="10155240"/>
-            <a:ext cx="3268080" cy="528480"/>
+            <a:ext cx="3267720" cy="528120"/>
           </a:xfrm>
           <a:prstGeom prst="rect">
             <a:avLst/>
@@ -3121,7 +3118,7 @@
         <p:spPr>
           <a:xfrm>
             <a:off x="1376280" y="1336680"/>
-            <a:ext cx="4800240" cy="3600000"/>
+            <a:ext cx="4799880" cy="3599640"/>
           </a:xfrm>
           <a:prstGeom prst="rect">
             <a:avLst/>
@@ -3144,7 +3141,7 @@
         <p:spPr>
           <a:xfrm>
             <a:off x="756000" y="5145120"/>
-            <a:ext cx="6039720" cy="4201920"/>
+            <a:ext cx="6039360" cy="4201560"/>
           </a:xfrm>
           <a:prstGeom prst="rect">
             <a:avLst/>
@@ -3174,7 +3171,7 @@
         <p:spPr>
           <a:xfrm>
             <a:off x="0" y="10155240"/>
-            <a:ext cx="3268080" cy="528480"/>
+            <a:ext cx="3267720" cy="528120"/>
           </a:xfrm>
           <a:prstGeom prst="rect">
             <a:avLst/>
@@ -3252,7 +3249,7 @@
         <p:spPr>
           <a:xfrm>
             <a:off x="1376280" y="1336680"/>
-            <a:ext cx="4800240" cy="3600000"/>
+            <a:ext cx="4799880" cy="3599640"/>
           </a:xfrm>
           <a:prstGeom prst="rect">
             <a:avLst/>
@@ -3275,7 +3272,7 @@
         <p:spPr>
           <a:xfrm>
             <a:off x="756000" y="5145120"/>
-            <a:ext cx="6039720" cy="4201920"/>
+            <a:ext cx="6039360" cy="4201560"/>
           </a:xfrm>
           <a:prstGeom prst="rect">
             <a:avLst/>
@@ -3305,7 +3302,7 @@
         <p:spPr>
           <a:xfrm>
             <a:off x="0" y="10155240"/>
-            <a:ext cx="3268080" cy="528480"/>
+            <a:ext cx="3267720" cy="528120"/>
           </a:xfrm>
           <a:prstGeom prst="rect">
             <a:avLst/>
@@ -3383,7 +3380,7 @@
         <p:spPr>
           <a:xfrm>
             <a:off x="1376280" y="1336680"/>
-            <a:ext cx="4800240" cy="3600000"/>
+            <a:ext cx="4799880" cy="3599640"/>
           </a:xfrm>
           <a:prstGeom prst="rect">
             <a:avLst/>
@@ -3406,7 +3403,7 @@
         <p:spPr>
           <a:xfrm>
             <a:off x="756000" y="5145120"/>
-            <a:ext cx="6039720" cy="4201920"/>
+            <a:ext cx="6039360" cy="4201560"/>
           </a:xfrm>
           <a:prstGeom prst="rect">
             <a:avLst/>
@@ -3436,7 +3433,7 @@
         <p:spPr>
           <a:xfrm>
             <a:off x="0" y="10155240"/>
-            <a:ext cx="3268080" cy="528480"/>
+            <a:ext cx="3267720" cy="528120"/>
           </a:xfrm>
           <a:prstGeom prst="rect">
             <a:avLst/>
@@ -3514,7 +3511,7 @@
         <p:spPr>
           <a:xfrm>
             <a:off x="1376280" y="1336680"/>
-            <a:ext cx="4800240" cy="3600000"/>
+            <a:ext cx="4799880" cy="3599640"/>
           </a:xfrm>
           <a:prstGeom prst="rect">
             <a:avLst/>
@@ -3537,7 +3534,7 @@
         <p:spPr>
           <a:xfrm>
             <a:off x="756000" y="5145120"/>
-            <a:ext cx="6039720" cy="4201920"/>
+            <a:ext cx="6039360" cy="4201560"/>
           </a:xfrm>
           <a:prstGeom prst="rect">
             <a:avLst/>
@@ -3567,7 +3564,7 @@
         <p:spPr>
           <a:xfrm>
             <a:off x="0" y="10155240"/>
-            <a:ext cx="3268080" cy="528480"/>
+            <a:ext cx="3267720" cy="528120"/>
           </a:xfrm>
           <a:prstGeom prst="rect">
             <a:avLst/>
@@ -3682,10 +3679,10 @@
             <a:noAutofit/>
           </a:bodyPr>
           <a:p>
-            <a:endParaRPr b="0" lang="pt-BR" sz="1800" spc="-1" strike="noStrike">
-              <a:solidFill>
-                <a:srgbClr val="000000"/>
-              </a:solidFill>
+            <a:pPr algn="ctr">
+              <a:buNone/>
+            </a:pPr>
+            <a:endParaRPr b="0" lang="pt-BR" sz="4400" spc="-1" strike="noStrike">
               <a:latin typeface="Arial"/>
             </a:endParaRPr>
           </a:p>
@@ -3719,19 +3716,7 @@
             <a:normAutofit/>
           </a:bodyPr>
           <a:p>
-            <a:pPr>
-              <a:lnSpc>
-                <a:spcPct val="90000"/>
-              </a:lnSpc>
-              <a:spcBef>
-                <a:spcPts val="1417"/>
-              </a:spcBef>
-              <a:buNone/>
-            </a:pPr>
-            <a:endParaRPr b="0" lang="pt-BR" sz="2800" spc="-1" strike="noStrike">
-              <a:solidFill>
-                <a:srgbClr val="000000"/>
-              </a:solidFill>
+            <a:endParaRPr b="0" lang="pt-BR" sz="3200" spc="-1" strike="noStrike">
               <a:latin typeface="Arial"/>
             </a:endParaRPr>
           </a:p>
@@ -3765,19 +3750,7 @@
             <a:normAutofit/>
           </a:bodyPr>
           <a:p>
-            <a:pPr>
-              <a:lnSpc>
-                <a:spcPct val="90000"/>
-              </a:lnSpc>
-              <a:spcBef>
-                <a:spcPts val="1417"/>
-              </a:spcBef>
-              <a:buNone/>
-            </a:pPr>
-            <a:endParaRPr b="0" lang="pt-BR" sz="2800" spc="-1" strike="noStrike">
-              <a:solidFill>
-                <a:srgbClr val="000000"/>
-              </a:solidFill>
+            <a:endParaRPr b="0" lang="pt-BR" sz="3200" spc="-1" strike="noStrike">
               <a:latin typeface="Arial"/>
             </a:endParaRPr>
           </a:p>
@@ -3833,10 +3806,10 @@
             <a:noAutofit/>
           </a:bodyPr>
           <a:p>
-            <a:endParaRPr b="0" lang="pt-BR" sz="1800" spc="-1" strike="noStrike">
-              <a:solidFill>
-                <a:srgbClr val="000000"/>
-              </a:solidFill>
+            <a:pPr algn="ctr">
+              <a:buNone/>
+            </a:pPr>
+            <a:endParaRPr b="0" lang="pt-BR" sz="4400" spc="-1" strike="noStrike">
               <a:latin typeface="Arial"/>
             </a:endParaRPr>
           </a:p>
@@ -3870,19 +3843,7 @@
             <a:normAutofit/>
           </a:bodyPr>
           <a:p>
-            <a:pPr>
-              <a:lnSpc>
-                <a:spcPct val="90000"/>
-              </a:lnSpc>
-              <a:spcBef>
-                <a:spcPts val="1417"/>
-              </a:spcBef>
-              <a:buNone/>
-            </a:pPr>
-            <a:endParaRPr b="0" lang="pt-BR" sz="2800" spc="-1" strike="noStrike">
-              <a:solidFill>
-                <a:srgbClr val="000000"/>
-              </a:solidFill>
+            <a:endParaRPr b="0" lang="pt-BR" sz="3200" spc="-1" strike="noStrike">
               <a:latin typeface="Arial"/>
             </a:endParaRPr>
           </a:p>
@@ -3916,19 +3877,7 @@
             <a:normAutofit/>
           </a:bodyPr>
           <a:p>
-            <a:pPr>
-              <a:lnSpc>
-                <a:spcPct val="90000"/>
-              </a:lnSpc>
-              <a:spcBef>
-                <a:spcPts val="1417"/>
-              </a:spcBef>
-              <a:buNone/>
-            </a:pPr>
-            <a:endParaRPr b="0" lang="pt-BR" sz="2800" spc="-1" strike="noStrike">
-              <a:solidFill>
-                <a:srgbClr val="000000"/>
-              </a:solidFill>
+            <a:endParaRPr b="0" lang="pt-BR" sz="3200" spc="-1" strike="noStrike">
               <a:latin typeface="Arial"/>
             </a:endParaRPr>
           </a:p>
@@ -3962,19 +3911,7 @@
             <a:normAutofit/>
           </a:bodyPr>
           <a:p>
-            <a:pPr>
-              <a:lnSpc>
-                <a:spcPct val="90000"/>
-              </a:lnSpc>
-              <a:spcBef>
-                <a:spcPts val="1417"/>
-              </a:spcBef>
-              <a:buNone/>
-            </a:pPr>
-            <a:endParaRPr b="0" lang="pt-BR" sz="2800" spc="-1" strike="noStrike">
-              <a:solidFill>
-                <a:srgbClr val="000000"/>
-              </a:solidFill>
+            <a:endParaRPr b="0" lang="pt-BR" sz="3200" spc="-1" strike="noStrike">
               <a:latin typeface="Arial"/>
             </a:endParaRPr>
           </a:p>
@@ -4008,19 +3945,7 @@
             <a:normAutofit/>
           </a:bodyPr>
           <a:p>
-            <a:pPr>
-              <a:lnSpc>
-                <a:spcPct val="90000"/>
-              </a:lnSpc>
-              <a:spcBef>
-                <a:spcPts val="1417"/>
-              </a:spcBef>
-              <a:buNone/>
-            </a:pPr>
-            <a:endParaRPr b="0" lang="pt-BR" sz="2800" spc="-1" strike="noStrike">
-              <a:solidFill>
-                <a:srgbClr val="000000"/>
-              </a:solidFill>
+            <a:endParaRPr b="0" lang="pt-BR" sz="3200" spc="-1" strike="noStrike">
               <a:latin typeface="Arial"/>
             </a:endParaRPr>
           </a:p>
@@ -4076,10 +4001,10 @@
             <a:noAutofit/>
           </a:bodyPr>
           <a:p>
-            <a:endParaRPr b="0" lang="pt-BR" sz="1800" spc="-1" strike="noStrike">
-              <a:solidFill>
-                <a:srgbClr val="000000"/>
-              </a:solidFill>
+            <a:pPr algn="ctr">
+              <a:buNone/>
+            </a:pPr>
+            <a:endParaRPr b="0" lang="pt-BR" sz="4400" spc="-1" strike="noStrike">
               <a:latin typeface="Arial"/>
             </a:endParaRPr>
           </a:p>
@@ -4113,19 +4038,7 @@
             <a:normAutofit/>
           </a:bodyPr>
           <a:p>
-            <a:pPr>
-              <a:lnSpc>
-                <a:spcPct val="90000"/>
-              </a:lnSpc>
-              <a:spcBef>
-                <a:spcPts val="1417"/>
-              </a:spcBef>
-              <a:buNone/>
-            </a:pPr>
-            <a:endParaRPr b="0" lang="pt-BR" sz="2800" spc="-1" strike="noStrike">
-              <a:solidFill>
-                <a:srgbClr val="000000"/>
-              </a:solidFill>
+            <a:endParaRPr b="0" lang="pt-BR" sz="3200" spc="-1" strike="noStrike">
               <a:latin typeface="Arial"/>
             </a:endParaRPr>
           </a:p>
@@ -4159,19 +4072,7 @@
             <a:normAutofit/>
           </a:bodyPr>
           <a:p>
-            <a:pPr>
-              <a:lnSpc>
-                <a:spcPct val="90000"/>
-              </a:lnSpc>
-              <a:spcBef>
-                <a:spcPts val="1417"/>
-              </a:spcBef>
-              <a:buNone/>
-            </a:pPr>
-            <a:endParaRPr b="0" lang="pt-BR" sz="2800" spc="-1" strike="noStrike">
-              <a:solidFill>
-                <a:srgbClr val="000000"/>
-              </a:solidFill>
+            <a:endParaRPr b="0" lang="pt-BR" sz="3200" spc="-1" strike="noStrike">
               <a:latin typeface="Arial"/>
             </a:endParaRPr>
           </a:p>
@@ -4205,19 +4106,7 @@
             <a:normAutofit/>
           </a:bodyPr>
           <a:p>
-            <a:pPr>
-              <a:lnSpc>
-                <a:spcPct val="90000"/>
-              </a:lnSpc>
-              <a:spcBef>
-                <a:spcPts val="1417"/>
-              </a:spcBef>
-              <a:buNone/>
-            </a:pPr>
-            <a:endParaRPr b="0" lang="pt-BR" sz="2800" spc="-1" strike="noStrike">
-              <a:solidFill>
-                <a:srgbClr val="000000"/>
-              </a:solidFill>
+            <a:endParaRPr b="0" lang="pt-BR" sz="3200" spc="-1" strike="noStrike">
               <a:latin typeface="Arial"/>
             </a:endParaRPr>
           </a:p>
@@ -4251,19 +4140,7 @@
             <a:normAutofit/>
           </a:bodyPr>
           <a:p>
-            <a:pPr>
-              <a:lnSpc>
-                <a:spcPct val="90000"/>
-              </a:lnSpc>
-              <a:spcBef>
-                <a:spcPts val="1417"/>
-              </a:spcBef>
-              <a:buNone/>
-            </a:pPr>
-            <a:endParaRPr b="0" lang="pt-BR" sz="2800" spc="-1" strike="noStrike">
-              <a:solidFill>
-                <a:srgbClr val="000000"/>
-              </a:solidFill>
+            <a:endParaRPr b="0" lang="pt-BR" sz="3200" spc="-1" strike="noStrike">
               <a:latin typeface="Arial"/>
             </a:endParaRPr>
           </a:p>
@@ -4297,19 +4174,7 @@
             <a:normAutofit/>
           </a:bodyPr>
           <a:p>
-            <a:pPr>
-              <a:lnSpc>
-                <a:spcPct val="90000"/>
-              </a:lnSpc>
-              <a:spcBef>
-                <a:spcPts val="1417"/>
-              </a:spcBef>
-              <a:buNone/>
-            </a:pPr>
-            <a:endParaRPr b="0" lang="pt-BR" sz="2800" spc="-1" strike="noStrike">
-              <a:solidFill>
-                <a:srgbClr val="000000"/>
-              </a:solidFill>
+            <a:endParaRPr b="0" lang="pt-BR" sz="3200" spc="-1" strike="noStrike">
               <a:latin typeface="Arial"/>
             </a:endParaRPr>
           </a:p>
@@ -4343,19 +4208,7 @@
             <a:normAutofit/>
           </a:bodyPr>
           <a:p>
-            <a:pPr>
-              <a:lnSpc>
-                <a:spcPct val="90000"/>
-              </a:lnSpc>
-              <a:spcBef>
-                <a:spcPts val="1417"/>
-              </a:spcBef>
-              <a:buNone/>
-            </a:pPr>
-            <a:endParaRPr b="0" lang="pt-BR" sz="2800" spc="-1" strike="noStrike">
-              <a:solidFill>
-                <a:srgbClr val="000000"/>
-              </a:solidFill>
+            <a:endParaRPr b="0" lang="pt-BR" sz="3200" spc="-1" strike="noStrike">
               <a:latin typeface="Arial"/>
             </a:endParaRPr>
           </a:p>
@@ -4433,10 +4286,10 @@
             <a:noAutofit/>
           </a:bodyPr>
           <a:p>
-            <a:endParaRPr b="0" lang="pt-BR" sz="1800" spc="-1" strike="noStrike">
-              <a:solidFill>
-                <a:srgbClr val="000000"/>
-              </a:solidFill>
+            <a:pPr algn="ctr">
+              <a:buNone/>
+            </a:pPr>
+            <a:endParaRPr b="0" lang="pt-BR" sz="4400" spc="-1" strike="noStrike">
               <a:latin typeface="Arial"/>
             </a:endParaRPr>
           </a:p>
@@ -4529,10 +4382,10 @@
             <a:noAutofit/>
           </a:bodyPr>
           <a:p>
-            <a:endParaRPr b="0" lang="pt-BR" sz="1800" spc="-1" strike="noStrike">
-              <a:solidFill>
-                <a:srgbClr val="000000"/>
-              </a:solidFill>
+            <a:pPr algn="ctr">
+              <a:buNone/>
+            </a:pPr>
+            <a:endParaRPr b="0" lang="pt-BR" sz="4400" spc="-1" strike="noStrike">
               <a:latin typeface="Arial"/>
             </a:endParaRPr>
           </a:p>
@@ -4566,19 +4419,7 @@
             <a:normAutofit/>
           </a:bodyPr>
           <a:p>
-            <a:pPr>
-              <a:lnSpc>
-                <a:spcPct val="90000"/>
-              </a:lnSpc>
-              <a:spcBef>
-                <a:spcPts val="1417"/>
-              </a:spcBef>
-              <a:buNone/>
-            </a:pPr>
-            <a:endParaRPr b="0" lang="pt-BR" sz="2800" spc="-1" strike="noStrike">
-              <a:solidFill>
-                <a:srgbClr val="000000"/>
-              </a:solidFill>
+            <a:endParaRPr b="0" lang="pt-BR" sz="3200" spc="-1" strike="noStrike">
               <a:latin typeface="Arial"/>
             </a:endParaRPr>
           </a:p>
@@ -4634,10 +4475,10 @@
             <a:noAutofit/>
           </a:bodyPr>
           <a:p>
-            <a:endParaRPr b="0" lang="pt-BR" sz="1800" spc="-1" strike="noStrike">
-              <a:solidFill>
-                <a:srgbClr val="000000"/>
-              </a:solidFill>
+            <a:pPr algn="ctr">
+              <a:buNone/>
+            </a:pPr>
+            <a:endParaRPr b="0" lang="pt-BR" sz="4400" spc="-1" strike="noStrike">
               <a:latin typeface="Arial"/>
             </a:endParaRPr>
           </a:p>
@@ -4671,19 +4512,7 @@
             <a:normAutofit/>
           </a:bodyPr>
           <a:p>
-            <a:pPr>
-              <a:lnSpc>
-                <a:spcPct val="90000"/>
-              </a:lnSpc>
-              <a:spcBef>
-                <a:spcPts val="1417"/>
-              </a:spcBef>
-              <a:buNone/>
-            </a:pPr>
-            <a:endParaRPr b="0" lang="pt-BR" sz="2800" spc="-1" strike="noStrike">
-              <a:solidFill>
-                <a:srgbClr val="000000"/>
-              </a:solidFill>
+            <a:endParaRPr b="0" lang="pt-BR" sz="3200" spc="-1" strike="noStrike">
               <a:latin typeface="Arial"/>
             </a:endParaRPr>
           </a:p>
@@ -4717,19 +4546,7 @@
             <a:normAutofit/>
           </a:bodyPr>
           <a:p>
-            <a:pPr>
-              <a:lnSpc>
-                <a:spcPct val="90000"/>
-              </a:lnSpc>
-              <a:spcBef>
-                <a:spcPts val="1417"/>
-              </a:spcBef>
-              <a:buNone/>
-            </a:pPr>
-            <a:endParaRPr b="0" lang="pt-BR" sz="2800" spc="-1" strike="noStrike">
-              <a:solidFill>
-                <a:srgbClr val="000000"/>
-              </a:solidFill>
+            <a:endParaRPr b="0" lang="pt-BR" sz="3200" spc="-1" strike="noStrike">
               <a:latin typeface="Arial"/>
             </a:endParaRPr>
           </a:p>
@@ -4785,10 +4602,10 @@
             <a:noAutofit/>
           </a:bodyPr>
           <a:p>
-            <a:endParaRPr b="0" lang="pt-BR" sz="1800" spc="-1" strike="noStrike">
-              <a:solidFill>
-                <a:srgbClr val="000000"/>
-              </a:solidFill>
+            <a:pPr algn="ctr">
+              <a:buNone/>
+            </a:pPr>
+            <a:endParaRPr b="0" lang="pt-BR" sz="4400" spc="-1" strike="noStrike">
               <a:latin typeface="Arial"/>
             </a:endParaRPr>
           </a:p>
@@ -4903,10 +4720,10 @@
             <a:noAutofit/>
           </a:bodyPr>
           <a:p>
-            <a:endParaRPr b="0" lang="pt-BR" sz="1800" spc="-1" strike="noStrike">
-              <a:solidFill>
-                <a:srgbClr val="000000"/>
-              </a:solidFill>
+            <a:pPr algn="ctr">
+              <a:buNone/>
+            </a:pPr>
+            <a:endParaRPr b="0" lang="pt-BR" sz="4400" spc="-1" strike="noStrike">
               <a:latin typeface="Arial"/>
             </a:endParaRPr>
           </a:p>
@@ -4940,19 +4757,7 @@
             <a:normAutofit/>
           </a:bodyPr>
           <a:p>
-            <a:pPr>
-              <a:lnSpc>
-                <a:spcPct val="90000"/>
-              </a:lnSpc>
-              <a:spcBef>
-                <a:spcPts val="1417"/>
-              </a:spcBef>
-              <a:buNone/>
-            </a:pPr>
-            <a:endParaRPr b="0" lang="pt-BR" sz="2800" spc="-1" strike="noStrike">
-              <a:solidFill>
-                <a:srgbClr val="000000"/>
-              </a:solidFill>
+            <a:endParaRPr b="0" lang="pt-BR" sz="3200" spc="-1" strike="noStrike">
               <a:latin typeface="Arial"/>
             </a:endParaRPr>
           </a:p>
@@ -4986,19 +4791,7 @@
             <a:normAutofit/>
           </a:bodyPr>
           <a:p>
-            <a:pPr>
-              <a:lnSpc>
-                <a:spcPct val="90000"/>
-              </a:lnSpc>
-              <a:spcBef>
-                <a:spcPts val="1417"/>
-              </a:spcBef>
-              <a:buNone/>
-            </a:pPr>
-            <a:endParaRPr b="0" lang="pt-BR" sz="2800" spc="-1" strike="noStrike">
-              <a:solidFill>
-                <a:srgbClr val="000000"/>
-              </a:solidFill>
+            <a:endParaRPr b="0" lang="pt-BR" sz="3200" spc="-1" strike="noStrike">
               <a:latin typeface="Arial"/>
             </a:endParaRPr>
           </a:p>
@@ -5032,19 +4825,7 @@
             <a:normAutofit/>
           </a:bodyPr>
           <a:p>
-            <a:pPr>
-              <a:lnSpc>
-                <a:spcPct val="90000"/>
-              </a:lnSpc>
-              <a:spcBef>
-                <a:spcPts val="1417"/>
-              </a:spcBef>
-              <a:buNone/>
-            </a:pPr>
-            <a:endParaRPr b="0" lang="pt-BR" sz="2800" spc="-1" strike="noStrike">
-              <a:solidFill>
-                <a:srgbClr val="000000"/>
-              </a:solidFill>
+            <a:endParaRPr b="0" lang="pt-BR" sz="3200" spc="-1" strike="noStrike">
               <a:latin typeface="Arial"/>
             </a:endParaRPr>
           </a:p>
@@ -5100,10 +4881,10 @@
             <a:noAutofit/>
           </a:bodyPr>
           <a:p>
-            <a:endParaRPr b="0" lang="pt-BR" sz="1800" spc="-1" strike="noStrike">
-              <a:solidFill>
-                <a:srgbClr val="000000"/>
-              </a:solidFill>
+            <a:pPr algn="ctr">
+              <a:buNone/>
+            </a:pPr>
+            <a:endParaRPr b="0" lang="pt-BR" sz="4400" spc="-1" strike="noStrike">
               <a:latin typeface="Arial"/>
             </a:endParaRPr>
           </a:p>
@@ -5196,10 +4977,10 @@
             <a:noAutofit/>
           </a:bodyPr>
           <a:p>
-            <a:endParaRPr b="0" lang="pt-BR" sz="1800" spc="-1" strike="noStrike">
-              <a:solidFill>
-                <a:srgbClr val="000000"/>
-              </a:solidFill>
+            <a:pPr algn="ctr">
+              <a:buNone/>
+            </a:pPr>
+            <a:endParaRPr b="0" lang="pt-BR" sz="4400" spc="-1" strike="noStrike">
               <a:latin typeface="Arial"/>
             </a:endParaRPr>
           </a:p>
@@ -5233,19 +5014,7 @@
             <a:normAutofit/>
           </a:bodyPr>
           <a:p>
-            <a:pPr>
-              <a:lnSpc>
-                <a:spcPct val="90000"/>
-              </a:lnSpc>
-              <a:spcBef>
-                <a:spcPts val="1417"/>
-              </a:spcBef>
-              <a:buNone/>
-            </a:pPr>
-            <a:endParaRPr b="0" lang="pt-BR" sz="2800" spc="-1" strike="noStrike">
-              <a:solidFill>
-                <a:srgbClr val="000000"/>
-              </a:solidFill>
+            <a:endParaRPr b="0" lang="pt-BR" sz="3200" spc="-1" strike="noStrike">
               <a:latin typeface="Arial"/>
             </a:endParaRPr>
           </a:p>
@@ -5279,19 +5048,7 @@
             <a:normAutofit/>
           </a:bodyPr>
           <a:p>
-            <a:pPr>
-              <a:lnSpc>
-                <a:spcPct val="90000"/>
-              </a:lnSpc>
-              <a:spcBef>
-                <a:spcPts val="1417"/>
-              </a:spcBef>
-              <a:buNone/>
-            </a:pPr>
-            <a:endParaRPr b="0" lang="pt-BR" sz="2800" spc="-1" strike="noStrike">
-              <a:solidFill>
-                <a:srgbClr val="000000"/>
-              </a:solidFill>
+            <a:endParaRPr b="0" lang="pt-BR" sz="3200" spc="-1" strike="noStrike">
               <a:latin typeface="Arial"/>
             </a:endParaRPr>
           </a:p>
@@ -5325,19 +5082,7 @@
             <a:normAutofit/>
           </a:bodyPr>
           <a:p>
-            <a:pPr>
-              <a:lnSpc>
-                <a:spcPct val="90000"/>
-              </a:lnSpc>
-              <a:spcBef>
-                <a:spcPts val="1417"/>
-              </a:spcBef>
-              <a:buNone/>
-            </a:pPr>
-            <a:endParaRPr b="0" lang="pt-BR" sz="2800" spc="-1" strike="noStrike">
-              <a:solidFill>
-                <a:srgbClr val="000000"/>
-              </a:solidFill>
+            <a:endParaRPr b="0" lang="pt-BR" sz="3200" spc="-1" strike="noStrike">
               <a:latin typeface="Arial"/>
             </a:endParaRPr>
           </a:p>
@@ -5393,10 +5138,10 @@
             <a:noAutofit/>
           </a:bodyPr>
           <a:p>
-            <a:endParaRPr b="0" lang="pt-BR" sz="1800" spc="-1" strike="noStrike">
-              <a:solidFill>
-                <a:srgbClr val="000000"/>
-              </a:solidFill>
+            <a:pPr algn="ctr">
+              <a:buNone/>
+            </a:pPr>
+            <a:endParaRPr b="0" lang="pt-BR" sz="4400" spc="-1" strike="noStrike">
               <a:latin typeface="Arial"/>
             </a:endParaRPr>
           </a:p>
@@ -5430,19 +5175,7 @@
             <a:normAutofit/>
           </a:bodyPr>
           <a:p>
-            <a:pPr>
-              <a:lnSpc>
-                <a:spcPct val="90000"/>
-              </a:lnSpc>
-              <a:spcBef>
-                <a:spcPts val="1417"/>
-              </a:spcBef>
-              <a:buNone/>
-            </a:pPr>
-            <a:endParaRPr b="0" lang="pt-BR" sz="2800" spc="-1" strike="noStrike">
-              <a:solidFill>
-                <a:srgbClr val="000000"/>
-              </a:solidFill>
+            <a:endParaRPr b="0" lang="pt-BR" sz="3200" spc="-1" strike="noStrike">
               <a:latin typeface="Arial"/>
             </a:endParaRPr>
           </a:p>
@@ -5476,19 +5209,7 @@
             <a:normAutofit/>
           </a:bodyPr>
           <a:p>
-            <a:pPr>
-              <a:lnSpc>
-                <a:spcPct val="90000"/>
-              </a:lnSpc>
-              <a:spcBef>
-                <a:spcPts val="1417"/>
-              </a:spcBef>
-              <a:buNone/>
-            </a:pPr>
-            <a:endParaRPr b="0" lang="pt-BR" sz="2800" spc="-1" strike="noStrike">
-              <a:solidFill>
-                <a:srgbClr val="000000"/>
-              </a:solidFill>
+            <a:endParaRPr b="0" lang="pt-BR" sz="3200" spc="-1" strike="noStrike">
               <a:latin typeface="Arial"/>
             </a:endParaRPr>
           </a:p>
@@ -5522,19 +5243,7 @@
             <a:normAutofit/>
           </a:bodyPr>
           <a:p>
-            <a:pPr>
-              <a:lnSpc>
-                <a:spcPct val="90000"/>
-              </a:lnSpc>
-              <a:spcBef>
-                <a:spcPts val="1417"/>
-              </a:spcBef>
-              <a:buNone/>
-            </a:pPr>
-            <a:endParaRPr b="0" lang="pt-BR" sz="2800" spc="-1" strike="noStrike">
-              <a:solidFill>
-                <a:srgbClr val="000000"/>
-              </a:solidFill>
+            <a:endParaRPr b="0" lang="pt-BR" sz="3200" spc="-1" strike="noStrike">
               <a:latin typeface="Arial"/>
             </a:endParaRPr>
           </a:p>
@@ -5590,10 +5299,10 @@
             <a:noAutofit/>
           </a:bodyPr>
           <a:p>
-            <a:endParaRPr b="0" lang="pt-BR" sz="1800" spc="-1" strike="noStrike">
-              <a:solidFill>
-                <a:srgbClr val="000000"/>
-              </a:solidFill>
+            <a:pPr algn="ctr">
+              <a:buNone/>
+            </a:pPr>
+            <a:endParaRPr b="0" lang="pt-BR" sz="4400" spc="-1" strike="noStrike">
               <a:latin typeface="Arial"/>
             </a:endParaRPr>
           </a:p>
@@ -5627,19 +5336,7 @@
             <a:normAutofit/>
           </a:bodyPr>
           <a:p>
-            <a:pPr>
-              <a:lnSpc>
-                <a:spcPct val="90000"/>
-              </a:lnSpc>
-              <a:spcBef>
-                <a:spcPts val="1417"/>
-              </a:spcBef>
-              <a:buNone/>
-            </a:pPr>
-            <a:endParaRPr b="0" lang="pt-BR" sz="2800" spc="-1" strike="noStrike">
-              <a:solidFill>
-                <a:srgbClr val="000000"/>
-              </a:solidFill>
+            <a:endParaRPr b="0" lang="pt-BR" sz="3200" spc="-1" strike="noStrike">
               <a:latin typeface="Arial"/>
             </a:endParaRPr>
           </a:p>
@@ -5673,19 +5370,7 @@
             <a:normAutofit/>
           </a:bodyPr>
           <a:p>
-            <a:pPr>
-              <a:lnSpc>
-                <a:spcPct val="90000"/>
-              </a:lnSpc>
-              <a:spcBef>
-                <a:spcPts val="1417"/>
-              </a:spcBef>
-              <a:buNone/>
-            </a:pPr>
-            <a:endParaRPr b="0" lang="pt-BR" sz="2800" spc="-1" strike="noStrike">
-              <a:solidFill>
-                <a:srgbClr val="000000"/>
-              </a:solidFill>
+            <a:endParaRPr b="0" lang="pt-BR" sz="3200" spc="-1" strike="noStrike">
               <a:latin typeface="Arial"/>
             </a:endParaRPr>
           </a:p>
@@ -5741,10 +5426,10 @@
             <a:noAutofit/>
           </a:bodyPr>
           <a:p>
-            <a:endParaRPr b="0" lang="pt-BR" sz="1800" spc="-1" strike="noStrike">
-              <a:solidFill>
-                <a:srgbClr val="000000"/>
-              </a:solidFill>
+            <a:pPr algn="ctr">
+              <a:buNone/>
+            </a:pPr>
+            <a:endParaRPr b="0" lang="pt-BR" sz="4400" spc="-1" strike="noStrike">
               <a:latin typeface="Arial"/>
             </a:endParaRPr>
           </a:p>
@@ -5778,19 +5463,7 @@
             <a:normAutofit/>
           </a:bodyPr>
           <a:p>
-            <a:pPr>
-              <a:lnSpc>
-                <a:spcPct val="90000"/>
-              </a:lnSpc>
-              <a:spcBef>
-                <a:spcPts val="1417"/>
-              </a:spcBef>
-              <a:buNone/>
-            </a:pPr>
-            <a:endParaRPr b="0" lang="pt-BR" sz="2800" spc="-1" strike="noStrike">
-              <a:solidFill>
-                <a:srgbClr val="000000"/>
-              </a:solidFill>
+            <a:endParaRPr b="0" lang="pt-BR" sz="3200" spc="-1" strike="noStrike">
               <a:latin typeface="Arial"/>
             </a:endParaRPr>
           </a:p>
@@ -5824,19 +5497,7 @@
             <a:normAutofit/>
           </a:bodyPr>
           <a:p>
-            <a:pPr>
-              <a:lnSpc>
-                <a:spcPct val="90000"/>
-              </a:lnSpc>
-              <a:spcBef>
-                <a:spcPts val="1417"/>
-              </a:spcBef>
-              <a:buNone/>
-            </a:pPr>
-            <a:endParaRPr b="0" lang="pt-BR" sz="2800" spc="-1" strike="noStrike">
-              <a:solidFill>
-                <a:srgbClr val="000000"/>
-              </a:solidFill>
+            <a:endParaRPr b="0" lang="pt-BR" sz="3200" spc="-1" strike="noStrike">
               <a:latin typeface="Arial"/>
             </a:endParaRPr>
           </a:p>
@@ -5870,19 +5531,7 @@
             <a:normAutofit/>
           </a:bodyPr>
           <a:p>
-            <a:pPr>
-              <a:lnSpc>
-                <a:spcPct val="90000"/>
-              </a:lnSpc>
-              <a:spcBef>
-                <a:spcPts val="1417"/>
-              </a:spcBef>
-              <a:buNone/>
-            </a:pPr>
-            <a:endParaRPr b="0" lang="pt-BR" sz="2800" spc="-1" strike="noStrike">
-              <a:solidFill>
-                <a:srgbClr val="000000"/>
-              </a:solidFill>
+            <a:endParaRPr b="0" lang="pt-BR" sz="3200" spc="-1" strike="noStrike">
               <a:latin typeface="Arial"/>
             </a:endParaRPr>
           </a:p>
@@ -5916,19 +5565,7 @@
             <a:normAutofit/>
           </a:bodyPr>
           <a:p>
-            <a:pPr>
-              <a:lnSpc>
-                <a:spcPct val="90000"/>
-              </a:lnSpc>
-              <a:spcBef>
-                <a:spcPts val="1417"/>
-              </a:spcBef>
-              <a:buNone/>
-            </a:pPr>
-            <a:endParaRPr b="0" lang="pt-BR" sz="2800" spc="-1" strike="noStrike">
-              <a:solidFill>
-                <a:srgbClr val="000000"/>
-              </a:solidFill>
+            <a:endParaRPr b="0" lang="pt-BR" sz="3200" spc="-1" strike="noStrike">
               <a:latin typeface="Arial"/>
             </a:endParaRPr>
           </a:p>
@@ -5984,10 +5621,10 @@
             <a:noAutofit/>
           </a:bodyPr>
           <a:p>
-            <a:endParaRPr b="0" lang="pt-BR" sz="1800" spc="-1" strike="noStrike">
-              <a:solidFill>
-                <a:srgbClr val="000000"/>
-              </a:solidFill>
+            <a:pPr algn="ctr">
+              <a:buNone/>
+            </a:pPr>
+            <a:endParaRPr b="0" lang="pt-BR" sz="4400" spc="-1" strike="noStrike">
               <a:latin typeface="Arial"/>
             </a:endParaRPr>
           </a:p>
@@ -6021,19 +5658,7 @@
             <a:normAutofit/>
           </a:bodyPr>
           <a:p>
-            <a:pPr>
-              <a:lnSpc>
-                <a:spcPct val="90000"/>
-              </a:lnSpc>
-              <a:spcBef>
-                <a:spcPts val="1417"/>
-              </a:spcBef>
-              <a:buNone/>
-            </a:pPr>
-            <a:endParaRPr b="0" lang="pt-BR" sz="2800" spc="-1" strike="noStrike">
-              <a:solidFill>
-                <a:srgbClr val="000000"/>
-              </a:solidFill>
+            <a:endParaRPr b="0" lang="pt-BR" sz="3200" spc="-1" strike="noStrike">
               <a:latin typeface="Arial"/>
             </a:endParaRPr>
           </a:p>
@@ -6067,19 +5692,7 @@
             <a:normAutofit/>
           </a:bodyPr>
           <a:p>
-            <a:pPr>
-              <a:lnSpc>
-                <a:spcPct val="90000"/>
-              </a:lnSpc>
-              <a:spcBef>
-                <a:spcPts val="1417"/>
-              </a:spcBef>
-              <a:buNone/>
-            </a:pPr>
-            <a:endParaRPr b="0" lang="pt-BR" sz="2800" spc="-1" strike="noStrike">
-              <a:solidFill>
-                <a:srgbClr val="000000"/>
-              </a:solidFill>
+            <a:endParaRPr b="0" lang="pt-BR" sz="3200" spc="-1" strike="noStrike">
               <a:latin typeface="Arial"/>
             </a:endParaRPr>
           </a:p>
@@ -6113,19 +5726,7 @@
             <a:normAutofit/>
           </a:bodyPr>
           <a:p>
-            <a:pPr>
-              <a:lnSpc>
-                <a:spcPct val="90000"/>
-              </a:lnSpc>
-              <a:spcBef>
-                <a:spcPts val="1417"/>
-              </a:spcBef>
-              <a:buNone/>
-            </a:pPr>
-            <a:endParaRPr b="0" lang="pt-BR" sz="2800" spc="-1" strike="noStrike">
-              <a:solidFill>
-                <a:srgbClr val="000000"/>
-              </a:solidFill>
+            <a:endParaRPr b="0" lang="pt-BR" sz="3200" spc="-1" strike="noStrike">
               <a:latin typeface="Arial"/>
             </a:endParaRPr>
           </a:p>
@@ -6159,19 +5760,7 @@
             <a:normAutofit/>
           </a:bodyPr>
           <a:p>
-            <a:pPr>
-              <a:lnSpc>
-                <a:spcPct val="90000"/>
-              </a:lnSpc>
-              <a:spcBef>
-                <a:spcPts val="1417"/>
-              </a:spcBef>
-              <a:buNone/>
-            </a:pPr>
-            <a:endParaRPr b="0" lang="pt-BR" sz="2800" spc="-1" strike="noStrike">
-              <a:solidFill>
-                <a:srgbClr val="000000"/>
-              </a:solidFill>
+            <a:endParaRPr b="0" lang="pt-BR" sz="3200" spc="-1" strike="noStrike">
               <a:latin typeface="Arial"/>
             </a:endParaRPr>
           </a:p>
@@ -6205,19 +5794,7 @@
             <a:normAutofit/>
           </a:bodyPr>
           <a:p>
-            <a:pPr>
-              <a:lnSpc>
-                <a:spcPct val="90000"/>
-              </a:lnSpc>
-              <a:spcBef>
-                <a:spcPts val="1417"/>
-              </a:spcBef>
-              <a:buNone/>
-            </a:pPr>
-            <a:endParaRPr b="0" lang="pt-BR" sz="2800" spc="-1" strike="noStrike">
-              <a:solidFill>
-                <a:srgbClr val="000000"/>
-              </a:solidFill>
+            <a:endParaRPr b="0" lang="pt-BR" sz="3200" spc="-1" strike="noStrike">
               <a:latin typeface="Arial"/>
             </a:endParaRPr>
           </a:p>
@@ -6251,19 +5828,7 @@
             <a:normAutofit/>
           </a:bodyPr>
           <a:p>
-            <a:pPr>
-              <a:lnSpc>
-                <a:spcPct val="90000"/>
-              </a:lnSpc>
-              <a:spcBef>
-                <a:spcPts val="1417"/>
-              </a:spcBef>
-              <a:buNone/>
-            </a:pPr>
-            <a:endParaRPr b="0" lang="pt-BR" sz="2800" spc="-1" strike="noStrike">
-              <a:solidFill>
-                <a:srgbClr val="000000"/>
-              </a:solidFill>
+            <a:endParaRPr b="0" lang="pt-BR" sz="3200" spc="-1" strike="noStrike">
               <a:latin typeface="Arial"/>
             </a:endParaRPr>
           </a:p>
@@ -6341,10 +5906,10 @@
             <a:noAutofit/>
           </a:bodyPr>
           <a:p>
-            <a:endParaRPr b="0" lang="pt-BR" sz="1800" spc="-1" strike="noStrike">
-              <a:solidFill>
-                <a:srgbClr val="000000"/>
-              </a:solidFill>
+            <a:pPr algn="ctr">
+              <a:buNone/>
+            </a:pPr>
+            <a:endParaRPr b="0" lang="pt-BR" sz="4400" spc="-1" strike="noStrike">
               <a:latin typeface="Arial"/>
             </a:endParaRPr>
           </a:p>
@@ -6437,10 +6002,10 @@
             <a:noAutofit/>
           </a:bodyPr>
           <a:p>
-            <a:endParaRPr b="0" lang="pt-BR" sz="1800" spc="-1" strike="noStrike">
-              <a:solidFill>
-                <a:srgbClr val="000000"/>
-              </a:solidFill>
+            <a:pPr algn="ctr">
+              <a:buNone/>
+            </a:pPr>
+            <a:endParaRPr b="0" lang="pt-BR" sz="4400" spc="-1" strike="noStrike">
               <a:latin typeface="Arial"/>
             </a:endParaRPr>
           </a:p>
@@ -6474,19 +6039,7 @@
             <a:normAutofit/>
           </a:bodyPr>
           <a:p>
-            <a:pPr>
-              <a:lnSpc>
-                <a:spcPct val="90000"/>
-              </a:lnSpc>
-              <a:spcBef>
-                <a:spcPts val="1417"/>
-              </a:spcBef>
-              <a:buNone/>
-            </a:pPr>
-            <a:endParaRPr b="0" lang="pt-BR" sz="2800" spc="-1" strike="noStrike">
-              <a:solidFill>
-                <a:srgbClr val="000000"/>
-              </a:solidFill>
+            <a:endParaRPr b="0" lang="pt-BR" sz="3200" spc="-1" strike="noStrike">
               <a:latin typeface="Arial"/>
             </a:endParaRPr>
           </a:p>
@@ -6542,10 +6095,10 @@
             <a:noAutofit/>
           </a:bodyPr>
           <a:p>
-            <a:endParaRPr b="0" lang="pt-BR" sz="1800" spc="-1" strike="noStrike">
-              <a:solidFill>
-                <a:srgbClr val="000000"/>
-              </a:solidFill>
+            <a:pPr algn="ctr">
+              <a:buNone/>
+            </a:pPr>
+            <a:endParaRPr b="0" lang="pt-BR" sz="4400" spc="-1" strike="noStrike">
               <a:latin typeface="Arial"/>
             </a:endParaRPr>
           </a:p>
@@ -6579,19 +6132,7 @@
             <a:normAutofit/>
           </a:bodyPr>
           <a:p>
-            <a:pPr>
-              <a:lnSpc>
-                <a:spcPct val="90000"/>
-              </a:lnSpc>
-              <a:spcBef>
-                <a:spcPts val="1417"/>
-              </a:spcBef>
-              <a:buNone/>
-            </a:pPr>
-            <a:endParaRPr b="0" lang="pt-BR" sz="2800" spc="-1" strike="noStrike">
-              <a:solidFill>
-                <a:srgbClr val="000000"/>
-              </a:solidFill>
+            <a:endParaRPr b="0" lang="pt-BR" sz="3200" spc="-1" strike="noStrike">
               <a:latin typeface="Arial"/>
             </a:endParaRPr>
           </a:p>
@@ -6625,19 +6166,7 @@
             <a:normAutofit/>
           </a:bodyPr>
           <a:p>
-            <a:pPr>
-              <a:lnSpc>
-                <a:spcPct val="90000"/>
-              </a:lnSpc>
-              <a:spcBef>
-                <a:spcPts val="1417"/>
-              </a:spcBef>
-              <a:buNone/>
-            </a:pPr>
-            <a:endParaRPr b="0" lang="pt-BR" sz="2800" spc="-1" strike="noStrike">
-              <a:solidFill>
-                <a:srgbClr val="000000"/>
-              </a:solidFill>
+            <a:endParaRPr b="0" lang="pt-BR" sz="3200" spc="-1" strike="noStrike">
               <a:latin typeface="Arial"/>
             </a:endParaRPr>
           </a:p>
@@ -6693,10 +6222,10 @@
             <a:noAutofit/>
           </a:bodyPr>
           <a:p>
-            <a:endParaRPr b="0" lang="pt-BR" sz="1800" spc="-1" strike="noStrike">
-              <a:solidFill>
-                <a:srgbClr val="000000"/>
-              </a:solidFill>
+            <a:pPr algn="ctr">
+              <a:buNone/>
+            </a:pPr>
+            <a:endParaRPr b="0" lang="pt-BR" sz="4400" spc="-1" strike="noStrike">
               <a:latin typeface="Arial"/>
             </a:endParaRPr>
           </a:p>
@@ -6752,10 +6281,10 @@
             <a:noAutofit/>
           </a:bodyPr>
           <a:p>
-            <a:endParaRPr b="0" lang="pt-BR" sz="1800" spc="-1" strike="noStrike">
-              <a:solidFill>
-                <a:srgbClr val="000000"/>
-              </a:solidFill>
+            <a:pPr algn="ctr">
+              <a:buNone/>
+            </a:pPr>
+            <a:endParaRPr b="0" lang="pt-BR" sz="4400" spc="-1" strike="noStrike">
               <a:latin typeface="Arial"/>
             </a:endParaRPr>
           </a:p>
@@ -6789,19 +6318,7 @@
             <a:normAutofit/>
           </a:bodyPr>
           <a:p>
-            <a:pPr>
-              <a:lnSpc>
-                <a:spcPct val="90000"/>
-              </a:lnSpc>
-              <a:spcBef>
-                <a:spcPts val="1417"/>
-              </a:spcBef>
-              <a:buNone/>
-            </a:pPr>
-            <a:endParaRPr b="0" lang="pt-BR" sz="2800" spc="-1" strike="noStrike">
-              <a:solidFill>
-                <a:srgbClr val="000000"/>
-              </a:solidFill>
+            <a:endParaRPr b="0" lang="pt-BR" sz="3200" spc="-1" strike="noStrike">
               <a:latin typeface="Arial"/>
             </a:endParaRPr>
           </a:p>
@@ -6916,10 +6433,10 @@
             <a:noAutofit/>
           </a:bodyPr>
           <a:p>
-            <a:endParaRPr b="0" lang="pt-BR" sz="1800" spc="-1" strike="noStrike">
-              <a:solidFill>
-                <a:srgbClr val="000000"/>
-              </a:solidFill>
+            <a:pPr algn="ctr">
+              <a:buNone/>
+            </a:pPr>
+            <a:endParaRPr b="0" lang="pt-BR" sz="4400" spc="-1" strike="noStrike">
               <a:latin typeface="Arial"/>
             </a:endParaRPr>
           </a:p>
@@ -6953,19 +6470,7 @@
             <a:normAutofit/>
           </a:bodyPr>
           <a:p>
-            <a:pPr>
-              <a:lnSpc>
-                <a:spcPct val="90000"/>
-              </a:lnSpc>
-              <a:spcBef>
-                <a:spcPts val="1417"/>
-              </a:spcBef>
-              <a:buNone/>
-            </a:pPr>
-            <a:endParaRPr b="0" lang="pt-BR" sz="2800" spc="-1" strike="noStrike">
-              <a:solidFill>
-                <a:srgbClr val="000000"/>
-              </a:solidFill>
+            <a:endParaRPr b="0" lang="pt-BR" sz="3200" spc="-1" strike="noStrike">
               <a:latin typeface="Arial"/>
             </a:endParaRPr>
           </a:p>
@@ -6999,19 +6504,7 @@
             <a:normAutofit/>
           </a:bodyPr>
           <a:p>
-            <a:pPr>
-              <a:lnSpc>
-                <a:spcPct val="90000"/>
-              </a:lnSpc>
-              <a:spcBef>
-                <a:spcPts val="1417"/>
-              </a:spcBef>
-              <a:buNone/>
-            </a:pPr>
-            <a:endParaRPr b="0" lang="pt-BR" sz="2800" spc="-1" strike="noStrike">
-              <a:solidFill>
-                <a:srgbClr val="000000"/>
-              </a:solidFill>
+            <a:endParaRPr b="0" lang="pt-BR" sz="3200" spc="-1" strike="noStrike">
               <a:latin typeface="Arial"/>
             </a:endParaRPr>
           </a:p>
@@ -7045,19 +6538,7 @@
             <a:normAutofit/>
           </a:bodyPr>
           <a:p>
-            <a:pPr>
-              <a:lnSpc>
-                <a:spcPct val="90000"/>
-              </a:lnSpc>
-              <a:spcBef>
-                <a:spcPts val="1417"/>
-              </a:spcBef>
-              <a:buNone/>
-            </a:pPr>
-            <a:endParaRPr b="0" lang="pt-BR" sz="2800" spc="-1" strike="noStrike">
-              <a:solidFill>
-                <a:srgbClr val="000000"/>
-              </a:solidFill>
+            <a:endParaRPr b="0" lang="pt-BR" sz="3200" spc="-1" strike="noStrike">
               <a:latin typeface="Arial"/>
             </a:endParaRPr>
           </a:p>
@@ -7113,10 +6594,10 @@
             <a:noAutofit/>
           </a:bodyPr>
           <a:p>
-            <a:endParaRPr b="0" lang="pt-BR" sz="1800" spc="-1" strike="noStrike">
-              <a:solidFill>
-                <a:srgbClr val="000000"/>
-              </a:solidFill>
+            <a:pPr algn="ctr">
+              <a:buNone/>
+            </a:pPr>
+            <a:endParaRPr b="0" lang="pt-BR" sz="4400" spc="-1" strike="noStrike">
               <a:latin typeface="Arial"/>
             </a:endParaRPr>
           </a:p>
@@ -7150,19 +6631,7 @@
             <a:normAutofit/>
           </a:bodyPr>
           <a:p>
-            <a:pPr>
-              <a:lnSpc>
-                <a:spcPct val="90000"/>
-              </a:lnSpc>
-              <a:spcBef>
-                <a:spcPts val="1417"/>
-              </a:spcBef>
-              <a:buNone/>
-            </a:pPr>
-            <a:endParaRPr b="0" lang="pt-BR" sz="2800" spc="-1" strike="noStrike">
-              <a:solidFill>
-                <a:srgbClr val="000000"/>
-              </a:solidFill>
+            <a:endParaRPr b="0" lang="pt-BR" sz="3200" spc="-1" strike="noStrike">
               <a:latin typeface="Arial"/>
             </a:endParaRPr>
           </a:p>
@@ -7196,19 +6665,7 @@
             <a:normAutofit/>
           </a:bodyPr>
           <a:p>
-            <a:pPr>
-              <a:lnSpc>
-                <a:spcPct val="90000"/>
-              </a:lnSpc>
-              <a:spcBef>
-                <a:spcPts val="1417"/>
-              </a:spcBef>
-              <a:buNone/>
-            </a:pPr>
-            <a:endParaRPr b="0" lang="pt-BR" sz="2800" spc="-1" strike="noStrike">
-              <a:solidFill>
-                <a:srgbClr val="000000"/>
-              </a:solidFill>
+            <a:endParaRPr b="0" lang="pt-BR" sz="3200" spc="-1" strike="noStrike">
               <a:latin typeface="Arial"/>
             </a:endParaRPr>
           </a:p>
@@ -7242,19 +6699,7 @@
             <a:normAutofit/>
           </a:bodyPr>
           <a:p>
-            <a:pPr>
-              <a:lnSpc>
-                <a:spcPct val="90000"/>
-              </a:lnSpc>
-              <a:spcBef>
-                <a:spcPts val="1417"/>
-              </a:spcBef>
-              <a:buNone/>
-            </a:pPr>
-            <a:endParaRPr b="0" lang="pt-BR" sz="2800" spc="-1" strike="noStrike">
-              <a:solidFill>
-                <a:srgbClr val="000000"/>
-              </a:solidFill>
+            <a:endParaRPr b="0" lang="pt-BR" sz="3200" spc="-1" strike="noStrike">
               <a:latin typeface="Arial"/>
             </a:endParaRPr>
           </a:p>
@@ -7310,10 +6755,10 @@
             <a:noAutofit/>
           </a:bodyPr>
           <a:p>
-            <a:endParaRPr b="0" lang="pt-BR" sz="1800" spc="-1" strike="noStrike">
-              <a:solidFill>
-                <a:srgbClr val="000000"/>
-              </a:solidFill>
+            <a:pPr algn="ctr">
+              <a:buNone/>
+            </a:pPr>
+            <a:endParaRPr b="0" lang="pt-BR" sz="4400" spc="-1" strike="noStrike">
               <a:latin typeface="Arial"/>
             </a:endParaRPr>
           </a:p>
@@ -7347,19 +6792,7 @@
             <a:normAutofit/>
           </a:bodyPr>
           <a:p>
-            <a:pPr>
-              <a:lnSpc>
-                <a:spcPct val="90000"/>
-              </a:lnSpc>
-              <a:spcBef>
-                <a:spcPts val="1417"/>
-              </a:spcBef>
-              <a:buNone/>
-            </a:pPr>
-            <a:endParaRPr b="0" lang="pt-BR" sz="2800" spc="-1" strike="noStrike">
-              <a:solidFill>
-                <a:srgbClr val="000000"/>
-              </a:solidFill>
+            <a:endParaRPr b="0" lang="pt-BR" sz="3200" spc="-1" strike="noStrike">
               <a:latin typeface="Arial"/>
             </a:endParaRPr>
           </a:p>
@@ -7393,19 +6826,7 @@
             <a:normAutofit/>
           </a:bodyPr>
           <a:p>
-            <a:pPr>
-              <a:lnSpc>
-                <a:spcPct val="90000"/>
-              </a:lnSpc>
-              <a:spcBef>
-                <a:spcPts val="1417"/>
-              </a:spcBef>
-              <a:buNone/>
-            </a:pPr>
-            <a:endParaRPr b="0" lang="pt-BR" sz="2800" spc="-1" strike="noStrike">
-              <a:solidFill>
-                <a:srgbClr val="000000"/>
-              </a:solidFill>
+            <a:endParaRPr b="0" lang="pt-BR" sz="3200" spc="-1" strike="noStrike">
               <a:latin typeface="Arial"/>
             </a:endParaRPr>
           </a:p>
@@ -7439,19 +6860,7 @@
             <a:normAutofit/>
           </a:bodyPr>
           <a:p>
-            <a:pPr>
-              <a:lnSpc>
-                <a:spcPct val="90000"/>
-              </a:lnSpc>
-              <a:spcBef>
-                <a:spcPts val="1417"/>
-              </a:spcBef>
-              <a:buNone/>
-            </a:pPr>
-            <a:endParaRPr b="0" lang="pt-BR" sz="2800" spc="-1" strike="noStrike">
-              <a:solidFill>
-                <a:srgbClr val="000000"/>
-              </a:solidFill>
+            <a:endParaRPr b="0" lang="pt-BR" sz="3200" spc="-1" strike="noStrike">
               <a:latin typeface="Arial"/>
             </a:endParaRPr>
           </a:p>
@@ -7507,10 +6916,10 @@
             <a:noAutofit/>
           </a:bodyPr>
           <a:p>
-            <a:endParaRPr b="0" lang="pt-BR" sz="1800" spc="-1" strike="noStrike">
-              <a:solidFill>
-                <a:srgbClr val="000000"/>
-              </a:solidFill>
+            <a:pPr algn="ctr">
+              <a:buNone/>
+            </a:pPr>
+            <a:endParaRPr b="0" lang="pt-BR" sz="4400" spc="-1" strike="noStrike">
               <a:latin typeface="Arial"/>
             </a:endParaRPr>
           </a:p>
@@ -7544,19 +6953,7 @@
             <a:normAutofit/>
           </a:bodyPr>
           <a:p>
-            <a:pPr>
-              <a:lnSpc>
-                <a:spcPct val="90000"/>
-              </a:lnSpc>
-              <a:spcBef>
-                <a:spcPts val="1417"/>
-              </a:spcBef>
-              <a:buNone/>
-            </a:pPr>
-            <a:endParaRPr b="0" lang="pt-BR" sz="2800" spc="-1" strike="noStrike">
-              <a:solidFill>
-                <a:srgbClr val="000000"/>
-              </a:solidFill>
+            <a:endParaRPr b="0" lang="pt-BR" sz="3200" spc="-1" strike="noStrike">
               <a:latin typeface="Arial"/>
             </a:endParaRPr>
           </a:p>
@@ -7590,19 +6987,7 @@
             <a:normAutofit/>
           </a:bodyPr>
           <a:p>
-            <a:pPr>
-              <a:lnSpc>
-                <a:spcPct val="90000"/>
-              </a:lnSpc>
-              <a:spcBef>
-                <a:spcPts val="1417"/>
-              </a:spcBef>
-              <a:buNone/>
-            </a:pPr>
-            <a:endParaRPr b="0" lang="pt-BR" sz="2800" spc="-1" strike="noStrike">
-              <a:solidFill>
-                <a:srgbClr val="000000"/>
-              </a:solidFill>
+            <a:endParaRPr b="0" lang="pt-BR" sz="3200" spc="-1" strike="noStrike">
               <a:latin typeface="Arial"/>
             </a:endParaRPr>
           </a:p>
@@ -7658,10 +7043,10 @@
             <a:noAutofit/>
           </a:bodyPr>
           <a:p>
-            <a:endParaRPr b="0" lang="pt-BR" sz="1800" spc="-1" strike="noStrike">
-              <a:solidFill>
-                <a:srgbClr val="000000"/>
-              </a:solidFill>
+            <a:pPr algn="ctr">
+              <a:buNone/>
+            </a:pPr>
+            <a:endParaRPr b="0" lang="pt-BR" sz="4400" spc="-1" strike="noStrike">
               <a:latin typeface="Arial"/>
             </a:endParaRPr>
           </a:p>
@@ -7695,19 +7080,7 @@
             <a:normAutofit/>
           </a:bodyPr>
           <a:p>
-            <a:pPr>
-              <a:lnSpc>
-                <a:spcPct val="90000"/>
-              </a:lnSpc>
-              <a:spcBef>
-                <a:spcPts val="1417"/>
-              </a:spcBef>
-              <a:buNone/>
-            </a:pPr>
-            <a:endParaRPr b="0" lang="pt-BR" sz="2800" spc="-1" strike="noStrike">
-              <a:solidFill>
-                <a:srgbClr val="000000"/>
-              </a:solidFill>
+            <a:endParaRPr b="0" lang="pt-BR" sz="3200" spc="-1" strike="noStrike">
               <a:latin typeface="Arial"/>
             </a:endParaRPr>
           </a:p>
@@ -7741,19 +7114,7 @@
             <a:normAutofit/>
           </a:bodyPr>
           <a:p>
-            <a:pPr>
-              <a:lnSpc>
-                <a:spcPct val="90000"/>
-              </a:lnSpc>
-              <a:spcBef>
-                <a:spcPts val="1417"/>
-              </a:spcBef>
-              <a:buNone/>
-            </a:pPr>
-            <a:endParaRPr b="0" lang="pt-BR" sz="2800" spc="-1" strike="noStrike">
-              <a:solidFill>
-                <a:srgbClr val="000000"/>
-              </a:solidFill>
+            <a:endParaRPr b="0" lang="pt-BR" sz="3200" spc="-1" strike="noStrike">
               <a:latin typeface="Arial"/>
             </a:endParaRPr>
           </a:p>
@@ -7787,19 +7148,7 @@
             <a:normAutofit/>
           </a:bodyPr>
           <a:p>
-            <a:pPr>
-              <a:lnSpc>
-                <a:spcPct val="90000"/>
-              </a:lnSpc>
-              <a:spcBef>
-                <a:spcPts val="1417"/>
-              </a:spcBef>
-              <a:buNone/>
-            </a:pPr>
-            <a:endParaRPr b="0" lang="pt-BR" sz="2800" spc="-1" strike="noStrike">
-              <a:solidFill>
-                <a:srgbClr val="000000"/>
-              </a:solidFill>
+            <a:endParaRPr b="0" lang="pt-BR" sz="3200" spc="-1" strike="noStrike">
               <a:latin typeface="Arial"/>
             </a:endParaRPr>
           </a:p>
@@ -7833,19 +7182,7 @@
             <a:normAutofit/>
           </a:bodyPr>
           <a:p>
-            <a:pPr>
-              <a:lnSpc>
-                <a:spcPct val="90000"/>
-              </a:lnSpc>
-              <a:spcBef>
-                <a:spcPts val="1417"/>
-              </a:spcBef>
-              <a:buNone/>
-            </a:pPr>
-            <a:endParaRPr b="0" lang="pt-BR" sz="2800" spc="-1" strike="noStrike">
-              <a:solidFill>
-                <a:srgbClr val="000000"/>
-              </a:solidFill>
+            <a:endParaRPr b="0" lang="pt-BR" sz="3200" spc="-1" strike="noStrike">
               <a:latin typeface="Arial"/>
             </a:endParaRPr>
           </a:p>
@@ -7901,10 +7238,10 @@
             <a:noAutofit/>
           </a:bodyPr>
           <a:p>
-            <a:endParaRPr b="0" lang="pt-BR" sz="1800" spc="-1" strike="noStrike">
-              <a:solidFill>
-                <a:srgbClr val="000000"/>
-              </a:solidFill>
+            <a:pPr algn="ctr">
+              <a:buNone/>
+            </a:pPr>
+            <a:endParaRPr b="0" lang="pt-BR" sz="4400" spc="-1" strike="noStrike">
               <a:latin typeface="Arial"/>
             </a:endParaRPr>
           </a:p>
@@ -7938,19 +7275,7 @@
             <a:normAutofit/>
           </a:bodyPr>
           <a:p>
-            <a:pPr>
-              <a:lnSpc>
-                <a:spcPct val="90000"/>
-              </a:lnSpc>
-              <a:spcBef>
-                <a:spcPts val="1417"/>
-              </a:spcBef>
-              <a:buNone/>
-            </a:pPr>
-            <a:endParaRPr b="0" lang="pt-BR" sz="2800" spc="-1" strike="noStrike">
-              <a:solidFill>
-                <a:srgbClr val="000000"/>
-              </a:solidFill>
+            <a:endParaRPr b="0" lang="pt-BR" sz="3200" spc="-1" strike="noStrike">
               <a:latin typeface="Arial"/>
             </a:endParaRPr>
           </a:p>
@@ -7984,19 +7309,7 @@
             <a:normAutofit/>
           </a:bodyPr>
           <a:p>
-            <a:pPr>
-              <a:lnSpc>
-                <a:spcPct val="90000"/>
-              </a:lnSpc>
-              <a:spcBef>
-                <a:spcPts val="1417"/>
-              </a:spcBef>
-              <a:buNone/>
-            </a:pPr>
-            <a:endParaRPr b="0" lang="pt-BR" sz="2800" spc="-1" strike="noStrike">
-              <a:solidFill>
-                <a:srgbClr val="000000"/>
-              </a:solidFill>
+            <a:endParaRPr b="0" lang="pt-BR" sz="3200" spc="-1" strike="noStrike">
               <a:latin typeface="Arial"/>
             </a:endParaRPr>
           </a:p>
@@ -8030,19 +7343,7 @@
             <a:normAutofit/>
           </a:bodyPr>
           <a:p>
-            <a:pPr>
-              <a:lnSpc>
-                <a:spcPct val="90000"/>
-              </a:lnSpc>
-              <a:spcBef>
-                <a:spcPts val="1417"/>
-              </a:spcBef>
-              <a:buNone/>
-            </a:pPr>
-            <a:endParaRPr b="0" lang="pt-BR" sz="2800" spc="-1" strike="noStrike">
-              <a:solidFill>
-                <a:srgbClr val="000000"/>
-              </a:solidFill>
+            <a:endParaRPr b="0" lang="pt-BR" sz="3200" spc="-1" strike="noStrike">
               <a:latin typeface="Arial"/>
             </a:endParaRPr>
           </a:p>
@@ -8076,19 +7377,7 @@
             <a:normAutofit/>
           </a:bodyPr>
           <a:p>
-            <a:pPr>
-              <a:lnSpc>
-                <a:spcPct val="90000"/>
-              </a:lnSpc>
-              <a:spcBef>
-                <a:spcPts val="1417"/>
-              </a:spcBef>
-              <a:buNone/>
-            </a:pPr>
-            <a:endParaRPr b="0" lang="pt-BR" sz="2800" spc="-1" strike="noStrike">
-              <a:solidFill>
-                <a:srgbClr val="000000"/>
-              </a:solidFill>
+            <a:endParaRPr b="0" lang="pt-BR" sz="3200" spc="-1" strike="noStrike">
               <a:latin typeface="Arial"/>
             </a:endParaRPr>
           </a:p>
@@ -8122,19 +7411,7 @@
             <a:normAutofit/>
           </a:bodyPr>
           <a:p>
-            <a:pPr>
-              <a:lnSpc>
-                <a:spcPct val="90000"/>
-              </a:lnSpc>
-              <a:spcBef>
-                <a:spcPts val="1417"/>
-              </a:spcBef>
-              <a:buNone/>
-            </a:pPr>
-            <a:endParaRPr b="0" lang="pt-BR" sz="2800" spc="-1" strike="noStrike">
-              <a:solidFill>
-                <a:srgbClr val="000000"/>
-              </a:solidFill>
+            <a:endParaRPr b="0" lang="pt-BR" sz="3200" spc="-1" strike="noStrike">
               <a:latin typeface="Arial"/>
             </a:endParaRPr>
           </a:p>
@@ -8168,19 +7445,7 @@
             <a:normAutofit/>
           </a:bodyPr>
           <a:p>
-            <a:pPr>
-              <a:lnSpc>
-                <a:spcPct val="90000"/>
-              </a:lnSpc>
-              <a:spcBef>
-                <a:spcPts val="1417"/>
-              </a:spcBef>
-              <a:buNone/>
-            </a:pPr>
-            <a:endParaRPr b="0" lang="pt-BR" sz="2800" spc="-1" strike="noStrike">
-              <a:solidFill>
-                <a:srgbClr val="000000"/>
-              </a:solidFill>
+            <a:endParaRPr b="0" lang="pt-BR" sz="3200" spc="-1" strike="noStrike">
               <a:latin typeface="Arial"/>
             </a:endParaRPr>
           </a:p>
@@ -8258,10 +7523,10 @@
             <a:noAutofit/>
           </a:bodyPr>
           <a:p>
-            <a:endParaRPr b="0" lang="pt-BR" sz="1800" spc="-1" strike="noStrike">
-              <a:solidFill>
-                <a:srgbClr val="000000"/>
-              </a:solidFill>
+            <a:pPr algn="ctr">
+              <a:buNone/>
+            </a:pPr>
+            <a:endParaRPr b="0" lang="pt-BR" sz="4400" spc="-1" strike="noStrike">
               <a:latin typeface="Arial"/>
             </a:endParaRPr>
           </a:p>
@@ -8354,10 +7619,10 @@
             <a:noAutofit/>
           </a:bodyPr>
           <a:p>
-            <a:endParaRPr b="0" lang="pt-BR" sz="1800" spc="-1" strike="noStrike">
-              <a:solidFill>
-                <a:srgbClr val="000000"/>
-              </a:solidFill>
+            <a:pPr algn="ctr">
+              <a:buNone/>
+            </a:pPr>
+            <a:endParaRPr b="0" lang="pt-BR" sz="4400" spc="-1" strike="noStrike">
               <a:latin typeface="Arial"/>
             </a:endParaRPr>
           </a:p>
@@ -8391,19 +7656,7 @@
             <a:normAutofit/>
           </a:bodyPr>
           <a:p>
-            <a:pPr>
-              <a:lnSpc>
-                <a:spcPct val="90000"/>
-              </a:lnSpc>
-              <a:spcBef>
-                <a:spcPts val="1417"/>
-              </a:spcBef>
-              <a:buNone/>
-            </a:pPr>
-            <a:endParaRPr b="0" lang="pt-BR" sz="2800" spc="-1" strike="noStrike">
-              <a:solidFill>
-                <a:srgbClr val="000000"/>
-              </a:solidFill>
+            <a:endParaRPr b="0" lang="pt-BR" sz="3200" spc="-1" strike="noStrike">
               <a:latin typeface="Arial"/>
             </a:endParaRPr>
           </a:p>
@@ -8459,10 +7712,10 @@
             <a:noAutofit/>
           </a:bodyPr>
           <a:p>
-            <a:endParaRPr b="0" lang="pt-BR" sz="1800" spc="-1" strike="noStrike">
-              <a:solidFill>
-                <a:srgbClr val="000000"/>
-              </a:solidFill>
+            <a:pPr algn="ctr">
+              <a:buNone/>
+            </a:pPr>
+            <a:endParaRPr b="0" lang="pt-BR" sz="4400" spc="-1" strike="noStrike">
               <a:latin typeface="Arial"/>
             </a:endParaRPr>
           </a:p>
@@ -8496,19 +7749,7 @@
             <a:normAutofit/>
           </a:bodyPr>
           <a:p>
-            <a:pPr>
-              <a:lnSpc>
-                <a:spcPct val="90000"/>
-              </a:lnSpc>
-              <a:spcBef>
-                <a:spcPts val="1417"/>
-              </a:spcBef>
-              <a:buNone/>
-            </a:pPr>
-            <a:endParaRPr b="0" lang="pt-BR" sz="2800" spc="-1" strike="noStrike">
-              <a:solidFill>
-                <a:srgbClr val="000000"/>
-              </a:solidFill>
+            <a:endParaRPr b="0" lang="pt-BR" sz="3200" spc="-1" strike="noStrike">
               <a:latin typeface="Arial"/>
             </a:endParaRPr>
           </a:p>
@@ -8542,19 +7783,7 @@
             <a:normAutofit/>
           </a:bodyPr>
           <a:p>
-            <a:pPr>
-              <a:lnSpc>
-                <a:spcPct val="90000"/>
-              </a:lnSpc>
-              <a:spcBef>
-                <a:spcPts val="1417"/>
-              </a:spcBef>
-              <a:buNone/>
-            </a:pPr>
-            <a:endParaRPr b="0" lang="pt-BR" sz="2800" spc="-1" strike="noStrike">
-              <a:solidFill>
-                <a:srgbClr val="000000"/>
-              </a:solidFill>
+            <a:endParaRPr b="0" lang="pt-BR" sz="3200" spc="-1" strike="noStrike">
               <a:latin typeface="Arial"/>
             </a:endParaRPr>
           </a:p>
@@ -8610,10 +7839,10 @@
             <a:noAutofit/>
           </a:bodyPr>
           <a:p>
-            <a:endParaRPr b="0" lang="pt-BR" sz="1800" spc="-1" strike="noStrike">
-              <a:solidFill>
-                <a:srgbClr val="000000"/>
-              </a:solidFill>
+            <a:pPr algn="ctr">
+              <a:buNone/>
+            </a:pPr>
+            <a:endParaRPr b="0" lang="pt-BR" sz="4400" spc="-1" strike="noStrike">
               <a:latin typeface="Arial"/>
             </a:endParaRPr>
           </a:p>
@@ -8647,19 +7876,7 @@
             <a:normAutofit/>
           </a:bodyPr>
           <a:p>
-            <a:pPr>
-              <a:lnSpc>
-                <a:spcPct val="90000"/>
-              </a:lnSpc>
-              <a:spcBef>
-                <a:spcPts val="1417"/>
-              </a:spcBef>
-              <a:buNone/>
-            </a:pPr>
-            <a:endParaRPr b="0" lang="pt-BR" sz="2800" spc="-1" strike="noStrike">
-              <a:solidFill>
-                <a:srgbClr val="000000"/>
-              </a:solidFill>
+            <a:endParaRPr b="0" lang="pt-BR" sz="3200" spc="-1" strike="noStrike">
               <a:latin typeface="Arial"/>
             </a:endParaRPr>
           </a:p>
@@ -8693,19 +7910,7 @@
             <a:normAutofit/>
           </a:bodyPr>
           <a:p>
-            <a:pPr>
-              <a:lnSpc>
-                <a:spcPct val="90000"/>
-              </a:lnSpc>
-              <a:spcBef>
-                <a:spcPts val="1417"/>
-              </a:spcBef>
-              <a:buNone/>
-            </a:pPr>
-            <a:endParaRPr b="0" lang="pt-BR" sz="2800" spc="-1" strike="noStrike">
-              <a:solidFill>
-                <a:srgbClr val="000000"/>
-              </a:solidFill>
+            <a:endParaRPr b="0" lang="pt-BR" sz="3200" spc="-1" strike="noStrike">
               <a:latin typeface="Arial"/>
             </a:endParaRPr>
           </a:p>
@@ -8761,10 +7966,10 @@
             <a:noAutofit/>
           </a:bodyPr>
           <a:p>
-            <a:endParaRPr b="0" lang="pt-BR" sz="1800" spc="-1" strike="noStrike">
-              <a:solidFill>
-                <a:srgbClr val="000000"/>
-              </a:solidFill>
+            <a:pPr algn="ctr">
+              <a:buNone/>
+            </a:pPr>
+            <a:endParaRPr b="0" lang="pt-BR" sz="4400" spc="-1" strike="noStrike">
               <a:latin typeface="Arial"/>
             </a:endParaRPr>
           </a:p>
@@ -8879,10 +8084,10 @@
             <a:noAutofit/>
           </a:bodyPr>
           <a:p>
-            <a:endParaRPr b="0" lang="pt-BR" sz="1800" spc="-1" strike="noStrike">
-              <a:solidFill>
-                <a:srgbClr val="000000"/>
-              </a:solidFill>
+            <a:pPr algn="ctr">
+              <a:buNone/>
+            </a:pPr>
+            <a:endParaRPr b="0" lang="pt-BR" sz="4400" spc="-1" strike="noStrike">
               <a:latin typeface="Arial"/>
             </a:endParaRPr>
           </a:p>
@@ -8916,19 +8121,7 @@
             <a:normAutofit/>
           </a:bodyPr>
           <a:p>
-            <a:pPr>
-              <a:lnSpc>
-                <a:spcPct val="90000"/>
-              </a:lnSpc>
-              <a:spcBef>
-                <a:spcPts val="1417"/>
-              </a:spcBef>
-              <a:buNone/>
-            </a:pPr>
-            <a:endParaRPr b="0" lang="pt-BR" sz="2800" spc="-1" strike="noStrike">
-              <a:solidFill>
-                <a:srgbClr val="000000"/>
-              </a:solidFill>
+            <a:endParaRPr b="0" lang="pt-BR" sz="3200" spc="-1" strike="noStrike">
               <a:latin typeface="Arial"/>
             </a:endParaRPr>
           </a:p>
@@ -8962,19 +8155,7 @@
             <a:normAutofit/>
           </a:bodyPr>
           <a:p>
-            <a:pPr>
-              <a:lnSpc>
-                <a:spcPct val="90000"/>
-              </a:lnSpc>
-              <a:spcBef>
-                <a:spcPts val="1417"/>
-              </a:spcBef>
-              <a:buNone/>
-            </a:pPr>
-            <a:endParaRPr b="0" lang="pt-BR" sz="2800" spc="-1" strike="noStrike">
-              <a:solidFill>
-                <a:srgbClr val="000000"/>
-              </a:solidFill>
+            <a:endParaRPr b="0" lang="pt-BR" sz="3200" spc="-1" strike="noStrike">
               <a:latin typeface="Arial"/>
             </a:endParaRPr>
           </a:p>
@@ -9008,19 +8189,7 @@
             <a:normAutofit/>
           </a:bodyPr>
           <a:p>
-            <a:pPr>
-              <a:lnSpc>
-                <a:spcPct val="90000"/>
-              </a:lnSpc>
-              <a:spcBef>
-                <a:spcPts val="1417"/>
-              </a:spcBef>
-              <a:buNone/>
-            </a:pPr>
-            <a:endParaRPr b="0" lang="pt-BR" sz="2800" spc="-1" strike="noStrike">
-              <a:solidFill>
-                <a:srgbClr val="000000"/>
-              </a:solidFill>
+            <a:endParaRPr b="0" lang="pt-BR" sz="3200" spc="-1" strike="noStrike">
               <a:latin typeface="Arial"/>
             </a:endParaRPr>
           </a:p>
@@ -9076,10 +8245,10 @@
             <a:noAutofit/>
           </a:bodyPr>
           <a:p>
-            <a:endParaRPr b="0" lang="pt-BR" sz="1800" spc="-1" strike="noStrike">
-              <a:solidFill>
-                <a:srgbClr val="000000"/>
-              </a:solidFill>
+            <a:pPr algn="ctr">
+              <a:buNone/>
+            </a:pPr>
+            <a:endParaRPr b="0" lang="pt-BR" sz="4400" spc="-1" strike="noStrike">
               <a:latin typeface="Arial"/>
             </a:endParaRPr>
           </a:p>
@@ -9113,19 +8282,7 @@
             <a:normAutofit/>
           </a:bodyPr>
           <a:p>
-            <a:pPr>
-              <a:lnSpc>
-                <a:spcPct val="90000"/>
-              </a:lnSpc>
-              <a:spcBef>
-                <a:spcPts val="1417"/>
-              </a:spcBef>
-              <a:buNone/>
-            </a:pPr>
-            <a:endParaRPr b="0" lang="pt-BR" sz="2800" spc="-1" strike="noStrike">
-              <a:solidFill>
-                <a:srgbClr val="000000"/>
-              </a:solidFill>
+            <a:endParaRPr b="0" lang="pt-BR" sz="3200" spc="-1" strike="noStrike">
               <a:latin typeface="Arial"/>
             </a:endParaRPr>
           </a:p>
@@ -9159,19 +8316,7 @@
             <a:normAutofit/>
           </a:bodyPr>
           <a:p>
-            <a:pPr>
-              <a:lnSpc>
-                <a:spcPct val="90000"/>
-              </a:lnSpc>
-              <a:spcBef>
-                <a:spcPts val="1417"/>
-              </a:spcBef>
-              <a:buNone/>
-            </a:pPr>
-            <a:endParaRPr b="0" lang="pt-BR" sz="2800" spc="-1" strike="noStrike">
-              <a:solidFill>
-                <a:srgbClr val="000000"/>
-              </a:solidFill>
+            <a:endParaRPr b="0" lang="pt-BR" sz="3200" spc="-1" strike="noStrike">
               <a:latin typeface="Arial"/>
             </a:endParaRPr>
           </a:p>
@@ -9205,19 +8350,7 @@
             <a:normAutofit/>
           </a:bodyPr>
           <a:p>
-            <a:pPr>
-              <a:lnSpc>
-                <a:spcPct val="90000"/>
-              </a:lnSpc>
-              <a:spcBef>
-                <a:spcPts val="1417"/>
-              </a:spcBef>
-              <a:buNone/>
-            </a:pPr>
-            <a:endParaRPr b="0" lang="pt-BR" sz="2800" spc="-1" strike="noStrike">
-              <a:solidFill>
-                <a:srgbClr val="000000"/>
-              </a:solidFill>
+            <a:endParaRPr b="0" lang="pt-BR" sz="3200" spc="-1" strike="noStrike">
               <a:latin typeface="Arial"/>
             </a:endParaRPr>
           </a:p>
@@ -9273,10 +8406,10 @@
             <a:noAutofit/>
           </a:bodyPr>
           <a:p>
-            <a:endParaRPr b="0" lang="pt-BR" sz="1800" spc="-1" strike="noStrike">
-              <a:solidFill>
-                <a:srgbClr val="000000"/>
-              </a:solidFill>
+            <a:pPr algn="ctr">
+              <a:buNone/>
+            </a:pPr>
+            <a:endParaRPr b="0" lang="pt-BR" sz="4400" spc="-1" strike="noStrike">
               <a:latin typeface="Arial"/>
             </a:endParaRPr>
           </a:p>
@@ -9310,19 +8443,7 @@
             <a:normAutofit/>
           </a:bodyPr>
           <a:p>
-            <a:pPr>
-              <a:lnSpc>
-                <a:spcPct val="90000"/>
-              </a:lnSpc>
-              <a:spcBef>
-                <a:spcPts val="1417"/>
-              </a:spcBef>
-              <a:buNone/>
-            </a:pPr>
-            <a:endParaRPr b="0" lang="pt-BR" sz="2800" spc="-1" strike="noStrike">
-              <a:solidFill>
-                <a:srgbClr val="000000"/>
-              </a:solidFill>
+            <a:endParaRPr b="0" lang="pt-BR" sz="3200" spc="-1" strike="noStrike">
               <a:latin typeface="Arial"/>
             </a:endParaRPr>
           </a:p>
@@ -9356,19 +8477,7 @@
             <a:normAutofit/>
           </a:bodyPr>
           <a:p>
-            <a:pPr>
-              <a:lnSpc>
-                <a:spcPct val="90000"/>
-              </a:lnSpc>
-              <a:spcBef>
-                <a:spcPts val="1417"/>
-              </a:spcBef>
-              <a:buNone/>
-            </a:pPr>
-            <a:endParaRPr b="0" lang="pt-BR" sz="2800" spc="-1" strike="noStrike">
-              <a:solidFill>
-                <a:srgbClr val="000000"/>
-              </a:solidFill>
+            <a:endParaRPr b="0" lang="pt-BR" sz="3200" spc="-1" strike="noStrike">
               <a:latin typeface="Arial"/>
             </a:endParaRPr>
           </a:p>
@@ -9402,19 +8511,7 @@
             <a:normAutofit/>
           </a:bodyPr>
           <a:p>
-            <a:pPr>
-              <a:lnSpc>
-                <a:spcPct val="90000"/>
-              </a:lnSpc>
-              <a:spcBef>
-                <a:spcPts val="1417"/>
-              </a:spcBef>
-              <a:buNone/>
-            </a:pPr>
-            <a:endParaRPr b="0" lang="pt-BR" sz="2800" spc="-1" strike="noStrike">
-              <a:solidFill>
-                <a:srgbClr val="000000"/>
-              </a:solidFill>
+            <a:endParaRPr b="0" lang="pt-BR" sz="3200" spc="-1" strike="noStrike">
               <a:latin typeface="Arial"/>
             </a:endParaRPr>
           </a:p>
@@ -9470,10 +8567,10 @@
             <a:noAutofit/>
           </a:bodyPr>
           <a:p>
-            <a:endParaRPr b="0" lang="pt-BR" sz="1800" spc="-1" strike="noStrike">
-              <a:solidFill>
-                <a:srgbClr val="000000"/>
-              </a:solidFill>
+            <a:pPr algn="ctr">
+              <a:buNone/>
+            </a:pPr>
+            <a:endParaRPr b="0" lang="pt-BR" sz="4400" spc="-1" strike="noStrike">
               <a:latin typeface="Arial"/>
             </a:endParaRPr>
           </a:p>
@@ -9507,19 +8604,7 @@
             <a:normAutofit/>
           </a:bodyPr>
           <a:p>
-            <a:pPr>
-              <a:lnSpc>
-                <a:spcPct val="90000"/>
-              </a:lnSpc>
-              <a:spcBef>
-                <a:spcPts val="1417"/>
-              </a:spcBef>
-              <a:buNone/>
-            </a:pPr>
-            <a:endParaRPr b="0" lang="pt-BR" sz="2800" spc="-1" strike="noStrike">
-              <a:solidFill>
-                <a:srgbClr val="000000"/>
-              </a:solidFill>
+            <a:endParaRPr b="0" lang="pt-BR" sz="3200" spc="-1" strike="noStrike">
               <a:latin typeface="Arial"/>
             </a:endParaRPr>
           </a:p>
@@ -9553,19 +8638,7 @@
             <a:normAutofit/>
           </a:bodyPr>
           <a:p>
-            <a:pPr>
-              <a:lnSpc>
-                <a:spcPct val="90000"/>
-              </a:lnSpc>
-              <a:spcBef>
-                <a:spcPts val="1417"/>
-              </a:spcBef>
-              <a:buNone/>
-            </a:pPr>
-            <a:endParaRPr b="0" lang="pt-BR" sz="2800" spc="-1" strike="noStrike">
-              <a:solidFill>
-                <a:srgbClr val="000000"/>
-              </a:solidFill>
+            <a:endParaRPr b="0" lang="pt-BR" sz="3200" spc="-1" strike="noStrike">
               <a:latin typeface="Arial"/>
             </a:endParaRPr>
           </a:p>
@@ -9621,10 +8694,10 @@
             <a:noAutofit/>
           </a:bodyPr>
           <a:p>
-            <a:endParaRPr b="0" lang="pt-BR" sz="1800" spc="-1" strike="noStrike">
-              <a:solidFill>
-                <a:srgbClr val="000000"/>
-              </a:solidFill>
+            <a:pPr algn="ctr">
+              <a:buNone/>
+            </a:pPr>
+            <a:endParaRPr b="0" lang="pt-BR" sz="4400" spc="-1" strike="noStrike">
               <a:latin typeface="Arial"/>
             </a:endParaRPr>
           </a:p>
@@ -9658,19 +8731,7 @@
             <a:normAutofit/>
           </a:bodyPr>
           <a:p>
-            <a:pPr>
-              <a:lnSpc>
-                <a:spcPct val="90000"/>
-              </a:lnSpc>
-              <a:spcBef>
-                <a:spcPts val="1417"/>
-              </a:spcBef>
-              <a:buNone/>
-            </a:pPr>
-            <a:endParaRPr b="0" lang="pt-BR" sz="2800" spc="-1" strike="noStrike">
-              <a:solidFill>
-                <a:srgbClr val="000000"/>
-              </a:solidFill>
+            <a:endParaRPr b="0" lang="pt-BR" sz="3200" spc="-1" strike="noStrike">
               <a:latin typeface="Arial"/>
             </a:endParaRPr>
           </a:p>
@@ -9704,19 +8765,7 @@
             <a:normAutofit/>
           </a:bodyPr>
           <a:p>
-            <a:pPr>
-              <a:lnSpc>
-                <a:spcPct val="90000"/>
-              </a:lnSpc>
-              <a:spcBef>
-                <a:spcPts val="1417"/>
-              </a:spcBef>
-              <a:buNone/>
-            </a:pPr>
-            <a:endParaRPr b="0" lang="pt-BR" sz="2800" spc="-1" strike="noStrike">
-              <a:solidFill>
-                <a:srgbClr val="000000"/>
-              </a:solidFill>
+            <a:endParaRPr b="0" lang="pt-BR" sz="3200" spc="-1" strike="noStrike">
               <a:latin typeface="Arial"/>
             </a:endParaRPr>
           </a:p>
@@ -9750,19 +8799,7 @@
             <a:normAutofit/>
           </a:bodyPr>
           <a:p>
-            <a:pPr>
-              <a:lnSpc>
-                <a:spcPct val="90000"/>
-              </a:lnSpc>
-              <a:spcBef>
-                <a:spcPts val="1417"/>
-              </a:spcBef>
-              <a:buNone/>
-            </a:pPr>
-            <a:endParaRPr b="0" lang="pt-BR" sz="2800" spc="-1" strike="noStrike">
-              <a:solidFill>
-                <a:srgbClr val="000000"/>
-              </a:solidFill>
+            <a:endParaRPr b="0" lang="pt-BR" sz="3200" spc="-1" strike="noStrike">
               <a:latin typeface="Arial"/>
             </a:endParaRPr>
           </a:p>
@@ -9796,19 +8833,7 @@
             <a:normAutofit/>
           </a:bodyPr>
           <a:p>
-            <a:pPr>
-              <a:lnSpc>
-                <a:spcPct val="90000"/>
-              </a:lnSpc>
-              <a:spcBef>
-                <a:spcPts val="1417"/>
-              </a:spcBef>
-              <a:buNone/>
-            </a:pPr>
-            <a:endParaRPr b="0" lang="pt-BR" sz="2800" spc="-1" strike="noStrike">
-              <a:solidFill>
-                <a:srgbClr val="000000"/>
-              </a:solidFill>
+            <a:endParaRPr b="0" lang="pt-BR" sz="3200" spc="-1" strike="noStrike">
               <a:latin typeface="Arial"/>
             </a:endParaRPr>
           </a:p>
@@ -9864,10 +8889,10 @@
             <a:noAutofit/>
           </a:bodyPr>
           <a:p>
-            <a:endParaRPr b="0" lang="pt-BR" sz="1800" spc="-1" strike="noStrike">
-              <a:solidFill>
-                <a:srgbClr val="000000"/>
-              </a:solidFill>
+            <a:pPr algn="ctr">
+              <a:buNone/>
+            </a:pPr>
+            <a:endParaRPr b="0" lang="pt-BR" sz="4400" spc="-1" strike="noStrike">
               <a:latin typeface="Arial"/>
             </a:endParaRPr>
           </a:p>
@@ -9901,19 +8926,7 @@
             <a:normAutofit/>
           </a:bodyPr>
           <a:p>
-            <a:pPr>
-              <a:lnSpc>
-                <a:spcPct val="90000"/>
-              </a:lnSpc>
-              <a:spcBef>
-                <a:spcPts val="1417"/>
-              </a:spcBef>
-              <a:buNone/>
-            </a:pPr>
-            <a:endParaRPr b="0" lang="pt-BR" sz="2800" spc="-1" strike="noStrike">
-              <a:solidFill>
-                <a:srgbClr val="000000"/>
-              </a:solidFill>
+            <a:endParaRPr b="0" lang="pt-BR" sz="3200" spc="-1" strike="noStrike">
               <a:latin typeface="Arial"/>
             </a:endParaRPr>
           </a:p>
@@ -9947,19 +8960,7 @@
             <a:normAutofit/>
           </a:bodyPr>
           <a:p>
-            <a:pPr>
-              <a:lnSpc>
-                <a:spcPct val="90000"/>
-              </a:lnSpc>
-              <a:spcBef>
-                <a:spcPts val="1417"/>
-              </a:spcBef>
-              <a:buNone/>
-            </a:pPr>
-            <a:endParaRPr b="0" lang="pt-BR" sz="2800" spc="-1" strike="noStrike">
-              <a:solidFill>
-                <a:srgbClr val="000000"/>
-              </a:solidFill>
+            <a:endParaRPr b="0" lang="pt-BR" sz="3200" spc="-1" strike="noStrike">
               <a:latin typeface="Arial"/>
             </a:endParaRPr>
           </a:p>
@@ -9993,19 +8994,7 @@
             <a:normAutofit/>
           </a:bodyPr>
           <a:p>
-            <a:pPr>
-              <a:lnSpc>
-                <a:spcPct val="90000"/>
-              </a:lnSpc>
-              <a:spcBef>
-                <a:spcPts val="1417"/>
-              </a:spcBef>
-              <a:buNone/>
-            </a:pPr>
-            <a:endParaRPr b="0" lang="pt-BR" sz="2800" spc="-1" strike="noStrike">
-              <a:solidFill>
-                <a:srgbClr val="000000"/>
-              </a:solidFill>
+            <a:endParaRPr b="0" lang="pt-BR" sz="3200" spc="-1" strike="noStrike">
               <a:latin typeface="Arial"/>
             </a:endParaRPr>
           </a:p>
@@ -10039,19 +9028,7 @@
             <a:normAutofit/>
           </a:bodyPr>
           <a:p>
-            <a:pPr>
-              <a:lnSpc>
-                <a:spcPct val="90000"/>
-              </a:lnSpc>
-              <a:spcBef>
-                <a:spcPts val="1417"/>
-              </a:spcBef>
-              <a:buNone/>
-            </a:pPr>
-            <a:endParaRPr b="0" lang="pt-BR" sz="2800" spc="-1" strike="noStrike">
-              <a:solidFill>
-                <a:srgbClr val="000000"/>
-              </a:solidFill>
+            <a:endParaRPr b="0" lang="pt-BR" sz="3200" spc="-1" strike="noStrike">
               <a:latin typeface="Arial"/>
             </a:endParaRPr>
           </a:p>
@@ -10085,19 +9062,7 @@
             <a:normAutofit/>
           </a:bodyPr>
           <a:p>
-            <a:pPr>
-              <a:lnSpc>
-                <a:spcPct val="90000"/>
-              </a:lnSpc>
-              <a:spcBef>
-                <a:spcPts val="1417"/>
-              </a:spcBef>
-              <a:buNone/>
-            </a:pPr>
-            <a:endParaRPr b="0" lang="pt-BR" sz="2800" spc="-1" strike="noStrike">
-              <a:solidFill>
-                <a:srgbClr val="000000"/>
-              </a:solidFill>
+            <a:endParaRPr b="0" lang="pt-BR" sz="3200" spc="-1" strike="noStrike">
               <a:latin typeface="Arial"/>
             </a:endParaRPr>
           </a:p>
@@ -10131,19 +9096,7 @@
             <a:normAutofit/>
           </a:bodyPr>
           <a:p>
-            <a:pPr>
-              <a:lnSpc>
-                <a:spcPct val="90000"/>
-              </a:lnSpc>
-              <a:spcBef>
-                <a:spcPts val="1417"/>
-              </a:spcBef>
-              <a:buNone/>
-            </a:pPr>
-            <a:endParaRPr b="0" lang="pt-BR" sz="2800" spc="-1" strike="noStrike">
-              <a:solidFill>
-                <a:srgbClr val="000000"/>
-              </a:solidFill>
+            <a:endParaRPr b="0" lang="pt-BR" sz="3200" spc="-1" strike="noStrike">
               <a:latin typeface="Arial"/>
             </a:endParaRPr>
           </a:p>
@@ -10199,10 +9152,10 @@
             <a:noAutofit/>
           </a:bodyPr>
           <a:p>
-            <a:endParaRPr b="0" lang="pt-BR" sz="1800" spc="-1" strike="noStrike">
-              <a:solidFill>
-                <a:srgbClr val="000000"/>
-              </a:solidFill>
+            <a:pPr algn="ctr">
+              <a:buNone/>
+            </a:pPr>
+            <a:endParaRPr b="0" lang="pt-BR" sz="4400" spc="-1" strike="noStrike">
               <a:latin typeface="Arial"/>
             </a:endParaRPr>
           </a:p>
@@ -10317,10 +9270,10 @@
             <a:noAutofit/>
           </a:bodyPr>
           <a:p>
-            <a:endParaRPr b="0" lang="pt-BR" sz="1800" spc="-1" strike="noStrike">
-              <a:solidFill>
-                <a:srgbClr val="000000"/>
-              </a:solidFill>
+            <a:pPr algn="ctr">
+              <a:buNone/>
+            </a:pPr>
+            <a:endParaRPr b="0" lang="pt-BR" sz="4400" spc="-1" strike="noStrike">
               <a:latin typeface="Arial"/>
             </a:endParaRPr>
           </a:p>
@@ -10354,19 +9307,7 @@
             <a:normAutofit/>
           </a:bodyPr>
           <a:p>
-            <a:pPr>
-              <a:lnSpc>
-                <a:spcPct val="90000"/>
-              </a:lnSpc>
-              <a:spcBef>
-                <a:spcPts val="1417"/>
-              </a:spcBef>
-              <a:buNone/>
-            </a:pPr>
-            <a:endParaRPr b="0" lang="pt-BR" sz="2800" spc="-1" strike="noStrike">
-              <a:solidFill>
-                <a:srgbClr val="000000"/>
-              </a:solidFill>
+            <a:endParaRPr b="0" lang="pt-BR" sz="3200" spc="-1" strike="noStrike">
               <a:latin typeface="Arial"/>
             </a:endParaRPr>
           </a:p>
@@ -10400,19 +9341,7 @@
             <a:normAutofit/>
           </a:bodyPr>
           <a:p>
-            <a:pPr>
-              <a:lnSpc>
-                <a:spcPct val="90000"/>
-              </a:lnSpc>
-              <a:spcBef>
-                <a:spcPts val="1417"/>
-              </a:spcBef>
-              <a:buNone/>
-            </a:pPr>
-            <a:endParaRPr b="0" lang="pt-BR" sz="2800" spc="-1" strike="noStrike">
-              <a:solidFill>
-                <a:srgbClr val="000000"/>
-              </a:solidFill>
+            <a:endParaRPr b="0" lang="pt-BR" sz="3200" spc="-1" strike="noStrike">
               <a:latin typeface="Arial"/>
             </a:endParaRPr>
           </a:p>
@@ -10446,19 +9375,7 @@
             <a:normAutofit/>
           </a:bodyPr>
           <a:p>
-            <a:pPr>
-              <a:lnSpc>
-                <a:spcPct val="90000"/>
-              </a:lnSpc>
-              <a:spcBef>
-                <a:spcPts val="1417"/>
-              </a:spcBef>
-              <a:buNone/>
-            </a:pPr>
-            <a:endParaRPr b="0" lang="pt-BR" sz="2800" spc="-1" strike="noStrike">
-              <a:solidFill>
-                <a:srgbClr val="000000"/>
-              </a:solidFill>
+            <a:endParaRPr b="0" lang="pt-BR" sz="3200" spc="-1" strike="noStrike">
               <a:latin typeface="Arial"/>
             </a:endParaRPr>
           </a:p>
@@ -10514,10 +9431,10 @@
             <a:noAutofit/>
           </a:bodyPr>
           <a:p>
-            <a:endParaRPr b="0" lang="pt-BR" sz="1800" spc="-1" strike="noStrike">
-              <a:solidFill>
-                <a:srgbClr val="000000"/>
-              </a:solidFill>
+            <a:pPr algn="ctr">
+              <a:buNone/>
+            </a:pPr>
+            <a:endParaRPr b="0" lang="pt-BR" sz="4400" spc="-1" strike="noStrike">
               <a:latin typeface="Arial"/>
             </a:endParaRPr>
           </a:p>
@@ -10551,19 +9468,7 @@
             <a:normAutofit/>
           </a:bodyPr>
           <a:p>
-            <a:pPr>
-              <a:lnSpc>
-                <a:spcPct val="90000"/>
-              </a:lnSpc>
-              <a:spcBef>
-                <a:spcPts val="1417"/>
-              </a:spcBef>
-              <a:buNone/>
-            </a:pPr>
-            <a:endParaRPr b="0" lang="pt-BR" sz="2800" spc="-1" strike="noStrike">
-              <a:solidFill>
-                <a:srgbClr val="000000"/>
-              </a:solidFill>
+            <a:endParaRPr b="0" lang="pt-BR" sz="3200" spc="-1" strike="noStrike">
               <a:latin typeface="Arial"/>
             </a:endParaRPr>
           </a:p>
@@ -10597,19 +9502,7 @@
             <a:normAutofit/>
           </a:bodyPr>
           <a:p>
-            <a:pPr>
-              <a:lnSpc>
-                <a:spcPct val="90000"/>
-              </a:lnSpc>
-              <a:spcBef>
-                <a:spcPts val="1417"/>
-              </a:spcBef>
-              <a:buNone/>
-            </a:pPr>
-            <a:endParaRPr b="0" lang="pt-BR" sz="2800" spc="-1" strike="noStrike">
-              <a:solidFill>
-                <a:srgbClr val="000000"/>
-              </a:solidFill>
+            <a:endParaRPr b="0" lang="pt-BR" sz="3200" spc="-1" strike="noStrike">
               <a:latin typeface="Arial"/>
             </a:endParaRPr>
           </a:p>
@@ -10643,19 +9536,7 @@
             <a:normAutofit/>
           </a:bodyPr>
           <a:p>
-            <a:pPr>
-              <a:lnSpc>
-                <a:spcPct val="90000"/>
-              </a:lnSpc>
-              <a:spcBef>
-                <a:spcPts val="1417"/>
-              </a:spcBef>
-              <a:buNone/>
-            </a:pPr>
-            <a:endParaRPr b="0" lang="pt-BR" sz="2800" spc="-1" strike="noStrike">
-              <a:solidFill>
-                <a:srgbClr val="000000"/>
-              </a:solidFill>
+            <a:endParaRPr b="0" lang="pt-BR" sz="3200" spc="-1" strike="noStrike">
               <a:latin typeface="Arial"/>
             </a:endParaRPr>
           </a:p>
@@ -10711,10 +9592,10 @@
             <a:noAutofit/>
           </a:bodyPr>
           <a:p>
-            <a:endParaRPr b="0" lang="pt-BR" sz="1800" spc="-1" strike="noStrike">
-              <a:solidFill>
-                <a:srgbClr val="000000"/>
-              </a:solidFill>
+            <a:pPr algn="ctr">
+              <a:buNone/>
+            </a:pPr>
+            <a:endParaRPr b="0" lang="pt-BR" sz="4400" spc="-1" strike="noStrike">
               <a:latin typeface="Arial"/>
             </a:endParaRPr>
           </a:p>
@@ -10748,19 +9629,7 @@
             <a:normAutofit/>
           </a:bodyPr>
           <a:p>
-            <a:pPr>
-              <a:lnSpc>
-                <a:spcPct val="90000"/>
-              </a:lnSpc>
-              <a:spcBef>
-                <a:spcPts val="1417"/>
-              </a:spcBef>
-              <a:buNone/>
-            </a:pPr>
-            <a:endParaRPr b="0" lang="pt-BR" sz="2800" spc="-1" strike="noStrike">
-              <a:solidFill>
-                <a:srgbClr val="000000"/>
-              </a:solidFill>
+            <a:endParaRPr b="0" lang="pt-BR" sz="3200" spc="-1" strike="noStrike">
               <a:latin typeface="Arial"/>
             </a:endParaRPr>
           </a:p>
@@ -10794,19 +9663,7 @@
             <a:normAutofit/>
           </a:bodyPr>
           <a:p>
-            <a:pPr>
-              <a:lnSpc>
-                <a:spcPct val="90000"/>
-              </a:lnSpc>
-              <a:spcBef>
-                <a:spcPts val="1417"/>
-              </a:spcBef>
-              <a:buNone/>
-            </a:pPr>
-            <a:endParaRPr b="0" lang="pt-BR" sz="2800" spc="-1" strike="noStrike">
-              <a:solidFill>
-                <a:srgbClr val="000000"/>
-              </a:solidFill>
+            <a:endParaRPr b="0" lang="pt-BR" sz="3200" spc="-1" strike="noStrike">
               <a:latin typeface="Arial"/>
             </a:endParaRPr>
           </a:p>
@@ -10840,19 +9697,7 @@
             <a:normAutofit/>
           </a:bodyPr>
           <a:p>
-            <a:pPr>
-              <a:lnSpc>
-                <a:spcPct val="90000"/>
-              </a:lnSpc>
-              <a:spcBef>
-                <a:spcPts val="1417"/>
-              </a:spcBef>
-              <a:buNone/>
-            </a:pPr>
-            <a:endParaRPr b="0" lang="pt-BR" sz="2800" spc="-1" strike="noStrike">
-              <a:solidFill>
-                <a:srgbClr val="000000"/>
-              </a:solidFill>
+            <a:endParaRPr b="0" lang="pt-BR" sz="3200" spc="-1" strike="noStrike">
               <a:latin typeface="Arial"/>
             </a:endParaRPr>
           </a:p>
@@ -10896,7 +9741,7 @@
         <p:spPr>
           <a:xfrm>
             <a:off x="0" y="3150000"/>
-            <a:ext cx="9712080" cy="1252080"/>
+            <a:ext cx="9711720" cy="1251720"/>
           </a:xfrm>
           <a:prstGeom prst="rect">
             <a:avLst/>
@@ -10928,7 +9773,7 @@
         <p:spPr>
           <a:xfrm>
             <a:off x="504000" y="301320"/>
-            <a:ext cx="9071640" cy="1261440"/>
+            <a:ext cx="9072000" cy="1261800"/>
           </a:xfrm>
           <a:prstGeom prst="rect">
             <a:avLst/>
@@ -10943,82 +9788,16 @@
             <a:noAutofit/>
           </a:bodyPr>
           <a:p>
+            <a:pPr algn="ctr">
+              <a:buNone/>
+            </a:pPr>
             <a:r>
               <a:rPr b="0" lang="pt-BR" sz="4400" spc="-1" strike="noStrike">
-                <a:solidFill>
-                  <a:srgbClr val="000000"/>
-                </a:solidFill>
                 <a:latin typeface="Arial"/>
               </a:rPr>
-              <a:t>Click </a:t>
-            </a:r>
-            <a:r>
-              <a:rPr b="0" lang="pt-BR" sz="4400" spc="-1" strike="noStrike">
-                <a:solidFill>
-                  <a:srgbClr val="000000"/>
-                </a:solidFill>
-                <a:latin typeface="Arial"/>
-              </a:rPr>
-              <a:t>to </a:t>
-            </a:r>
-            <a:r>
-              <a:rPr b="0" lang="pt-BR" sz="4400" spc="-1" strike="noStrike">
-                <a:solidFill>
-                  <a:srgbClr val="000000"/>
-                </a:solidFill>
-                <a:latin typeface="Arial"/>
-              </a:rPr>
-              <a:t>edit </a:t>
-            </a:r>
-            <a:r>
-              <a:rPr b="0" lang="pt-BR" sz="4400" spc="-1" strike="noStrike">
-                <a:solidFill>
-                  <a:srgbClr val="000000"/>
-                </a:solidFill>
-                <a:latin typeface="Arial"/>
-              </a:rPr>
-              <a:t>the </a:t>
-            </a:r>
-            <a:r>
-              <a:rPr b="0" lang="pt-BR" sz="4400" spc="-1" strike="noStrike">
-                <a:solidFill>
-                  <a:srgbClr val="000000"/>
-                </a:solidFill>
-                <a:latin typeface="Arial"/>
-              </a:rPr>
-              <a:t>title </a:t>
-            </a:r>
-            <a:r>
-              <a:rPr b="0" lang="pt-BR" sz="4400" spc="-1" strike="noStrike">
-                <a:solidFill>
-                  <a:srgbClr val="000000"/>
-                </a:solidFill>
-                <a:latin typeface="Arial"/>
-              </a:rPr>
-              <a:t>text </a:t>
-            </a:r>
-            <a:r>
-              <a:rPr b="0" lang="pt-BR" sz="4400" spc="-1" strike="noStrike">
-                <a:solidFill>
-                  <a:srgbClr val="000000"/>
-                </a:solidFill>
-                <a:latin typeface="Arial"/>
-              </a:rPr>
-              <a:t>form</a:t>
-            </a:r>
-            <a:r>
-              <a:rPr b="0" lang="pt-BR" sz="4400" spc="-1" strike="noStrike">
-                <a:solidFill>
-                  <a:srgbClr val="000000"/>
-                </a:solidFill>
-                <a:latin typeface="Arial"/>
-              </a:rPr>
-              <a:t>at</a:t>
+              <a:t>Click to edit the title text format</a:t>
             </a:r>
             <a:endParaRPr b="0" lang="pt-BR" sz="4400" spc="-1" strike="noStrike">
-              <a:solidFill>
-                <a:srgbClr val="000000"/>
-              </a:solidFill>
               <a:latin typeface="Arial"/>
             </a:endParaRPr>
           </a:p>
@@ -11037,7 +9816,7 @@
         <p:spPr>
           <a:xfrm>
             <a:off x="504000" y="1768680"/>
-            <a:ext cx="9071640" cy="4383720"/>
+            <a:ext cx="9072000" cy="4384080"/>
           </a:xfrm>
           <a:prstGeom prst="rect">
             <a:avLst/>
@@ -11053,9 +9832,6 @@
           </a:bodyPr>
           <a:p>
             <a:pPr marL="432000" indent="-324000">
-              <a:lnSpc>
-                <a:spcPct val="90000"/>
-              </a:lnSpc>
               <a:spcBef>
                 <a:spcPts val="1417"/>
               </a:spcBef>
@@ -11067,26 +9843,17 @@
               <a:buChar char=""/>
             </a:pPr>
             <a:r>
-              <a:rPr b="0" lang="pt-BR" sz="2800" spc="-1" strike="noStrike">
-                <a:solidFill>
-                  <a:srgbClr val="000000"/>
-                </a:solidFill>
+              <a:rPr b="0" lang="pt-BR" sz="3200" spc="-1" strike="noStrike">
                 <a:latin typeface="Arial"/>
               </a:rPr>
               <a:t>Click to edit the outline text format</a:t>
             </a:r>
-            <a:endParaRPr b="0" lang="pt-BR" sz="2800" spc="-1" strike="noStrike">
-              <a:solidFill>
-                <a:srgbClr val="000000"/>
-              </a:solidFill>
+            <a:endParaRPr b="0" lang="pt-BR" sz="3200" spc="-1" strike="noStrike">
               <a:latin typeface="Arial"/>
             </a:endParaRPr>
           </a:p>
           <a:p>
             <a:pPr lvl="1" marL="864000" indent="-324000">
-              <a:lnSpc>
-                <a:spcPct val="90000"/>
-              </a:lnSpc>
               <a:spcBef>
                 <a:spcPts val="1134"/>
               </a:spcBef>
@@ -11099,25 +9866,16 @@
             </a:pPr>
             <a:r>
               <a:rPr b="0" lang="pt-BR" sz="2800" spc="-1" strike="noStrike">
-                <a:solidFill>
-                  <a:srgbClr val="000000"/>
-                </a:solidFill>
                 <a:latin typeface="Arial"/>
               </a:rPr>
               <a:t>Second Outline Level</a:t>
             </a:r>
             <a:endParaRPr b="0" lang="pt-BR" sz="2800" spc="-1" strike="noStrike">
-              <a:solidFill>
-                <a:srgbClr val="000000"/>
-              </a:solidFill>
               <a:latin typeface="Arial"/>
             </a:endParaRPr>
           </a:p>
           <a:p>
             <a:pPr lvl="2" marL="1296000" indent="-288000">
-              <a:lnSpc>
-                <a:spcPct val="90000"/>
-              </a:lnSpc>
               <a:spcBef>
                 <a:spcPts val="850"/>
               </a:spcBef>
@@ -11129,26 +9887,17 @@
               <a:buChar char=""/>
             </a:pPr>
             <a:r>
-              <a:rPr b="0" lang="pt-BR" sz="2800" spc="-1" strike="noStrike">
-                <a:solidFill>
-                  <a:srgbClr val="000000"/>
-                </a:solidFill>
+              <a:rPr b="0" lang="pt-BR" sz="2400" spc="-1" strike="noStrike">
                 <a:latin typeface="Arial"/>
               </a:rPr>
               <a:t>Third Outline Level</a:t>
             </a:r>
-            <a:endParaRPr b="0" lang="pt-BR" sz="2800" spc="-1" strike="noStrike">
-              <a:solidFill>
-                <a:srgbClr val="000000"/>
-              </a:solidFill>
+            <a:endParaRPr b="0" lang="pt-BR" sz="2400" spc="-1" strike="noStrike">
               <a:latin typeface="Arial"/>
             </a:endParaRPr>
           </a:p>
           <a:p>
             <a:pPr lvl="3" marL="1728000" indent="-216000">
-              <a:lnSpc>
-                <a:spcPct val="90000"/>
-              </a:lnSpc>
               <a:spcBef>
                 <a:spcPts val="567"/>
               </a:spcBef>
@@ -11160,26 +9909,17 @@
               <a:buChar char=""/>
             </a:pPr>
             <a:r>
-              <a:rPr b="0" lang="pt-BR" sz="2800" spc="-1" strike="noStrike">
-                <a:solidFill>
-                  <a:srgbClr val="000000"/>
-                </a:solidFill>
+              <a:rPr b="0" lang="pt-BR" sz="2000" spc="-1" strike="noStrike">
                 <a:latin typeface="Arial"/>
               </a:rPr>
               <a:t>Fourth Outline Level</a:t>
             </a:r>
-            <a:endParaRPr b="0" lang="pt-BR" sz="2800" spc="-1" strike="noStrike">
-              <a:solidFill>
-                <a:srgbClr val="000000"/>
-              </a:solidFill>
+            <a:endParaRPr b="0" lang="pt-BR" sz="2000" spc="-1" strike="noStrike">
               <a:latin typeface="Arial"/>
             </a:endParaRPr>
           </a:p>
           <a:p>
             <a:pPr lvl="4" marL="2160000" indent="-216000">
-              <a:lnSpc>
-                <a:spcPct val="90000"/>
-              </a:lnSpc>
               <a:spcBef>
                 <a:spcPts val="283"/>
               </a:spcBef>
@@ -11191,26 +9931,17 @@
               <a:buChar char=""/>
             </a:pPr>
             <a:r>
-              <a:rPr b="0" lang="pt-BR" sz="2800" spc="-1" strike="noStrike">
-                <a:solidFill>
-                  <a:srgbClr val="000000"/>
-                </a:solidFill>
+              <a:rPr b="0" lang="pt-BR" sz="2000" spc="-1" strike="noStrike">
                 <a:latin typeface="Arial"/>
               </a:rPr>
               <a:t>Fifth Outline Level</a:t>
             </a:r>
-            <a:endParaRPr b="0" lang="pt-BR" sz="2800" spc="-1" strike="noStrike">
-              <a:solidFill>
-                <a:srgbClr val="000000"/>
-              </a:solidFill>
+            <a:endParaRPr b="0" lang="pt-BR" sz="2000" spc="-1" strike="noStrike">
               <a:latin typeface="Arial"/>
             </a:endParaRPr>
           </a:p>
           <a:p>
             <a:pPr lvl="5" marL="2592000" indent="-216000">
-              <a:lnSpc>
-                <a:spcPct val="90000"/>
-              </a:lnSpc>
               <a:spcBef>
                 <a:spcPts val="283"/>
               </a:spcBef>
@@ -11222,26 +9953,17 @@
               <a:buChar char=""/>
             </a:pPr>
             <a:r>
-              <a:rPr b="0" lang="pt-BR" sz="2800" spc="-1" strike="noStrike">
-                <a:solidFill>
-                  <a:srgbClr val="000000"/>
-                </a:solidFill>
+              <a:rPr b="0" lang="pt-BR" sz="2000" spc="-1" strike="noStrike">
                 <a:latin typeface="Arial"/>
               </a:rPr>
               <a:t>Sixth Outline Level</a:t>
             </a:r>
-            <a:endParaRPr b="0" lang="pt-BR" sz="2800" spc="-1" strike="noStrike">
-              <a:solidFill>
-                <a:srgbClr val="000000"/>
-              </a:solidFill>
+            <a:endParaRPr b="0" lang="pt-BR" sz="2000" spc="-1" strike="noStrike">
               <a:latin typeface="Arial"/>
             </a:endParaRPr>
           </a:p>
           <a:p>
             <a:pPr lvl="6" marL="3024000" indent="-216000">
-              <a:lnSpc>
-                <a:spcPct val="90000"/>
-              </a:lnSpc>
               <a:spcBef>
                 <a:spcPts val="283"/>
               </a:spcBef>
@@ -11253,18 +9975,12 @@
               <a:buChar char=""/>
             </a:pPr>
             <a:r>
-              <a:rPr b="0" lang="pt-BR" sz="2800" spc="-1" strike="noStrike">
-                <a:solidFill>
-                  <a:srgbClr val="000000"/>
-                </a:solidFill>
+              <a:rPr b="0" lang="pt-BR" sz="2000" spc="-1" strike="noStrike">
                 <a:latin typeface="Arial"/>
               </a:rPr>
               <a:t>Seventh Outline Level</a:t>
             </a:r>
-            <a:endParaRPr b="0" lang="pt-BR" sz="2800" spc="-1" strike="noStrike">
-              <a:solidFill>
-                <a:srgbClr val="000000"/>
-              </a:solidFill>
+            <a:endParaRPr b="0" lang="pt-BR" sz="2000" spc="-1" strike="noStrike">
               <a:latin typeface="Arial"/>
             </a:endParaRPr>
           </a:p>
@@ -11323,7 +10039,7 @@
         <p:spPr>
           <a:xfrm>
             <a:off x="0" y="180000"/>
-            <a:ext cx="9712080" cy="1252080"/>
+            <a:ext cx="9711360" cy="1251360"/>
           </a:xfrm>
           <a:prstGeom prst="rect">
             <a:avLst/>
@@ -11351,7 +10067,7 @@
         <p:spPr>
           <a:xfrm>
             <a:off x="7560000" y="6840000"/>
-            <a:ext cx="2512080" cy="532080"/>
+            <a:ext cx="2511360" cy="531360"/>
           </a:xfrm>
           <a:prstGeom prst="rect">
             <a:avLst/>
@@ -11379,7 +10095,7 @@
         <p:spPr>
           <a:xfrm>
             <a:off x="900000" y="6840000"/>
-            <a:ext cx="6472080" cy="532080"/>
+            <a:ext cx="6471360" cy="531360"/>
           </a:xfrm>
           <a:prstGeom prst="rect">
             <a:avLst/>
@@ -11407,7 +10123,7 @@
         <p:spPr>
           <a:xfrm>
             <a:off x="180000" y="6840000"/>
-            <a:ext cx="532080" cy="532080"/>
+            <a:ext cx="531360" cy="531360"/>
           </a:xfrm>
           <a:prstGeom prst="rect">
             <a:avLst/>
@@ -11437,7 +10153,7 @@
         <p:spPr>
           <a:xfrm>
             <a:off x="504000" y="301320"/>
-            <a:ext cx="9072000" cy="1261800"/>
+            <a:ext cx="9071640" cy="1261440"/>
           </a:xfrm>
           <a:prstGeom prst="rect">
             <a:avLst/>
@@ -11454,17 +10170,11 @@
           <a:p>
             <a:r>
               <a:rPr b="0" lang="pt-BR" sz="1800" spc="-1" strike="noStrike">
-                <a:solidFill>
-                  <a:srgbClr val="000000"/>
-                </a:solidFill>
                 <a:latin typeface="Arial"/>
               </a:rPr>
               <a:t>Click to edit the title text format</a:t>
             </a:r>
             <a:endParaRPr b="0" lang="pt-BR" sz="1800" spc="-1" strike="noStrike">
-              <a:solidFill>
-                <a:srgbClr val="000000"/>
-              </a:solidFill>
               <a:latin typeface="Arial"/>
             </a:endParaRPr>
           </a:p>
@@ -11483,7 +10193,7 @@
         <p:spPr>
           <a:xfrm>
             <a:off x="504000" y="1768680"/>
-            <a:ext cx="9072000" cy="4384080"/>
+            <a:ext cx="9071640" cy="4383720"/>
           </a:xfrm>
           <a:prstGeom prst="rect">
             <a:avLst/>
@@ -11499,9 +10209,6 @@
           </a:bodyPr>
           <a:p>
             <a:pPr marL="432000" indent="-324000">
-              <a:lnSpc>
-                <a:spcPct val="90000"/>
-              </a:lnSpc>
               <a:spcBef>
                 <a:spcPts val="1417"/>
               </a:spcBef>
@@ -11513,26 +10220,17 @@
               <a:buChar char=""/>
             </a:pPr>
             <a:r>
-              <a:rPr b="0" lang="pt-BR" sz="2800" spc="-1" strike="noStrike">
-                <a:solidFill>
-                  <a:srgbClr val="000000"/>
-                </a:solidFill>
+              <a:rPr b="0" lang="pt-BR" sz="1800" spc="-1" strike="noStrike">
                 <a:latin typeface="Arial"/>
               </a:rPr>
               <a:t>Click to edit the outline text format</a:t>
             </a:r>
-            <a:endParaRPr b="0" lang="pt-BR" sz="2800" spc="-1" strike="noStrike">
-              <a:solidFill>
-                <a:srgbClr val="000000"/>
-              </a:solidFill>
+            <a:endParaRPr b="0" lang="pt-BR" sz="1800" spc="-1" strike="noStrike">
               <a:latin typeface="Arial"/>
             </a:endParaRPr>
           </a:p>
           <a:p>
             <a:pPr lvl="1" marL="864000" indent="-324000">
-              <a:lnSpc>
-                <a:spcPct val="90000"/>
-              </a:lnSpc>
               <a:spcBef>
                 <a:spcPts val="1134"/>
               </a:spcBef>
@@ -11544,26 +10242,17 @@
               <a:buChar char=""/>
             </a:pPr>
             <a:r>
-              <a:rPr b="0" lang="pt-BR" sz="2000" spc="-1" strike="noStrike">
-                <a:solidFill>
-                  <a:srgbClr val="000000"/>
-                </a:solidFill>
+              <a:rPr b="0" lang="pt-BR" sz="1800" spc="-1" strike="noStrike">
                 <a:latin typeface="Arial"/>
               </a:rPr>
               <a:t>Second Outline Level</a:t>
             </a:r>
-            <a:endParaRPr b="0" lang="pt-BR" sz="2000" spc="-1" strike="noStrike">
-              <a:solidFill>
-                <a:srgbClr val="000000"/>
-              </a:solidFill>
+            <a:endParaRPr b="0" lang="pt-BR" sz="1800" spc="-1" strike="noStrike">
               <a:latin typeface="Arial"/>
             </a:endParaRPr>
           </a:p>
           <a:p>
             <a:pPr lvl="2" marL="1296000" indent="-288000">
-              <a:lnSpc>
-                <a:spcPct val="90000"/>
-              </a:lnSpc>
               <a:spcBef>
                 <a:spcPts val="850"/>
               </a:spcBef>
@@ -11576,25 +10265,16 @@
             </a:pPr>
             <a:r>
               <a:rPr b="0" lang="pt-BR" sz="1800" spc="-1" strike="noStrike">
-                <a:solidFill>
-                  <a:srgbClr val="000000"/>
-                </a:solidFill>
                 <a:latin typeface="Arial"/>
               </a:rPr>
               <a:t>Third Outline Level</a:t>
             </a:r>
             <a:endParaRPr b="0" lang="pt-BR" sz="1800" spc="-1" strike="noStrike">
-              <a:solidFill>
-                <a:srgbClr val="000000"/>
-              </a:solidFill>
               <a:latin typeface="Arial"/>
             </a:endParaRPr>
           </a:p>
           <a:p>
             <a:pPr lvl="3" marL="1728000" indent="-216000">
-              <a:lnSpc>
-                <a:spcPct val="90000"/>
-              </a:lnSpc>
               <a:spcBef>
                 <a:spcPts val="567"/>
               </a:spcBef>
@@ -11607,25 +10287,16 @@
             </a:pPr>
             <a:r>
               <a:rPr b="0" lang="pt-BR" sz="1800" spc="-1" strike="noStrike">
-                <a:solidFill>
-                  <a:srgbClr val="000000"/>
-                </a:solidFill>
                 <a:latin typeface="Arial"/>
               </a:rPr>
               <a:t>Fourth Outline Level</a:t>
             </a:r>
             <a:endParaRPr b="0" lang="pt-BR" sz="1800" spc="-1" strike="noStrike">
-              <a:solidFill>
-                <a:srgbClr val="000000"/>
-              </a:solidFill>
               <a:latin typeface="Arial"/>
             </a:endParaRPr>
           </a:p>
           <a:p>
             <a:pPr lvl="4" marL="2160000" indent="-216000">
-              <a:lnSpc>
-                <a:spcPct val="90000"/>
-              </a:lnSpc>
               <a:spcBef>
                 <a:spcPts val="283"/>
               </a:spcBef>
@@ -11637,26 +10308,17 @@
               <a:buChar char=""/>
             </a:pPr>
             <a:r>
-              <a:rPr b="0" lang="pt-BR" sz="2000" spc="-1" strike="noStrike">
-                <a:solidFill>
-                  <a:srgbClr val="000000"/>
-                </a:solidFill>
+              <a:rPr b="0" lang="pt-BR" sz="1800" spc="-1" strike="noStrike">
                 <a:latin typeface="Arial"/>
               </a:rPr>
               <a:t>Fifth Outline Level</a:t>
             </a:r>
-            <a:endParaRPr b="0" lang="pt-BR" sz="2000" spc="-1" strike="noStrike">
-              <a:solidFill>
-                <a:srgbClr val="000000"/>
-              </a:solidFill>
+            <a:endParaRPr b="0" lang="pt-BR" sz="1800" spc="-1" strike="noStrike">
               <a:latin typeface="Arial"/>
             </a:endParaRPr>
           </a:p>
           <a:p>
             <a:pPr lvl="5" marL="2592000" indent="-216000">
-              <a:lnSpc>
-                <a:spcPct val="90000"/>
-              </a:lnSpc>
               <a:spcBef>
                 <a:spcPts val="283"/>
               </a:spcBef>
@@ -11668,26 +10330,17 @@
               <a:buChar char=""/>
             </a:pPr>
             <a:r>
-              <a:rPr b="0" lang="pt-BR" sz="2000" spc="-1" strike="noStrike">
-                <a:solidFill>
-                  <a:srgbClr val="000000"/>
-                </a:solidFill>
+              <a:rPr b="0" lang="pt-BR" sz="1800" spc="-1" strike="noStrike">
                 <a:latin typeface="Arial"/>
               </a:rPr>
               <a:t>Sixth Outline Level</a:t>
             </a:r>
-            <a:endParaRPr b="0" lang="pt-BR" sz="2000" spc="-1" strike="noStrike">
-              <a:solidFill>
-                <a:srgbClr val="000000"/>
-              </a:solidFill>
+            <a:endParaRPr b="0" lang="pt-BR" sz="1800" spc="-1" strike="noStrike">
               <a:latin typeface="Arial"/>
             </a:endParaRPr>
           </a:p>
           <a:p>
             <a:pPr lvl="6" marL="3024000" indent="-216000">
-              <a:lnSpc>
-                <a:spcPct val="90000"/>
-              </a:lnSpc>
               <a:spcBef>
                 <a:spcPts val="283"/>
               </a:spcBef>
@@ -11699,18 +10352,12 @@
               <a:buChar char=""/>
             </a:pPr>
             <a:r>
-              <a:rPr b="0" lang="pt-BR" sz="2000" spc="-1" strike="noStrike">
-                <a:solidFill>
-                  <a:srgbClr val="000000"/>
-                </a:solidFill>
+              <a:rPr b="0" lang="pt-BR" sz="1800" spc="-1" strike="noStrike">
                 <a:latin typeface="Arial"/>
               </a:rPr>
               <a:t>Seventh Outline Level</a:t>
             </a:r>
-            <a:endParaRPr b="0" lang="pt-BR" sz="2000" spc="-1" strike="noStrike">
-              <a:solidFill>
-                <a:srgbClr val="000000"/>
-              </a:solidFill>
+            <a:endParaRPr b="0" lang="pt-BR" sz="1800" spc="-1" strike="noStrike">
               <a:latin typeface="Arial"/>
             </a:endParaRPr>
           </a:p>
@@ -11769,7 +10416,7 @@
         <p:spPr>
           <a:xfrm>
             <a:off x="0" y="180000"/>
-            <a:ext cx="9712080" cy="1252080"/>
+            <a:ext cx="9711720" cy="1251720"/>
           </a:xfrm>
           <a:prstGeom prst="rect">
             <a:avLst/>
@@ -11797,7 +10444,7 @@
         <p:spPr>
           <a:xfrm>
             <a:off x="7560000" y="6840000"/>
-            <a:ext cx="2512080" cy="532080"/>
+            <a:ext cx="2511720" cy="531720"/>
           </a:xfrm>
           <a:prstGeom prst="rect">
             <a:avLst/>
@@ -11825,7 +10472,7 @@
         <p:spPr>
           <a:xfrm>
             <a:off x="900000" y="6840000"/>
-            <a:ext cx="6472080" cy="532080"/>
+            <a:ext cx="6471720" cy="531720"/>
           </a:xfrm>
           <a:prstGeom prst="rect">
             <a:avLst/>
@@ -11853,7 +10500,7 @@
         <p:spPr>
           <a:xfrm>
             <a:off x="180000" y="6840000"/>
-            <a:ext cx="532080" cy="532080"/>
+            <a:ext cx="531720" cy="531720"/>
           </a:xfrm>
           <a:prstGeom prst="rect">
             <a:avLst/>
@@ -11898,19 +10545,16 @@
             <a:noAutofit/>
           </a:bodyPr>
           <a:p>
-            <a:r>
-              <a:rPr b="0" lang="pt-BR" sz="1800" spc="-1" strike="noStrike">
-                <a:solidFill>
-                  <a:srgbClr val="000000"/>
-                </a:solidFill>
+            <a:pPr algn="ctr">
+              <a:buNone/>
+            </a:pPr>
+            <a:r>
+              <a:rPr b="0" lang="pt-BR" sz="4400" spc="-1" strike="noStrike">
                 <a:latin typeface="Arial"/>
               </a:rPr>
               <a:t>Click to edit the title text format</a:t>
             </a:r>
-            <a:endParaRPr b="0" lang="pt-BR" sz="1800" spc="-1" strike="noStrike">
-              <a:solidFill>
-                <a:srgbClr val="000000"/>
-              </a:solidFill>
+            <a:endParaRPr b="0" lang="pt-BR" sz="4400" spc="-1" strike="noStrike">
               <a:latin typeface="Arial"/>
             </a:endParaRPr>
           </a:p>
@@ -11945,9 +10589,6 @@
           </a:bodyPr>
           <a:p>
             <a:pPr marL="432000" indent="-324000">
-              <a:lnSpc>
-                <a:spcPct val="90000"/>
-              </a:lnSpc>
               <a:spcBef>
                 <a:spcPts val="1417"/>
               </a:spcBef>
@@ -11959,26 +10600,17 @@
               <a:buChar char=""/>
             </a:pPr>
             <a:r>
-              <a:rPr b="0" lang="pt-BR" sz="2800" spc="-1" strike="noStrike">
-                <a:solidFill>
-                  <a:srgbClr val="000000"/>
-                </a:solidFill>
+              <a:rPr b="0" lang="pt-BR" sz="3200" spc="-1" strike="noStrike">
                 <a:latin typeface="Arial"/>
               </a:rPr>
               <a:t>Click to edit the outline text format</a:t>
             </a:r>
-            <a:endParaRPr b="0" lang="pt-BR" sz="2800" spc="-1" strike="noStrike">
-              <a:solidFill>
-                <a:srgbClr val="000000"/>
-              </a:solidFill>
+            <a:endParaRPr b="0" lang="pt-BR" sz="3200" spc="-1" strike="noStrike">
               <a:latin typeface="Arial"/>
             </a:endParaRPr>
           </a:p>
           <a:p>
             <a:pPr lvl="1" marL="864000" indent="-324000">
-              <a:lnSpc>
-                <a:spcPct val="90000"/>
-              </a:lnSpc>
               <a:spcBef>
                 <a:spcPts val="1134"/>
               </a:spcBef>
@@ -11990,26 +10622,17 @@
               <a:buChar char=""/>
             </a:pPr>
             <a:r>
-              <a:rPr b="0" lang="pt-BR" sz="2000" spc="-1" strike="noStrike">
-                <a:solidFill>
-                  <a:srgbClr val="000000"/>
-                </a:solidFill>
+              <a:rPr b="0" lang="pt-BR" sz="2800" spc="-1" strike="noStrike">
                 <a:latin typeface="Arial"/>
               </a:rPr>
               <a:t>Second Outline Level</a:t>
             </a:r>
-            <a:endParaRPr b="0" lang="pt-BR" sz="2000" spc="-1" strike="noStrike">
-              <a:solidFill>
-                <a:srgbClr val="000000"/>
-              </a:solidFill>
+            <a:endParaRPr b="0" lang="pt-BR" sz="2800" spc="-1" strike="noStrike">
               <a:latin typeface="Arial"/>
             </a:endParaRPr>
           </a:p>
           <a:p>
             <a:pPr lvl="2" marL="1296000" indent="-288000">
-              <a:lnSpc>
-                <a:spcPct val="90000"/>
-              </a:lnSpc>
               <a:spcBef>
                 <a:spcPts val="850"/>
               </a:spcBef>
@@ -12021,26 +10644,17 @@
               <a:buChar char=""/>
             </a:pPr>
             <a:r>
-              <a:rPr b="0" lang="pt-BR" sz="1800" spc="-1" strike="noStrike">
-                <a:solidFill>
-                  <a:srgbClr val="000000"/>
-                </a:solidFill>
+              <a:rPr b="0" lang="pt-BR" sz="2400" spc="-1" strike="noStrike">
                 <a:latin typeface="Arial"/>
               </a:rPr>
               <a:t>Third Outline Level</a:t>
             </a:r>
-            <a:endParaRPr b="0" lang="pt-BR" sz="1800" spc="-1" strike="noStrike">
-              <a:solidFill>
-                <a:srgbClr val="000000"/>
-              </a:solidFill>
+            <a:endParaRPr b="0" lang="pt-BR" sz="2400" spc="-1" strike="noStrike">
               <a:latin typeface="Arial"/>
             </a:endParaRPr>
           </a:p>
           <a:p>
             <a:pPr lvl="3" marL="1728000" indent="-216000">
-              <a:lnSpc>
-                <a:spcPct val="90000"/>
-              </a:lnSpc>
               <a:spcBef>
                 <a:spcPts val="567"/>
               </a:spcBef>
@@ -12052,26 +10666,17 @@
               <a:buChar char=""/>
             </a:pPr>
             <a:r>
-              <a:rPr b="0" lang="pt-BR" sz="1800" spc="-1" strike="noStrike">
-                <a:solidFill>
-                  <a:srgbClr val="000000"/>
-                </a:solidFill>
+              <a:rPr b="0" lang="pt-BR" sz="2000" spc="-1" strike="noStrike">
                 <a:latin typeface="Arial"/>
               </a:rPr>
               <a:t>Fourth Outline Level</a:t>
             </a:r>
-            <a:endParaRPr b="0" lang="pt-BR" sz="1800" spc="-1" strike="noStrike">
-              <a:solidFill>
-                <a:srgbClr val="000000"/>
-              </a:solidFill>
+            <a:endParaRPr b="0" lang="pt-BR" sz="2000" spc="-1" strike="noStrike">
               <a:latin typeface="Arial"/>
             </a:endParaRPr>
           </a:p>
           <a:p>
             <a:pPr lvl="4" marL="2160000" indent="-216000">
-              <a:lnSpc>
-                <a:spcPct val="90000"/>
-              </a:lnSpc>
               <a:spcBef>
                 <a:spcPts val="283"/>
               </a:spcBef>
@@ -12084,25 +10689,16 @@
             </a:pPr>
             <a:r>
               <a:rPr b="0" lang="pt-BR" sz="2000" spc="-1" strike="noStrike">
-                <a:solidFill>
-                  <a:srgbClr val="000000"/>
-                </a:solidFill>
                 <a:latin typeface="Arial"/>
               </a:rPr>
               <a:t>Fifth Outline Level</a:t>
             </a:r>
             <a:endParaRPr b="0" lang="pt-BR" sz="2000" spc="-1" strike="noStrike">
-              <a:solidFill>
-                <a:srgbClr val="000000"/>
-              </a:solidFill>
               <a:latin typeface="Arial"/>
             </a:endParaRPr>
           </a:p>
           <a:p>
             <a:pPr lvl="5" marL="2592000" indent="-216000">
-              <a:lnSpc>
-                <a:spcPct val="90000"/>
-              </a:lnSpc>
               <a:spcBef>
                 <a:spcPts val="283"/>
               </a:spcBef>
@@ -12115,25 +10711,16 @@
             </a:pPr>
             <a:r>
               <a:rPr b="0" lang="pt-BR" sz="2000" spc="-1" strike="noStrike">
-                <a:solidFill>
-                  <a:srgbClr val="000000"/>
-                </a:solidFill>
                 <a:latin typeface="Arial"/>
               </a:rPr>
               <a:t>Sixth Outline Level</a:t>
             </a:r>
             <a:endParaRPr b="0" lang="pt-BR" sz="2000" spc="-1" strike="noStrike">
-              <a:solidFill>
-                <a:srgbClr val="000000"/>
-              </a:solidFill>
               <a:latin typeface="Arial"/>
             </a:endParaRPr>
           </a:p>
           <a:p>
             <a:pPr lvl="6" marL="3024000" indent="-216000">
-              <a:lnSpc>
-                <a:spcPct val="90000"/>
-              </a:lnSpc>
               <a:spcBef>
                 <a:spcPts val="283"/>
               </a:spcBef>
@@ -12146,17 +10733,11 @@
             </a:pPr>
             <a:r>
               <a:rPr b="0" lang="pt-BR" sz="2000" spc="-1" strike="noStrike">
-                <a:solidFill>
-                  <a:srgbClr val="000000"/>
-                </a:solidFill>
                 <a:latin typeface="Arial"/>
               </a:rPr>
               <a:t>Seventh Outline Level</a:t>
             </a:r>
             <a:endParaRPr b="0" lang="pt-BR" sz="2000" spc="-1" strike="noStrike">
-              <a:solidFill>
-                <a:srgbClr val="000000"/>
-              </a:solidFill>
               <a:latin typeface="Arial"/>
             </a:endParaRPr>
           </a:p>
@@ -12329,7 +10910,7 @@
         <p:spPr>
           <a:xfrm>
             <a:off x="504000" y="301320"/>
-            <a:ext cx="9071640" cy="1261440"/>
+            <a:ext cx="9072000" cy="1261800"/>
           </a:xfrm>
           <a:prstGeom prst="rect">
             <a:avLst/>
@@ -12344,19 +10925,16 @@
             <a:noAutofit/>
           </a:bodyPr>
           <a:p>
+            <a:pPr algn="ctr">
+              <a:buNone/>
+            </a:pPr>
             <a:r>
               <a:rPr b="0" lang="pt-BR" sz="4400" spc="-1" strike="noStrike">
-                <a:solidFill>
-                  <a:srgbClr val="000000"/>
-                </a:solidFill>
                 <a:latin typeface="Arial"/>
               </a:rPr>
               <a:t>Click to edit the title text format</a:t>
             </a:r>
             <a:endParaRPr b="0" lang="pt-BR" sz="4400" spc="-1" strike="noStrike">
-              <a:solidFill>
-                <a:srgbClr val="000000"/>
-              </a:solidFill>
               <a:latin typeface="Arial"/>
             </a:endParaRPr>
           </a:p>
@@ -12391,9 +10969,6 @@
           </a:bodyPr>
           <a:p>
             <a:pPr marL="432000" indent="-324000">
-              <a:lnSpc>
-                <a:spcPct val="90000"/>
-              </a:lnSpc>
               <a:spcBef>
                 <a:spcPts val="1417"/>
               </a:spcBef>
@@ -12405,26 +10980,17 @@
               <a:buChar char=""/>
             </a:pPr>
             <a:r>
-              <a:rPr b="0" lang="pt-BR" sz="2800" spc="-1" strike="noStrike">
-                <a:solidFill>
-                  <a:srgbClr val="000000"/>
-                </a:solidFill>
+              <a:rPr b="0" lang="pt-BR" sz="3200" spc="-1" strike="noStrike">
                 <a:latin typeface="Arial"/>
               </a:rPr>
               <a:t>Click to edit the outline text format</a:t>
             </a:r>
-            <a:endParaRPr b="0" lang="pt-BR" sz="2800" spc="-1" strike="noStrike">
-              <a:solidFill>
-                <a:srgbClr val="000000"/>
-              </a:solidFill>
+            <a:endParaRPr b="0" lang="pt-BR" sz="3200" spc="-1" strike="noStrike">
               <a:latin typeface="Arial"/>
             </a:endParaRPr>
           </a:p>
           <a:p>
             <a:pPr lvl="1" marL="864000" indent="-324000">
-              <a:lnSpc>
-                <a:spcPct val="90000"/>
-              </a:lnSpc>
               <a:spcBef>
                 <a:spcPts val="1134"/>
               </a:spcBef>
@@ -12436,26 +11002,17 @@
               <a:buChar char=""/>
             </a:pPr>
             <a:r>
-              <a:rPr b="0" lang="pt-BR" sz="2000" spc="-1" strike="noStrike">
-                <a:solidFill>
-                  <a:srgbClr val="000000"/>
-                </a:solidFill>
+              <a:rPr b="0" lang="pt-BR" sz="2800" spc="-1" strike="noStrike">
                 <a:latin typeface="Arial"/>
               </a:rPr>
               <a:t>Second Outline Level</a:t>
             </a:r>
-            <a:endParaRPr b="0" lang="pt-BR" sz="2000" spc="-1" strike="noStrike">
-              <a:solidFill>
-                <a:srgbClr val="000000"/>
-              </a:solidFill>
+            <a:endParaRPr b="0" lang="pt-BR" sz="2800" spc="-1" strike="noStrike">
               <a:latin typeface="Arial"/>
             </a:endParaRPr>
           </a:p>
           <a:p>
             <a:pPr lvl="2" marL="1296000" indent="-288000">
-              <a:lnSpc>
-                <a:spcPct val="90000"/>
-              </a:lnSpc>
               <a:spcBef>
                 <a:spcPts val="850"/>
               </a:spcBef>
@@ -12467,26 +11024,17 @@
               <a:buChar char=""/>
             </a:pPr>
             <a:r>
-              <a:rPr b="0" lang="pt-BR" sz="1800" spc="-1" strike="noStrike">
-                <a:solidFill>
-                  <a:srgbClr val="000000"/>
-                </a:solidFill>
+              <a:rPr b="0" lang="pt-BR" sz="2400" spc="-1" strike="noStrike">
                 <a:latin typeface="Arial"/>
               </a:rPr>
               <a:t>Third Outline Level</a:t>
             </a:r>
-            <a:endParaRPr b="0" lang="pt-BR" sz="1800" spc="-1" strike="noStrike">
-              <a:solidFill>
-                <a:srgbClr val="000000"/>
-              </a:solidFill>
+            <a:endParaRPr b="0" lang="pt-BR" sz="2400" spc="-1" strike="noStrike">
               <a:latin typeface="Arial"/>
             </a:endParaRPr>
           </a:p>
           <a:p>
             <a:pPr lvl="3" marL="1728000" indent="-216000">
-              <a:lnSpc>
-                <a:spcPct val="90000"/>
-              </a:lnSpc>
               <a:spcBef>
                 <a:spcPts val="567"/>
               </a:spcBef>
@@ -12498,26 +11046,17 @@
               <a:buChar char=""/>
             </a:pPr>
             <a:r>
-              <a:rPr b="0" lang="pt-BR" sz="1800" spc="-1" strike="noStrike">
-                <a:solidFill>
-                  <a:srgbClr val="000000"/>
-                </a:solidFill>
+              <a:rPr b="0" lang="pt-BR" sz="2000" spc="-1" strike="noStrike">
                 <a:latin typeface="Arial"/>
               </a:rPr>
               <a:t>Fourth Outline Level</a:t>
             </a:r>
-            <a:endParaRPr b="0" lang="pt-BR" sz="1800" spc="-1" strike="noStrike">
-              <a:solidFill>
-                <a:srgbClr val="000000"/>
-              </a:solidFill>
+            <a:endParaRPr b="0" lang="pt-BR" sz="2000" spc="-1" strike="noStrike">
               <a:latin typeface="Arial"/>
             </a:endParaRPr>
           </a:p>
           <a:p>
             <a:pPr lvl="4" marL="2160000" indent="-216000">
-              <a:lnSpc>
-                <a:spcPct val="90000"/>
-              </a:lnSpc>
               <a:spcBef>
                 <a:spcPts val="283"/>
               </a:spcBef>
@@ -12530,25 +11069,16 @@
             </a:pPr>
             <a:r>
               <a:rPr b="0" lang="pt-BR" sz="2000" spc="-1" strike="noStrike">
-                <a:solidFill>
-                  <a:srgbClr val="000000"/>
-                </a:solidFill>
                 <a:latin typeface="Arial"/>
               </a:rPr>
               <a:t>Fifth Outline Level</a:t>
             </a:r>
             <a:endParaRPr b="0" lang="pt-BR" sz="2000" spc="-1" strike="noStrike">
-              <a:solidFill>
-                <a:srgbClr val="000000"/>
-              </a:solidFill>
               <a:latin typeface="Arial"/>
             </a:endParaRPr>
           </a:p>
           <a:p>
             <a:pPr lvl="5" marL="2592000" indent="-216000">
-              <a:lnSpc>
-                <a:spcPct val="90000"/>
-              </a:lnSpc>
               <a:spcBef>
                 <a:spcPts val="283"/>
               </a:spcBef>
@@ -12561,25 +11091,16 @@
             </a:pPr>
             <a:r>
               <a:rPr b="0" lang="pt-BR" sz="2000" spc="-1" strike="noStrike">
-                <a:solidFill>
-                  <a:srgbClr val="000000"/>
-                </a:solidFill>
                 <a:latin typeface="Arial"/>
               </a:rPr>
               <a:t>Sixth Outline Level</a:t>
             </a:r>
             <a:endParaRPr b="0" lang="pt-BR" sz="2000" spc="-1" strike="noStrike">
-              <a:solidFill>
-                <a:srgbClr val="000000"/>
-              </a:solidFill>
               <a:latin typeface="Arial"/>
             </a:endParaRPr>
           </a:p>
           <a:p>
             <a:pPr lvl="6" marL="3024000" indent="-216000">
-              <a:lnSpc>
-                <a:spcPct val="90000"/>
-              </a:lnSpc>
               <a:spcBef>
                 <a:spcPts val="283"/>
               </a:spcBef>
@@ -12592,17 +11113,11 @@
             </a:pPr>
             <a:r>
               <a:rPr b="0" lang="pt-BR" sz="2000" spc="-1" strike="noStrike">
-                <a:solidFill>
-                  <a:srgbClr val="000000"/>
-                </a:solidFill>
                 <a:latin typeface="Arial"/>
               </a:rPr>
               <a:t>Seventh Outline Level</a:t>
             </a:r>
             <a:endParaRPr b="0" lang="pt-BR" sz="2000" spc="-1" strike="noStrike">
-              <a:solidFill>
-                <a:srgbClr val="000000"/>
-              </a:solidFill>
               <a:latin typeface="Arial"/>
             </a:endParaRPr>
           </a:p>
@@ -12654,7 +11169,7 @@
         <p:spPr>
           <a:xfrm>
             <a:off x="360000" y="3330000"/>
-            <a:ext cx="9352080" cy="892080"/>
+            <a:ext cx="9351720" cy="891720"/>
           </a:xfrm>
           <a:prstGeom prst="rect">
             <a:avLst/>
@@ -12706,7 +11221,7 @@
         <p:spPr>
           <a:xfrm>
             <a:off x="540000" y="4680000"/>
-            <a:ext cx="9172080" cy="2512080"/>
+            <a:ext cx="9171720" cy="2511720"/>
           </a:xfrm>
           <a:prstGeom prst="rect">
             <a:avLst/>
@@ -12843,7 +11358,7 @@
         <p:spPr>
           <a:xfrm>
             <a:off x="360000" y="360000"/>
-            <a:ext cx="9352080" cy="892080"/>
+            <a:ext cx="9351720" cy="891720"/>
           </a:xfrm>
           <a:prstGeom prst="rect">
             <a:avLst/>
@@ -12864,6 +11379,12 @@
             <a:noAutofit/>
           </a:bodyPr>
           <a:p>
+            <a:pPr>
+              <a:lnSpc>
+                <a:spcPct val="100000"/>
+              </a:lnSpc>
+              <a:buNone/>
+            </a:pPr>
             <a:r>
               <a:rPr b="1" lang="pt-BR" sz="2600" spc="-1" strike="noStrike">
                 <a:solidFill>
@@ -12879,6 +11400,12 @@
             </a:endParaRPr>
           </a:p>
           <a:p>
+            <a:pPr>
+              <a:lnSpc>
+                <a:spcPct val="100000"/>
+              </a:lnSpc>
+              <a:buNone/>
+            </a:pPr>
             <a:r>
               <a:rPr b="1" lang="pt-BR" sz="2600" spc="-1" strike="noStrike">
                 <a:solidFill>
@@ -12904,7 +11431,7 @@
         <p:spPr>
           <a:xfrm>
             <a:off x="897120" y="6886080"/>
-            <a:ext cx="6439320" cy="357120"/>
+            <a:ext cx="6438960" cy="356760"/>
           </a:xfrm>
           <a:prstGeom prst="rect">
             <a:avLst/>
@@ -12956,7 +11483,7 @@
         <p:spPr>
           <a:xfrm>
             <a:off x="7608600" y="6886080"/>
-            <a:ext cx="2277360" cy="357120"/>
+            <a:ext cx="2277000" cy="356760"/>
           </a:xfrm>
           <a:prstGeom prst="rect">
             <a:avLst/>
@@ -13012,7 +11539,7 @@
         <p:spPr>
           <a:xfrm>
             <a:off x="498960" y="1678320"/>
-            <a:ext cx="9074160" cy="3141360"/>
+            <a:ext cx="9073800" cy="3141000"/>
           </a:xfrm>
           <a:prstGeom prst="rect">
             <a:avLst/>
@@ -13031,7 +11558,7 @@
         <p:spPr>
           <a:xfrm>
             <a:off x="1223280" y="4901760"/>
-            <a:ext cx="7764120" cy="1186920"/>
+            <a:ext cx="7763760" cy="1186920"/>
           </a:xfrm>
           <a:prstGeom prst="rect">
             <a:avLst/>
@@ -13166,7 +11693,7 @@
         <p:spPr>
           <a:xfrm>
             <a:off x="1570320" y="1688400"/>
-            <a:ext cx="7764120" cy="363960"/>
+            <a:ext cx="7763760" cy="363960"/>
           </a:xfrm>
           <a:prstGeom prst="rect">
             <a:avLst/>
@@ -13248,7 +11775,7 @@
         <p:spPr>
           <a:xfrm>
             <a:off x="360000" y="360000"/>
-            <a:ext cx="9351720" cy="891720"/>
+            <a:ext cx="9351360" cy="891360"/>
           </a:xfrm>
           <a:prstGeom prst="rect">
             <a:avLst/>
@@ -13269,6 +11796,12 @@
             <a:noAutofit/>
           </a:bodyPr>
           <a:p>
+            <a:pPr>
+              <a:lnSpc>
+                <a:spcPct val="100000"/>
+              </a:lnSpc>
+              <a:buNone/>
+            </a:pPr>
             <a:r>
               <a:rPr b="1" lang="pt-BR" sz="2600" spc="-1" strike="noStrike">
                 <a:solidFill>
@@ -13294,7 +11827,7 @@
         <p:spPr>
           <a:xfrm>
             <a:off x="360000" y="1980000"/>
-            <a:ext cx="9171720" cy="4671720"/>
+            <a:ext cx="9171360" cy="4671360"/>
           </a:xfrm>
           <a:prstGeom prst="rect">
             <a:avLst/>
@@ -13402,6 +11935,20 @@
             </a:endParaRPr>
           </a:p>
           <a:p>
+            <a:pPr>
+              <a:lnSpc>
+                <a:spcPct val="100000"/>
+              </a:lnSpc>
+              <a:spcAft>
+                <a:spcPts val="1140"/>
+              </a:spcAft>
+              <a:buNone/>
+            </a:pPr>
+            <a:endParaRPr b="0" lang="pt-BR" sz="1600" spc="-1" strike="noStrike">
+              <a:latin typeface="Arial"/>
+            </a:endParaRPr>
+          </a:p>
+          <a:p>
             <a:pPr marL="216000" indent="-208080">
               <a:lnSpc>
                 <a:spcPct val="100000"/>
@@ -13416,12 +11963,22 @@
               <a:buFont typeface="Wingdings" charset="2"/>
               <a:buChar char=""/>
             </a:pPr>
+            <a:r>
+              <a:rPr b="0" lang="pt-BR" sz="1600" spc="-1" strike="noStrike">
+                <a:solidFill>
+                  <a:srgbClr val="1c1c1c"/>
+                </a:solidFill>
+                <a:latin typeface="Latin Modern Sans"/>
+                <a:ea typeface="DejaVu Sans"/>
+              </a:rPr>
+              <a:t>Tipos:</a:t>
+            </a:r>
             <a:endParaRPr b="0" lang="pt-BR" sz="1600" spc="-1" strike="noStrike">
               <a:latin typeface="Arial"/>
             </a:endParaRPr>
           </a:p>
           <a:p>
-            <a:pPr marL="216000" indent="-208080">
+            <a:pPr lvl="1" marL="432000" indent="-216000">
               <a:lnSpc>
                 <a:spcPct val="100000"/>
               </a:lnSpc>
@@ -13443,7 +12000,7 @@
                 <a:latin typeface="Latin Modern Sans"/>
                 <a:ea typeface="DejaVu Sans"/>
               </a:rPr>
-              <a:t>Tipos:</a:t>
+              <a:t>Baixo Nível → Linguagem do Hardware</a:t>
             </a:r>
             <a:endParaRPr b="0" lang="pt-BR" sz="1600" spc="-1" strike="noStrike">
               <a:latin typeface="Arial"/>
@@ -13472,35 +12029,6 @@
                 <a:latin typeface="Latin Modern Sans"/>
                 <a:ea typeface="DejaVu Sans"/>
               </a:rPr>
-              <a:t>Baixo Nível → Linguagem do Hardware</a:t>
-            </a:r>
-            <a:endParaRPr b="0" lang="pt-BR" sz="1600" spc="-1" strike="noStrike">
-              <a:latin typeface="Arial"/>
-            </a:endParaRPr>
-          </a:p>
-          <a:p>
-            <a:pPr lvl="1" marL="432000" indent="-216000">
-              <a:lnSpc>
-                <a:spcPct val="100000"/>
-              </a:lnSpc>
-              <a:spcAft>
-                <a:spcPts val="1140"/>
-              </a:spcAft>
-              <a:buClr>
-                <a:srgbClr val="000000"/>
-              </a:buClr>
-              <a:buSzPct val="45000"/>
-              <a:buFont typeface="Wingdings" charset="2"/>
-              <a:buChar char=""/>
-            </a:pPr>
-            <a:r>
-              <a:rPr b="0" lang="pt-BR" sz="1600" spc="-1" strike="noStrike">
-                <a:solidFill>
-                  <a:srgbClr val="1c1c1c"/>
-                </a:solidFill>
-                <a:latin typeface="Latin Modern Sans"/>
-                <a:ea typeface="DejaVu Sans"/>
-              </a:rPr>
               <a:t>Alto Nível → Linguagem “Human Readable”</a:t>
             </a:r>
             <a:endParaRPr b="0" lang="pt-BR" sz="1600" spc="-1" strike="noStrike">
@@ -13574,7 +12102,7 @@
         <p:spPr>
           <a:xfrm>
             <a:off x="897120" y="6886080"/>
-            <a:ext cx="6438960" cy="356760"/>
+            <a:ext cx="6438600" cy="356400"/>
           </a:xfrm>
           <a:prstGeom prst="rect">
             <a:avLst/>
@@ -13626,7 +12154,7 @@
         <p:spPr>
           <a:xfrm>
             <a:off x="7608600" y="6886080"/>
-            <a:ext cx="2277000" cy="356760"/>
+            <a:ext cx="2276640" cy="356400"/>
           </a:xfrm>
           <a:prstGeom prst="rect">
             <a:avLst/>
@@ -13682,7 +12210,7 @@
         <p:spPr>
           <a:xfrm>
             <a:off x="7272000" y="2592000"/>
-            <a:ext cx="2232720" cy="2660760"/>
+            <a:ext cx="2232360" cy="2660400"/>
           </a:xfrm>
           <a:prstGeom prst="rect">
             <a:avLst/>
@@ -13731,7 +12259,7 @@
         <p:spPr>
           <a:xfrm>
             <a:off x="360000" y="360000"/>
-            <a:ext cx="9351720" cy="891720"/>
+            <a:ext cx="9351360" cy="891360"/>
           </a:xfrm>
           <a:prstGeom prst="rect">
             <a:avLst/>
@@ -13783,7 +12311,7 @@
         <p:spPr>
           <a:xfrm>
             <a:off x="360000" y="1980000"/>
-            <a:ext cx="9171720" cy="4671720"/>
+            <a:ext cx="9171360" cy="4671360"/>
           </a:xfrm>
           <a:prstGeom prst="rect">
             <a:avLst/>
@@ -13927,7 +12455,7 @@
         <p:spPr>
           <a:xfrm>
             <a:off x="897120" y="6886080"/>
-            <a:ext cx="6438960" cy="356760"/>
+            <a:ext cx="6438600" cy="356400"/>
           </a:xfrm>
           <a:prstGeom prst="rect">
             <a:avLst/>
@@ -13979,7 +12507,7 @@
         <p:spPr>
           <a:xfrm>
             <a:off x="7608600" y="6886080"/>
-            <a:ext cx="2277000" cy="356760"/>
+            <a:ext cx="2276640" cy="356400"/>
           </a:xfrm>
           <a:prstGeom prst="rect">
             <a:avLst/>
@@ -14035,7 +12563,7 @@
         <p:spPr>
           <a:xfrm>
             <a:off x="7272000" y="2592000"/>
-            <a:ext cx="2232720" cy="2660760"/>
+            <a:ext cx="2232360" cy="2660400"/>
           </a:xfrm>
           <a:prstGeom prst="rect">
             <a:avLst/>
@@ -14058,7 +12586,7 @@
         <p:spPr>
           <a:xfrm>
             <a:off x="3542760" y="2854800"/>
-            <a:ext cx="3047400" cy="3047400"/>
+            <a:ext cx="3047040" cy="3047040"/>
           </a:xfrm>
           <a:prstGeom prst="rect">
             <a:avLst/>
@@ -14107,7 +12635,7 @@
         <p:spPr>
           <a:xfrm>
             <a:off x="360000" y="360000"/>
-            <a:ext cx="9351720" cy="891720"/>
+            <a:ext cx="9351360" cy="891360"/>
           </a:xfrm>
           <a:prstGeom prst="rect">
             <a:avLst/>
@@ -14159,7 +12687,7 @@
         <p:spPr>
           <a:xfrm>
             <a:off x="360000" y="1980000"/>
-            <a:ext cx="9171720" cy="4671720"/>
+            <a:ext cx="9171360" cy="4671360"/>
           </a:xfrm>
           <a:prstGeom prst="rect">
             <a:avLst/>
@@ -14303,7 +12831,7 @@
         <p:spPr>
           <a:xfrm>
             <a:off x="897120" y="6886080"/>
-            <a:ext cx="6438960" cy="356760"/>
+            <a:ext cx="6438600" cy="356400"/>
           </a:xfrm>
           <a:prstGeom prst="rect">
             <a:avLst/>
@@ -14355,7 +12883,7 @@
         <p:spPr>
           <a:xfrm>
             <a:off x="7608600" y="6886080"/>
-            <a:ext cx="2277000" cy="356760"/>
+            <a:ext cx="2276640" cy="356400"/>
           </a:xfrm>
           <a:prstGeom prst="rect">
             <a:avLst/>
@@ -14411,7 +12939,7 @@
         <p:spPr>
           <a:xfrm>
             <a:off x="2016000" y="2362320"/>
-            <a:ext cx="6839640" cy="4117320"/>
+            <a:ext cx="6839280" cy="4116960"/>
           </a:xfrm>
           <a:prstGeom prst="rect">
             <a:avLst/>
@@ -14460,7 +12988,7 @@
         <p:spPr>
           <a:xfrm>
             <a:off x="360000" y="360000"/>
-            <a:ext cx="9351720" cy="891720"/>
+            <a:ext cx="9351360" cy="891360"/>
           </a:xfrm>
           <a:prstGeom prst="rect">
             <a:avLst/>
@@ -14512,7 +13040,7 @@
         <p:spPr>
           <a:xfrm>
             <a:off x="360000" y="1980000"/>
-            <a:ext cx="9171720" cy="4671720"/>
+            <a:ext cx="9171360" cy="4671360"/>
           </a:xfrm>
           <a:prstGeom prst="rect">
             <a:avLst/>
@@ -14815,7 +13343,7 @@
         <p:spPr>
           <a:xfrm>
             <a:off x="897120" y="6886080"/>
-            <a:ext cx="6438960" cy="356760"/>
+            <a:ext cx="6438600" cy="356400"/>
           </a:xfrm>
           <a:prstGeom prst="rect">
             <a:avLst/>
@@ -14867,7 +13395,7 @@
         <p:spPr>
           <a:xfrm>
             <a:off x="7608600" y="6886080"/>
-            <a:ext cx="2277000" cy="356760"/>
+            <a:ext cx="2276640" cy="356400"/>
           </a:xfrm>
           <a:prstGeom prst="rect">
             <a:avLst/>
@@ -14949,7 +13477,7 @@
         <p:spPr>
           <a:xfrm>
             <a:off x="360000" y="360000"/>
-            <a:ext cx="9351720" cy="891720"/>
+            <a:ext cx="9351360" cy="891360"/>
           </a:xfrm>
           <a:prstGeom prst="rect">
             <a:avLst/>
@@ -15001,7 +13529,7 @@
         <p:spPr>
           <a:xfrm>
             <a:off x="360000" y="1980000"/>
-            <a:ext cx="9171720" cy="4671720"/>
+            <a:ext cx="9171360" cy="4671360"/>
           </a:xfrm>
           <a:prstGeom prst="rect">
             <a:avLst/>
@@ -15080,6 +13608,20 @@
             </a:endParaRPr>
           </a:p>
           <a:p>
+            <a:pPr>
+              <a:lnSpc>
+                <a:spcPct val="100000"/>
+              </a:lnSpc>
+              <a:spcAft>
+                <a:spcPts val="1140"/>
+              </a:spcAft>
+              <a:buNone/>
+            </a:pPr>
+            <a:endParaRPr b="0" lang="pt-BR" sz="1600" spc="-1" strike="noStrike">
+              <a:latin typeface="Arial"/>
+            </a:endParaRPr>
+          </a:p>
+          <a:p>
             <a:pPr marL="216000" indent="-208080">
               <a:lnSpc>
                 <a:spcPct val="100000"/>
@@ -15094,12 +13636,22 @@
               <a:buFont typeface="Wingdings" charset="2"/>
               <a:buChar char=""/>
             </a:pPr>
+            <a:r>
+              <a:rPr b="0" lang="pt-BR" sz="1600" spc="-1" strike="noStrike">
+                <a:solidFill>
+                  <a:srgbClr val="1c1c1c"/>
+                </a:solidFill>
+                <a:latin typeface="Latin Modern Sans"/>
+                <a:ea typeface="DejaVu Sans"/>
+              </a:rPr>
+              <a:t>Comumente o sinal (=) atribui/altera um valor:</a:t>
+            </a:r>
             <a:endParaRPr b="0" lang="pt-BR" sz="1600" spc="-1" strike="noStrike">
               <a:latin typeface="Arial"/>
             </a:endParaRPr>
           </a:p>
           <a:p>
-            <a:pPr marL="216000" indent="-208080">
+            <a:pPr lvl="1" marL="432000" indent="-216000">
               <a:lnSpc>
                 <a:spcPct val="100000"/>
               </a:lnSpc>
@@ -15121,14 +13673,28 @@
                 <a:latin typeface="Latin Modern Sans"/>
                 <a:ea typeface="DejaVu Sans"/>
               </a:rPr>
-              <a:t>Comumente o sinal (=) atribui/altera um valor:</a:t>
+              <a:t>X = 10  (Variável ‘X’ recebe o valor 10)</a:t>
             </a:r>
             <a:endParaRPr b="0" lang="pt-BR" sz="1600" spc="-1" strike="noStrike">
               <a:latin typeface="Arial"/>
             </a:endParaRPr>
           </a:p>
           <a:p>
-            <a:pPr lvl="1" marL="432000" indent="-216000">
+            <a:pPr>
+              <a:lnSpc>
+                <a:spcPct val="100000"/>
+              </a:lnSpc>
+              <a:spcAft>
+                <a:spcPts val="1140"/>
+              </a:spcAft>
+              <a:buNone/>
+            </a:pPr>
+            <a:endParaRPr b="0" lang="pt-BR" sz="1600" spc="-1" strike="noStrike">
+              <a:latin typeface="Arial"/>
+            </a:endParaRPr>
+          </a:p>
+          <a:p>
+            <a:pPr marL="216000" indent="-208080">
               <a:lnSpc>
                 <a:spcPct val="100000"/>
               </a:lnSpc>
@@ -15150,7 +13716,7 @@
                 <a:latin typeface="Latin Modern Sans"/>
                 <a:ea typeface="DejaVu Sans"/>
               </a:rPr>
-              <a:t>X = 10  (Variável ‘X’ recebe o valor 10)</a:t>
+              <a:t>Não são voláteis, ou seja, a cada atribuição o valor é substituído pelo último</a:t>
             </a:r>
             <a:endParaRPr b="0" lang="pt-BR" sz="1600" spc="-1" strike="noStrike">
               <a:latin typeface="Arial"/>
@@ -15171,12 +13737,22 @@
               <a:buFont typeface="Wingdings" charset="2"/>
               <a:buChar char=""/>
             </a:pPr>
+            <a:r>
+              <a:rPr b="0" lang="pt-BR" sz="1600" spc="-1" strike="noStrike">
+                <a:solidFill>
+                  <a:srgbClr val="1c1c1c"/>
+                </a:solidFill>
+                <a:latin typeface="Latin Modern Sans"/>
+                <a:ea typeface="DejaVu Sans"/>
+              </a:rPr>
+              <a:t>X = 10  (X armazena o valor 10)</a:t>
+            </a:r>
             <a:endParaRPr b="0" lang="pt-BR" sz="1600" spc="-1" strike="noStrike">
               <a:latin typeface="Arial"/>
             </a:endParaRPr>
           </a:p>
           <a:p>
-            <a:pPr marL="216000" indent="-208080">
+            <a:pPr lvl="1" marL="432000" indent="-216000">
               <a:lnSpc>
                 <a:spcPct val="100000"/>
               </a:lnSpc>
@@ -15198,14 +13774,28 @@
                 <a:latin typeface="Latin Modern Sans"/>
                 <a:ea typeface="DejaVu Sans"/>
               </a:rPr>
-              <a:t>Não são voláteis, ou seja, a cada atribuição o valor é substituído pelo último</a:t>
+              <a:t>X = 20  (X armazena o valor 20, o valor 10 foi descartado)</a:t>
             </a:r>
             <a:endParaRPr b="0" lang="pt-BR" sz="1600" spc="-1" strike="noStrike">
               <a:latin typeface="Arial"/>
             </a:endParaRPr>
           </a:p>
           <a:p>
-            <a:pPr lvl="1" marL="432000" indent="-216000">
+            <a:pPr>
+              <a:lnSpc>
+                <a:spcPct val="100000"/>
+              </a:lnSpc>
+              <a:spcAft>
+                <a:spcPts val="1140"/>
+              </a:spcAft>
+              <a:buNone/>
+            </a:pPr>
+            <a:endParaRPr b="0" lang="pt-BR" sz="1600" spc="-1" strike="noStrike">
+              <a:latin typeface="Arial"/>
+            </a:endParaRPr>
+          </a:p>
+          <a:p>
+            <a:pPr marL="216000" indent="-208080">
               <a:lnSpc>
                 <a:spcPct val="100000"/>
               </a:lnSpc>
@@ -15227,78 +13817,6 @@
                 <a:latin typeface="Latin Modern Sans"/>
                 <a:ea typeface="DejaVu Sans"/>
               </a:rPr>
-              <a:t>X = 10  (X armazena o valor 10)</a:t>
-            </a:r>
-            <a:endParaRPr b="0" lang="pt-BR" sz="1600" spc="-1" strike="noStrike">
-              <a:latin typeface="Arial"/>
-            </a:endParaRPr>
-          </a:p>
-          <a:p>
-            <a:pPr lvl="1" marL="432000" indent="-216000">
-              <a:lnSpc>
-                <a:spcPct val="100000"/>
-              </a:lnSpc>
-              <a:spcAft>
-                <a:spcPts val="1140"/>
-              </a:spcAft>
-              <a:buClr>
-                <a:srgbClr val="000000"/>
-              </a:buClr>
-              <a:buSzPct val="45000"/>
-              <a:buFont typeface="Wingdings" charset="2"/>
-              <a:buChar char=""/>
-            </a:pPr>
-            <a:r>
-              <a:rPr b="0" lang="pt-BR" sz="1600" spc="-1" strike="noStrike">
-                <a:solidFill>
-                  <a:srgbClr val="1c1c1c"/>
-                </a:solidFill>
-                <a:latin typeface="Latin Modern Sans"/>
-                <a:ea typeface="DejaVu Sans"/>
-              </a:rPr>
-              <a:t>X = 20  (X armazena o valor 20, o valor 10 foi descartado)</a:t>
-            </a:r>
-            <a:endParaRPr b="0" lang="pt-BR" sz="1600" spc="-1" strike="noStrike">
-              <a:latin typeface="Arial"/>
-            </a:endParaRPr>
-          </a:p>
-          <a:p>
-            <a:pPr>
-              <a:lnSpc>
-                <a:spcPct val="100000"/>
-              </a:lnSpc>
-              <a:spcAft>
-                <a:spcPts val="1140"/>
-              </a:spcAft>
-              <a:buNone/>
-            </a:pPr>
-            <a:endParaRPr b="0" lang="pt-BR" sz="1600" spc="-1" strike="noStrike">
-              <a:latin typeface="Arial"/>
-            </a:endParaRPr>
-          </a:p>
-          <a:p>
-            <a:pPr marL="216000" indent="-208080">
-              <a:lnSpc>
-                <a:spcPct val="100000"/>
-              </a:lnSpc>
-              <a:spcAft>
-                <a:spcPts val="1140"/>
-              </a:spcAft>
-              <a:buClr>
-                <a:srgbClr val="000000"/>
-              </a:buClr>
-              <a:buSzPct val="45000"/>
-              <a:buFont typeface="Wingdings" charset="2"/>
-              <a:buChar char=""/>
-            </a:pPr>
-            <a:r>
-              <a:rPr b="0" lang="pt-BR" sz="1600" spc="-1" strike="noStrike">
-                <a:solidFill>
-                  <a:srgbClr val="1c1c1c"/>
-                </a:solidFill>
-                <a:latin typeface="Latin Modern Sans"/>
-                <a:ea typeface="DejaVu Sans"/>
-              </a:rPr>
               <a:t>Possuem nome, tipo e valor</a:t>
             </a:r>
             <a:endParaRPr b="0" lang="pt-BR" sz="1600" spc="-1" strike="noStrike">
@@ -15414,7 +13932,7 @@
         <p:spPr>
           <a:xfrm>
             <a:off x="897120" y="6886080"/>
-            <a:ext cx="6438960" cy="356760"/>
+            <a:ext cx="6438600" cy="356400"/>
           </a:xfrm>
           <a:prstGeom prst="rect">
             <a:avLst/>
@@ -15466,7 +13984,7 @@
         <p:spPr>
           <a:xfrm>
             <a:off x="7608600" y="6886080"/>
-            <a:ext cx="2277000" cy="356760"/>
+            <a:ext cx="2276640" cy="356400"/>
           </a:xfrm>
           <a:prstGeom prst="rect">
             <a:avLst/>
@@ -15548,7 +14066,7 @@
         <p:spPr>
           <a:xfrm>
             <a:off x="360000" y="360000"/>
-            <a:ext cx="9351720" cy="891720"/>
+            <a:ext cx="9351360" cy="891360"/>
           </a:xfrm>
           <a:prstGeom prst="rect">
             <a:avLst/>
@@ -15600,7 +14118,7 @@
         <p:spPr>
           <a:xfrm>
             <a:off x="360000" y="1980000"/>
-            <a:ext cx="9171720" cy="4671720"/>
+            <a:ext cx="9171360" cy="4671360"/>
           </a:xfrm>
           <a:prstGeom prst="rect">
             <a:avLst/>
@@ -15902,19 +14420,14 @@
             </a:endParaRPr>
           </a:p>
           <a:p>
-            <a:pPr marL="216000" indent="-208080">
-              <a:lnSpc>
-                <a:spcPct val="100000"/>
-              </a:lnSpc>
-              <a:spcAft>
-                <a:spcPts val="1140"/>
-              </a:spcAft>
-              <a:buClr>
-                <a:srgbClr val="000000"/>
-              </a:buClr>
-              <a:buSzPct val="45000"/>
-              <a:buFont typeface="Wingdings" charset="2"/>
-              <a:buChar char=""/>
+            <a:pPr>
+              <a:lnSpc>
+                <a:spcPct val="100000"/>
+              </a:lnSpc>
+              <a:spcAft>
+                <a:spcPts val="1140"/>
+              </a:spcAft>
+              <a:buNone/>
             </a:pPr>
             <a:endParaRPr b="0" lang="pt-BR" sz="1600" spc="-1" strike="noStrike">
               <a:latin typeface="Arial"/>
@@ -16029,7 +14542,7 @@
         <p:spPr>
           <a:xfrm>
             <a:off x="897120" y="6886080"/>
-            <a:ext cx="6438960" cy="356760"/>
+            <a:ext cx="6438600" cy="356400"/>
           </a:xfrm>
           <a:prstGeom prst="rect">
             <a:avLst/>
@@ -16081,7 +14594,7 @@
         <p:spPr>
           <a:xfrm>
             <a:off x="7608600" y="6886080"/>
-            <a:ext cx="2277000" cy="356760"/>
+            <a:ext cx="2276640" cy="356400"/>
           </a:xfrm>
           <a:prstGeom prst="rect">
             <a:avLst/>
@@ -16163,7 +14676,7 @@
         <p:spPr>
           <a:xfrm>
             <a:off x="360000" y="360000"/>
-            <a:ext cx="9351720" cy="891720"/>
+            <a:ext cx="9351360" cy="891360"/>
           </a:xfrm>
           <a:prstGeom prst="rect">
             <a:avLst/>
@@ -16215,7 +14728,7 @@
         <p:spPr>
           <a:xfrm>
             <a:off x="360000" y="1980000"/>
-            <a:ext cx="9171720" cy="4671720"/>
+            <a:ext cx="9171360" cy="4671360"/>
           </a:xfrm>
           <a:prstGeom prst="rect">
             <a:avLst/>
@@ -16344,7 +14857,7 @@
         <p:spPr>
           <a:xfrm>
             <a:off x="897120" y="6886080"/>
-            <a:ext cx="6438960" cy="356760"/>
+            <a:ext cx="6438600" cy="356400"/>
           </a:xfrm>
           <a:prstGeom prst="rect">
             <a:avLst/>
@@ -16396,7 +14909,7 @@
         <p:spPr>
           <a:xfrm>
             <a:off x="7608600" y="6886080"/>
-            <a:ext cx="2277000" cy="356760"/>
+            <a:ext cx="2276640" cy="356400"/>
           </a:xfrm>
           <a:prstGeom prst="rect">
             <a:avLst/>
@@ -16452,7 +14965,7 @@
         <p:spPr>
           <a:xfrm>
             <a:off x="513000" y="2116440"/>
-            <a:ext cx="4577760" cy="4143960"/>
+            <a:ext cx="4577400" cy="4143600"/>
           </a:xfrm>
           <a:prstGeom prst="rect">
             <a:avLst/>
@@ -16471,7 +14984,7 @@
         <p:spPr>
           <a:xfrm>
             <a:off x="6098760" y="2130120"/>
-            <a:ext cx="3414240" cy="2905560"/>
+            <a:ext cx="3413880" cy="2905200"/>
           </a:xfrm>
           <a:prstGeom prst="rect">
             <a:avLst/>
@@ -16703,7 +15216,7 @@
         <p:spPr>
           <a:xfrm>
             <a:off x="360000" y="360000"/>
-            <a:ext cx="9351720" cy="891720"/>
+            <a:ext cx="9351360" cy="891360"/>
           </a:xfrm>
           <a:prstGeom prst="rect">
             <a:avLst/>
@@ -16755,7 +15268,7 @@
         <p:spPr>
           <a:xfrm>
             <a:off x="360000" y="1999440"/>
-            <a:ext cx="9171720" cy="4671720"/>
+            <a:ext cx="9171360" cy="4671360"/>
           </a:xfrm>
           <a:prstGeom prst="rect">
             <a:avLst/>
@@ -17127,7 +15640,7 @@
         <p:spPr>
           <a:xfrm>
             <a:off x="897120" y="6886080"/>
-            <a:ext cx="6438960" cy="356760"/>
+            <a:ext cx="6438600" cy="356400"/>
           </a:xfrm>
           <a:prstGeom prst="rect">
             <a:avLst/>
@@ -17179,7 +15692,7 @@
         <p:spPr>
           <a:xfrm>
             <a:off x="7608600" y="6886080"/>
-            <a:ext cx="2277000" cy="356760"/>
+            <a:ext cx="2276640" cy="356400"/>
           </a:xfrm>
           <a:prstGeom prst="rect">
             <a:avLst/>
@@ -17231,7 +15744,7 @@
         <p:spPr>
           <a:xfrm>
             <a:off x="553320" y="5000400"/>
-            <a:ext cx="1655640" cy="1369800"/>
+            <a:ext cx="1655280" cy="1369440"/>
           </a:xfrm>
           <a:prstGeom prst="rect">
             <a:avLst/>
@@ -17357,7 +15870,7 @@
         <p:spPr>
           <a:xfrm>
             <a:off x="803160" y="2645640"/>
-            <a:ext cx="2067120" cy="237960"/>
+            <a:ext cx="2066760" cy="237600"/>
           </a:xfrm>
           <a:custGeom>
             <a:avLst/>
@@ -17422,7 +15935,7 @@
         <p:spPr>
           <a:xfrm>
             <a:off x="2627640" y="2441160"/>
-            <a:ext cx="170640" cy="132480"/>
+            <a:ext cx="170280" cy="132120"/>
           </a:xfrm>
           <a:prstGeom prst="rect">
             <a:avLst/>
@@ -17471,7 +15984,7 @@
         <p:spPr>
           <a:xfrm>
             <a:off x="360000" y="360000"/>
-            <a:ext cx="9351720" cy="891720"/>
+            <a:ext cx="9351360" cy="891360"/>
           </a:xfrm>
           <a:prstGeom prst="rect">
             <a:avLst/>
@@ -17523,7 +16036,7 @@
         <p:spPr>
           <a:xfrm>
             <a:off x="360000" y="1999440"/>
-            <a:ext cx="9171720" cy="4671720"/>
+            <a:ext cx="9171360" cy="4671360"/>
           </a:xfrm>
           <a:prstGeom prst="rect">
             <a:avLst/>
@@ -17895,7 +16408,7 @@
         <p:spPr>
           <a:xfrm>
             <a:off x="897120" y="6886080"/>
-            <a:ext cx="6438960" cy="356760"/>
+            <a:ext cx="6438600" cy="356400"/>
           </a:xfrm>
           <a:prstGeom prst="rect">
             <a:avLst/>
@@ -17947,7 +16460,7 @@
         <p:spPr>
           <a:xfrm>
             <a:off x="7608600" y="6886080"/>
-            <a:ext cx="2277000" cy="356760"/>
+            <a:ext cx="2276640" cy="356400"/>
           </a:xfrm>
           <a:prstGeom prst="rect">
             <a:avLst/>
@@ -17999,7 +16512,7 @@
         <p:spPr>
           <a:xfrm>
             <a:off x="553320" y="5000400"/>
-            <a:ext cx="1655640" cy="1369800"/>
+            <a:ext cx="1655280" cy="1369440"/>
           </a:xfrm>
           <a:prstGeom prst="rect">
             <a:avLst/>
@@ -18045,8 +16558,19 @@
                 <a:latin typeface="Arial"/>
                 <a:ea typeface="DejaVu Sans"/>
               </a:rPr>
-              <a:t>4</a:t>
-            </a:r>
+              <a:t>4 / 2 + 5 = 7</a:t>
+            </a:r>
+            <a:endParaRPr b="0" lang="pt-BR" sz="1800" spc="-1" strike="noStrike">
+              <a:latin typeface="Arial"/>
+            </a:endParaRPr>
+          </a:p>
+          <a:p>
+            <a:pPr>
+              <a:lnSpc>
+                <a:spcPct val="100000"/>
+              </a:lnSpc>
+              <a:buNone/>
+            </a:pPr>
             <a:r>
               <a:rPr b="0" lang="pt-BR" sz="1800" spc="-1" strike="noStrike">
                 <a:solidFill>
@@ -18055,8 +16579,19 @@
                 <a:latin typeface="Arial"/>
                 <a:ea typeface="DejaVu Sans"/>
               </a:rPr>
-              <a:t> </a:t>
-            </a:r>
+              <a:t>3 x 2 + 1 = 7</a:t>
+            </a:r>
+            <a:endParaRPr b="0" lang="pt-BR" sz="1800" spc="-1" strike="noStrike">
+              <a:latin typeface="Arial"/>
+            </a:endParaRPr>
+          </a:p>
+          <a:p>
+            <a:pPr>
+              <a:lnSpc>
+                <a:spcPct val="100000"/>
+              </a:lnSpc>
+              <a:buNone/>
+            </a:pPr>
             <a:r>
               <a:rPr b="0" lang="pt-BR" sz="1800" spc="-1" strike="noStrike">
                 <a:solidFill>
@@ -18065,8 +16600,19 @@
                 <a:latin typeface="Arial"/>
                 <a:ea typeface="DejaVu Sans"/>
               </a:rPr>
-              <a:t>/</a:t>
-            </a:r>
+              <a:t>6 + 2 * 2 = 16</a:t>
+            </a:r>
+            <a:endParaRPr b="0" lang="pt-BR" sz="1800" spc="-1" strike="noStrike">
+              <a:latin typeface="Arial"/>
+            </a:endParaRPr>
+          </a:p>
+          <a:p>
+            <a:pPr>
+              <a:lnSpc>
+                <a:spcPct val="100000"/>
+              </a:lnSpc>
+              <a:buNone/>
+            </a:pPr>
             <a:r>
               <a:rPr b="0" lang="pt-BR" sz="1800" spc="-1" strike="noStrike">
                 <a:solidFill>
@@ -18075,550 +16621,7 @@
                 <a:latin typeface="Arial"/>
                 <a:ea typeface="DejaVu Sans"/>
               </a:rPr>
-              <a:t> </a:t>
-            </a:r>
-            <a:r>
-              <a:rPr b="0" lang="pt-BR" sz="1800" spc="-1" strike="noStrike">
-                <a:solidFill>
-                  <a:srgbClr val="000000"/>
-                </a:solidFill>
-                <a:latin typeface="Arial"/>
-                <a:ea typeface="DejaVu Sans"/>
-              </a:rPr>
-              <a:t>2</a:t>
-            </a:r>
-            <a:r>
-              <a:rPr b="0" lang="pt-BR" sz="1800" spc="-1" strike="noStrike">
-                <a:solidFill>
-                  <a:srgbClr val="000000"/>
-                </a:solidFill>
-                <a:latin typeface="Arial"/>
-                <a:ea typeface="DejaVu Sans"/>
-              </a:rPr>
-              <a:t> </a:t>
-            </a:r>
-            <a:r>
-              <a:rPr b="0" lang="pt-BR" sz="1800" spc="-1" strike="noStrike">
-                <a:solidFill>
-                  <a:srgbClr val="000000"/>
-                </a:solidFill>
-                <a:latin typeface="Arial"/>
-                <a:ea typeface="DejaVu Sans"/>
-              </a:rPr>
-              <a:t>+</a:t>
-            </a:r>
-            <a:r>
-              <a:rPr b="0" lang="pt-BR" sz="1800" spc="-1" strike="noStrike">
-                <a:solidFill>
-                  <a:srgbClr val="000000"/>
-                </a:solidFill>
-                <a:latin typeface="Arial"/>
-                <a:ea typeface="DejaVu Sans"/>
-              </a:rPr>
-              <a:t> </a:t>
-            </a:r>
-            <a:r>
-              <a:rPr b="0" lang="pt-BR" sz="1800" spc="-1" strike="noStrike">
-                <a:solidFill>
-                  <a:srgbClr val="000000"/>
-                </a:solidFill>
-                <a:latin typeface="Arial"/>
-                <a:ea typeface="DejaVu Sans"/>
-              </a:rPr>
-              <a:t>5</a:t>
-            </a:r>
-            <a:r>
-              <a:rPr b="0" lang="pt-BR" sz="1800" spc="-1" strike="noStrike">
-                <a:solidFill>
-                  <a:srgbClr val="000000"/>
-                </a:solidFill>
-                <a:latin typeface="Arial"/>
-                <a:ea typeface="DejaVu Sans"/>
-              </a:rPr>
-              <a:t> </a:t>
-            </a:r>
-            <a:r>
-              <a:rPr b="0" lang="pt-BR" sz="1800" spc="-1" strike="noStrike">
-                <a:solidFill>
-                  <a:srgbClr val="000000"/>
-                </a:solidFill>
-                <a:latin typeface="Arial"/>
-                <a:ea typeface="DejaVu Sans"/>
-              </a:rPr>
-              <a:t>=</a:t>
-            </a:r>
-            <a:r>
-              <a:rPr b="0" lang="pt-BR" sz="1800" spc="-1" strike="noStrike">
-                <a:solidFill>
-                  <a:srgbClr val="000000"/>
-                </a:solidFill>
-                <a:latin typeface="Arial"/>
-                <a:ea typeface="DejaVu Sans"/>
-              </a:rPr>
-              <a:t> </a:t>
-            </a:r>
-            <a:r>
-              <a:rPr b="0" lang="pt-BR" sz="1800" spc="-1" strike="noStrike">
-                <a:solidFill>
-                  <a:srgbClr val="000000"/>
-                </a:solidFill>
-                <a:latin typeface="Arial"/>
-                <a:ea typeface="DejaVu Sans"/>
-              </a:rPr>
-              <a:t>7</a:t>
-            </a:r>
-            <a:endParaRPr b="0" lang="pt-BR" sz="1800" spc="-1" strike="noStrike">
-              <a:latin typeface="Arial"/>
-            </a:endParaRPr>
-          </a:p>
-          <a:p>
-            <a:pPr>
-              <a:lnSpc>
-                <a:spcPct val="100000"/>
-              </a:lnSpc>
-              <a:buNone/>
-            </a:pPr>
-            <a:r>
-              <a:rPr b="0" lang="pt-BR" sz="1800" spc="-1" strike="noStrike">
-                <a:solidFill>
-                  <a:srgbClr val="000000"/>
-                </a:solidFill>
-                <a:latin typeface="Arial"/>
-                <a:ea typeface="DejaVu Sans"/>
-              </a:rPr>
-              <a:t>3</a:t>
-            </a:r>
-            <a:r>
-              <a:rPr b="0" lang="pt-BR" sz="1800" spc="-1" strike="noStrike">
-                <a:solidFill>
-                  <a:srgbClr val="000000"/>
-                </a:solidFill>
-                <a:latin typeface="Arial"/>
-                <a:ea typeface="DejaVu Sans"/>
-              </a:rPr>
-              <a:t> </a:t>
-            </a:r>
-            <a:r>
-              <a:rPr b="0" lang="pt-BR" sz="1800" spc="-1" strike="noStrike">
-                <a:solidFill>
-                  <a:srgbClr val="000000"/>
-                </a:solidFill>
-                <a:latin typeface="Arial"/>
-                <a:ea typeface="DejaVu Sans"/>
-              </a:rPr>
-              <a:t>x</a:t>
-            </a:r>
-            <a:r>
-              <a:rPr b="0" lang="pt-BR" sz="1800" spc="-1" strike="noStrike">
-                <a:solidFill>
-                  <a:srgbClr val="000000"/>
-                </a:solidFill>
-                <a:latin typeface="Arial"/>
-                <a:ea typeface="DejaVu Sans"/>
-              </a:rPr>
-              <a:t> </a:t>
-            </a:r>
-            <a:r>
-              <a:rPr b="0" lang="pt-BR" sz="1800" spc="-1" strike="noStrike">
-                <a:solidFill>
-                  <a:srgbClr val="000000"/>
-                </a:solidFill>
-                <a:latin typeface="Arial"/>
-                <a:ea typeface="DejaVu Sans"/>
-              </a:rPr>
-              <a:t>2</a:t>
-            </a:r>
-            <a:r>
-              <a:rPr b="0" lang="pt-BR" sz="1800" spc="-1" strike="noStrike">
-                <a:solidFill>
-                  <a:srgbClr val="000000"/>
-                </a:solidFill>
-                <a:latin typeface="Arial"/>
-                <a:ea typeface="DejaVu Sans"/>
-              </a:rPr>
-              <a:t> </a:t>
-            </a:r>
-            <a:r>
-              <a:rPr b="0" lang="pt-BR" sz="1800" spc="-1" strike="noStrike">
-                <a:solidFill>
-                  <a:srgbClr val="000000"/>
-                </a:solidFill>
-                <a:latin typeface="Arial"/>
-                <a:ea typeface="DejaVu Sans"/>
-              </a:rPr>
-              <a:t>+</a:t>
-            </a:r>
-            <a:r>
-              <a:rPr b="0" lang="pt-BR" sz="1800" spc="-1" strike="noStrike">
-                <a:solidFill>
-                  <a:srgbClr val="000000"/>
-                </a:solidFill>
-                <a:latin typeface="Arial"/>
-                <a:ea typeface="DejaVu Sans"/>
-              </a:rPr>
-              <a:t> </a:t>
-            </a:r>
-            <a:r>
-              <a:rPr b="0" lang="pt-BR" sz="1800" spc="-1" strike="noStrike">
-                <a:solidFill>
-                  <a:srgbClr val="000000"/>
-                </a:solidFill>
-                <a:latin typeface="Arial"/>
-                <a:ea typeface="DejaVu Sans"/>
-              </a:rPr>
-              <a:t>1</a:t>
-            </a:r>
-            <a:r>
-              <a:rPr b="0" lang="pt-BR" sz="1800" spc="-1" strike="noStrike">
-                <a:solidFill>
-                  <a:srgbClr val="000000"/>
-                </a:solidFill>
-                <a:latin typeface="Arial"/>
-                <a:ea typeface="DejaVu Sans"/>
-              </a:rPr>
-              <a:t> </a:t>
-            </a:r>
-            <a:r>
-              <a:rPr b="0" lang="pt-BR" sz="1800" spc="-1" strike="noStrike">
-                <a:solidFill>
-                  <a:srgbClr val="000000"/>
-                </a:solidFill>
-                <a:latin typeface="Arial"/>
-                <a:ea typeface="DejaVu Sans"/>
-              </a:rPr>
-              <a:t>=</a:t>
-            </a:r>
-            <a:r>
-              <a:rPr b="0" lang="pt-BR" sz="1800" spc="-1" strike="noStrike">
-                <a:solidFill>
-                  <a:srgbClr val="000000"/>
-                </a:solidFill>
-                <a:latin typeface="Arial"/>
-                <a:ea typeface="DejaVu Sans"/>
-              </a:rPr>
-              <a:t> </a:t>
-            </a:r>
-            <a:r>
-              <a:rPr b="0" lang="pt-BR" sz="1800" spc="-1" strike="noStrike">
-                <a:solidFill>
-                  <a:srgbClr val="000000"/>
-                </a:solidFill>
-                <a:latin typeface="Arial"/>
-                <a:ea typeface="DejaVu Sans"/>
-              </a:rPr>
-              <a:t>7</a:t>
-            </a:r>
-            <a:endParaRPr b="0" lang="pt-BR" sz="1800" spc="-1" strike="noStrike">
-              <a:latin typeface="Arial"/>
-            </a:endParaRPr>
-          </a:p>
-          <a:p>
-            <a:pPr>
-              <a:lnSpc>
-                <a:spcPct val="100000"/>
-              </a:lnSpc>
-              <a:buNone/>
-            </a:pPr>
-            <a:r>
-              <a:rPr b="0" lang="pt-BR" sz="1800" spc="-1" strike="noStrike">
-                <a:solidFill>
-                  <a:srgbClr val="000000"/>
-                </a:solidFill>
-                <a:latin typeface="Arial"/>
-                <a:ea typeface="DejaVu Sans"/>
-              </a:rPr>
-              <a:t>6</a:t>
-            </a:r>
-            <a:r>
-              <a:rPr b="0" lang="pt-BR" sz="1800" spc="-1" strike="noStrike">
-                <a:solidFill>
-                  <a:srgbClr val="000000"/>
-                </a:solidFill>
-                <a:latin typeface="Arial"/>
-                <a:ea typeface="DejaVu Sans"/>
-              </a:rPr>
-              <a:t> </a:t>
-            </a:r>
-            <a:r>
-              <a:rPr b="0" lang="pt-BR" sz="1800" spc="-1" strike="noStrike">
-                <a:solidFill>
-                  <a:srgbClr val="000000"/>
-                </a:solidFill>
-                <a:latin typeface="Arial"/>
-                <a:ea typeface="DejaVu Sans"/>
-              </a:rPr>
-              <a:t>+</a:t>
-            </a:r>
-            <a:r>
-              <a:rPr b="0" lang="pt-BR" sz="1800" spc="-1" strike="noStrike">
-                <a:solidFill>
-                  <a:srgbClr val="000000"/>
-                </a:solidFill>
-                <a:latin typeface="Arial"/>
-                <a:ea typeface="DejaVu Sans"/>
-              </a:rPr>
-              <a:t> </a:t>
-            </a:r>
-            <a:r>
-              <a:rPr b="0" lang="pt-BR" sz="1800" spc="-1" strike="noStrike">
-                <a:solidFill>
-                  <a:srgbClr val="000000"/>
-                </a:solidFill>
-                <a:latin typeface="Arial"/>
-                <a:ea typeface="DejaVu Sans"/>
-              </a:rPr>
-              <a:t>2</a:t>
-            </a:r>
-            <a:r>
-              <a:rPr b="0" lang="pt-BR" sz="1800" spc="-1" strike="noStrike">
-                <a:solidFill>
-                  <a:srgbClr val="000000"/>
-                </a:solidFill>
-                <a:latin typeface="Arial"/>
-                <a:ea typeface="DejaVu Sans"/>
-              </a:rPr>
-              <a:t> </a:t>
-            </a:r>
-            <a:r>
-              <a:rPr b="0" lang="pt-BR" sz="1800" spc="-1" strike="noStrike">
-                <a:solidFill>
-                  <a:srgbClr val="000000"/>
-                </a:solidFill>
-                <a:latin typeface="Arial"/>
-                <a:ea typeface="DejaVu Sans"/>
-              </a:rPr>
-              <a:t>*</a:t>
-            </a:r>
-            <a:r>
-              <a:rPr b="0" lang="pt-BR" sz="1800" spc="-1" strike="noStrike">
-                <a:solidFill>
-                  <a:srgbClr val="000000"/>
-                </a:solidFill>
-                <a:latin typeface="Arial"/>
-                <a:ea typeface="DejaVu Sans"/>
-              </a:rPr>
-              <a:t> </a:t>
-            </a:r>
-            <a:r>
-              <a:rPr b="0" lang="pt-BR" sz="1800" spc="-1" strike="noStrike">
-                <a:solidFill>
-                  <a:srgbClr val="000000"/>
-                </a:solidFill>
-                <a:latin typeface="Arial"/>
-                <a:ea typeface="DejaVu Sans"/>
-              </a:rPr>
-              <a:t>2</a:t>
-            </a:r>
-            <a:r>
-              <a:rPr b="0" lang="pt-BR" sz="1800" spc="-1" strike="noStrike">
-                <a:solidFill>
-                  <a:srgbClr val="000000"/>
-                </a:solidFill>
-                <a:latin typeface="Arial"/>
-                <a:ea typeface="DejaVu Sans"/>
-              </a:rPr>
-              <a:t> </a:t>
-            </a:r>
-            <a:r>
-              <a:rPr b="0" lang="pt-BR" sz="1800" spc="-1" strike="noStrike">
-                <a:solidFill>
-                  <a:srgbClr val="000000"/>
-                </a:solidFill>
-                <a:latin typeface="Arial"/>
-                <a:ea typeface="DejaVu Sans"/>
-              </a:rPr>
-              <a:t>=</a:t>
-            </a:r>
-            <a:r>
-              <a:rPr b="0" lang="pt-BR" sz="1800" spc="-1" strike="noStrike">
-                <a:solidFill>
-                  <a:srgbClr val="000000"/>
-                </a:solidFill>
-                <a:latin typeface="Arial"/>
-                <a:ea typeface="DejaVu Sans"/>
-              </a:rPr>
-              <a:t> </a:t>
-            </a:r>
-            <a:r>
-              <a:rPr b="0" lang="pt-BR" sz="1800" spc="-1" strike="noStrike">
-                <a:solidFill>
-                  <a:srgbClr val="000000"/>
-                </a:solidFill>
-                <a:latin typeface="Arial"/>
-                <a:ea typeface="DejaVu Sans"/>
-              </a:rPr>
-              <a:t>1</a:t>
-            </a:r>
-            <a:r>
-              <a:rPr b="0" lang="pt-BR" sz="1800" spc="-1" strike="noStrike">
-                <a:solidFill>
-                  <a:srgbClr val="000000"/>
-                </a:solidFill>
-                <a:latin typeface="Arial"/>
-                <a:ea typeface="DejaVu Sans"/>
-              </a:rPr>
-              <a:t>6</a:t>
-            </a:r>
-            <a:endParaRPr b="0" lang="pt-BR" sz="1800" spc="-1" strike="noStrike">
-              <a:latin typeface="Arial"/>
-            </a:endParaRPr>
-          </a:p>
-          <a:p>
-            <a:pPr>
-              <a:lnSpc>
-                <a:spcPct val="100000"/>
-              </a:lnSpc>
-              <a:buNone/>
-            </a:pPr>
-            <a:r>
-              <a:rPr b="0" lang="pt-BR" sz="1800" spc="-1" strike="noStrike">
-                <a:solidFill>
-                  <a:srgbClr val="000000"/>
-                </a:solidFill>
-                <a:latin typeface="Arial"/>
-                <a:ea typeface="DejaVu Sans"/>
-              </a:rPr>
-              <a:t>2</a:t>
-            </a:r>
-            <a:r>
-              <a:rPr b="0" lang="pt-BR" sz="1800" spc="-1" strike="noStrike">
-                <a:solidFill>
-                  <a:srgbClr val="000000"/>
-                </a:solidFill>
-                <a:latin typeface="Arial"/>
-                <a:ea typeface="DejaVu Sans"/>
-              </a:rPr>
-              <a:t>0</a:t>
-            </a:r>
-            <a:r>
-              <a:rPr b="0" lang="pt-BR" sz="1800" spc="-1" strike="noStrike">
-                <a:solidFill>
-                  <a:srgbClr val="000000"/>
-                </a:solidFill>
-                <a:latin typeface="Arial"/>
-                <a:ea typeface="DejaVu Sans"/>
-              </a:rPr>
-              <a:t> </a:t>
-            </a:r>
-            <a:r>
-              <a:rPr b="0" lang="pt-BR" sz="1800" spc="-1" strike="noStrike">
-                <a:solidFill>
-                  <a:srgbClr val="000000"/>
-                </a:solidFill>
-                <a:latin typeface="Arial"/>
-                <a:ea typeface="DejaVu Sans"/>
-              </a:rPr>
-              <a:t>+</a:t>
-            </a:r>
-            <a:r>
-              <a:rPr b="0" lang="pt-BR" sz="1800" spc="-1" strike="noStrike">
-                <a:solidFill>
-                  <a:srgbClr val="000000"/>
-                </a:solidFill>
-                <a:latin typeface="Arial"/>
-                <a:ea typeface="DejaVu Sans"/>
-              </a:rPr>
-              <a:t> </a:t>
-            </a:r>
-            <a:r>
-              <a:rPr b="0" lang="pt-BR" sz="1800" spc="-1" strike="noStrike">
-                <a:solidFill>
-                  <a:srgbClr val="000000"/>
-                </a:solidFill>
-                <a:latin typeface="Arial"/>
-                <a:ea typeface="DejaVu Sans"/>
-              </a:rPr>
-              <a:t>1</a:t>
-            </a:r>
-            <a:r>
-              <a:rPr b="0" lang="pt-BR" sz="1800" spc="-1" strike="noStrike">
-                <a:solidFill>
-                  <a:srgbClr val="000000"/>
-                </a:solidFill>
-                <a:latin typeface="Arial"/>
-                <a:ea typeface="DejaVu Sans"/>
-              </a:rPr>
-              <a:t>0</a:t>
-            </a:r>
-            <a:r>
-              <a:rPr b="0" lang="pt-BR" sz="1800" spc="-1" strike="noStrike">
-                <a:solidFill>
-                  <a:srgbClr val="000000"/>
-                </a:solidFill>
-                <a:latin typeface="Arial"/>
-                <a:ea typeface="DejaVu Sans"/>
-              </a:rPr>
-              <a:t> </a:t>
-            </a:r>
-            <a:r>
-              <a:rPr b="0" lang="pt-BR" sz="1800" spc="-1" strike="noStrike">
-                <a:solidFill>
-                  <a:srgbClr val="000000"/>
-                </a:solidFill>
-                <a:latin typeface="Arial"/>
-                <a:ea typeface="DejaVu Sans"/>
-              </a:rPr>
-              <a:t>/</a:t>
-            </a:r>
-            <a:r>
-              <a:rPr b="0" lang="pt-BR" sz="1800" spc="-1" strike="noStrike">
-                <a:solidFill>
-                  <a:srgbClr val="000000"/>
-                </a:solidFill>
-                <a:latin typeface="Arial"/>
-                <a:ea typeface="DejaVu Sans"/>
-              </a:rPr>
-              <a:t> </a:t>
-            </a:r>
-            <a:r>
-              <a:rPr b="0" lang="pt-BR" sz="1800" spc="-1" strike="noStrike">
-                <a:solidFill>
-                  <a:srgbClr val="000000"/>
-                </a:solidFill>
-                <a:latin typeface="Arial"/>
-                <a:ea typeface="DejaVu Sans"/>
-              </a:rPr>
-              <a:t>5</a:t>
-            </a:r>
-            <a:r>
-              <a:rPr b="0" lang="pt-BR" sz="1800" spc="-1" strike="noStrike">
-                <a:solidFill>
-                  <a:srgbClr val="000000"/>
-                </a:solidFill>
-                <a:latin typeface="Arial"/>
-                <a:ea typeface="DejaVu Sans"/>
-              </a:rPr>
-              <a:t> </a:t>
-            </a:r>
-            <a:r>
-              <a:rPr b="0" lang="pt-BR" sz="1800" spc="-1" strike="noStrike">
-                <a:solidFill>
-                  <a:srgbClr val="000000"/>
-                </a:solidFill>
-                <a:latin typeface="Arial"/>
-                <a:ea typeface="DejaVu Sans"/>
-              </a:rPr>
-              <a:t>=</a:t>
-            </a:r>
-            <a:r>
-              <a:rPr b="0" lang="pt-BR" sz="1800" spc="-1" strike="noStrike">
-                <a:solidFill>
-                  <a:srgbClr val="000000"/>
-                </a:solidFill>
-                <a:latin typeface="Arial"/>
-                <a:ea typeface="DejaVu Sans"/>
-              </a:rPr>
-              <a:t> </a:t>
-            </a:r>
-            <a:r>
-              <a:rPr b="0" lang="pt-BR" sz="1800" spc="-1" strike="noStrike">
-                <a:solidFill>
-                  <a:srgbClr val="000000"/>
-                </a:solidFill>
-                <a:latin typeface="Arial"/>
-                <a:ea typeface="DejaVu Sans"/>
-              </a:rPr>
-              <a:t>6</a:t>
+              <a:t>20 + 10 / 5 = 6</a:t>
             </a:r>
             <a:endParaRPr b="0" lang="pt-BR" sz="1800" spc="-1" strike="noStrike">
               <a:latin typeface="Arial"/>
@@ -18635,7 +16638,7 @@
         <p:spPr>
           <a:xfrm>
             <a:off x="3030480" y="5251680"/>
-            <a:ext cx="1964520" cy="1113840"/>
+            <a:ext cx="1964160" cy="1113480"/>
           </a:xfrm>
           <a:prstGeom prst="rect">
             <a:avLst/>
@@ -18750,7 +16753,7 @@
         <p:spPr>
           <a:xfrm>
             <a:off x="803160" y="2645640"/>
-            <a:ext cx="2067120" cy="237960"/>
+            <a:ext cx="2066760" cy="237600"/>
           </a:xfrm>
           <a:custGeom>
             <a:avLst/>
@@ -18815,7 +16818,7 @@
         <p:spPr>
           <a:xfrm>
             <a:off x="1981080" y="5309280"/>
-            <a:ext cx="151560" cy="160920"/>
+            <a:ext cx="151200" cy="160560"/>
           </a:xfrm>
           <a:prstGeom prst="rect">
             <a:avLst/>
@@ -18838,7 +16841,7 @@
         <p:spPr>
           <a:xfrm>
             <a:off x="2017080" y="5597280"/>
-            <a:ext cx="151560" cy="160920"/>
+            <a:ext cx="151200" cy="160560"/>
           </a:xfrm>
           <a:prstGeom prst="rect">
             <a:avLst/>
@@ -18861,7 +16864,7 @@
         <p:spPr>
           <a:xfrm>
             <a:off x="4456440" y="5330160"/>
-            <a:ext cx="151560" cy="160920"/>
+            <a:ext cx="151200" cy="160560"/>
           </a:xfrm>
           <a:prstGeom prst="rect">
             <a:avLst/>
@@ -18884,7 +16887,7 @@
         <p:spPr>
           <a:xfrm>
             <a:off x="4492440" y="5582160"/>
-            <a:ext cx="151560" cy="160920"/>
+            <a:ext cx="151200" cy="160560"/>
           </a:xfrm>
           <a:prstGeom prst="rect">
             <a:avLst/>
@@ -18907,7 +16910,7 @@
         <p:spPr>
           <a:xfrm>
             <a:off x="4531320" y="5834160"/>
-            <a:ext cx="151560" cy="160920"/>
+            <a:ext cx="151200" cy="160560"/>
           </a:xfrm>
           <a:prstGeom prst="rect">
             <a:avLst/>
@@ -18930,7 +16933,7 @@
         <p:spPr>
           <a:xfrm>
             <a:off x="4780440" y="6122160"/>
-            <a:ext cx="151560" cy="160920"/>
+            <a:ext cx="151200" cy="160560"/>
           </a:xfrm>
           <a:prstGeom prst="rect">
             <a:avLst/>
@@ -18953,7 +16956,7 @@
         <p:spPr>
           <a:xfrm>
             <a:off x="2129760" y="5898600"/>
-            <a:ext cx="170640" cy="132480"/>
+            <a:ext cx="170280" cy="132120"/>
           </a:xfrm>
           <a:prstGeom prst="rect">
             <a:avLst/>
@@ -18976,7 +16979,7 @@
         <p:spPr>
           <a:xfrm>
             <a:off x="2206800" y="6192720"/>
-            <a:ext cx="170640" cy="132480"/>
+            <a:ext cx="170280" cy="132120"/>
           </a:xfrm>
           <a:prstGeom prst="rect">
             <a:avLst/>
@@ -18995,7 +16998,7 @@
         <p:spPr>
           <a:xfrm>
             <a:off x="2502720" y="5633640"/>
-            <a:ext cx="453600" cy="237960"/>
+            <a:ext cx="453240" cy="237600"/>
           </a:xfrm>
           <a:custGeom>
             <a:avLst/>
@@ -19060,7 +17063,7 @@
         <p:spPr>
           <a:xfrm>
             <a:off x="2627640" y="2441160"/>
-            <a:ext cx="170640" cy="132480"/>
+            <a:ext cx="170280" cy="132120"/>
           </a:xfrm>
           <a:prstGeom prst="rect">
             <a:avLst/>
@@ -19109,7 +17112,7 @@
         <p:spPr>
           <a:xfrm>
             <a:off x="360000" y="360000"/>
-            <a:ext cx="9351720" cy="891720"/>
+            <a:ext cx="9351360" cy="891360"/>
           </a:xfrm>
           <a:prstGeom prst="rect">
             <a:avLst/>
@@ -19161,7 +17164,7 @@
         <p:spPr>
           <a:xfrm>
             <a:off x="360000" y="1980000"/>
-            <a:ext cx="9171720" cy="4671720"/>
+            <a:ext cx="9171360" cy="4671360"/>
           </a:xfrm>
           <a:prstGeom prst="rect">
             <a:avLst/>
@@ -19394,7 +17397,7 @@
         <p:spPr>
           <a:xfrm>
             <a:off x="897120" y="6886080"/>
-            <a:ext cx="6438960" cy="356760"/>
+            <a:ext cx="6438600" cy="356400"/>
           </a:xfrm>
           <a:prstGeom prst="rect">
             <a:avLst/>
@@ -19446,7 +17449,7 @@
         <p:spPr>
           <a:xfrm>
             <a:off x="7608600" y="6886080"/>
-            <a:ext cx="2277000" cy="356760"/>
+            <a:ext cx="2276640" cy="356400"/>
           </a:xfrm>
           <a:prstGeom prst="rect">
             <a:avLst/>
@@ -19502,7 +17505,7 @@
         <p:spPr>
           <a:xfrm>
             <a:off x="2387880" y="3714120"/>
-            <a:ext cx="5789520" cy="2742120"/>
+            <a:ext cx="5789160" cy="2741760"/>
           </a:xfrm>
           <a:prstGeom prst="rect">
             <a:avLst/>
@@ -19521,7 +17524,7 @@
         <p:spPr>
           <a:xfrm>
             <a:off x="2870640" y="4881600"/>
-            <a:ext cx="264240" cy="264240"/>
+            <a:ext cx="263880" cy="263880"/>
           </a:xfrm>
           <a:prstGeom prst="ellipse">
             <a:avLst/>
@@ -19551,7 +17554,7 @@
         <p:spPr>
           <a:xfrm>
             <a:off x="3230640" y="4881600"/>
-            <a:ext cx="264240" cy="264240"/>
+            <a:ext cx="263880" cy="263880"/>
           </a:xfrm>
           <a:prstGeom prst="ellipse">
             <a:avLst/>
@@ -19611,7 +17614,7 @@
         <p:spPr>
           <a:xfrm>
             <a:off x="360000" y="360000"/>
-            <a:ext cx="9351720" cy="891720"/>
+            <a:ext cx="9351360" cy="891360"/>
           </a:xfrm>
           <a:prstGeom prst="rect">
             <a:avLst/>
@@ -19663,7 +17666,7 @@
         <p:spPr>
           <a:xfrm>
             <a:off x="360000" y="1999440"/>
-            <a:ext cx="9171720" cy="4671720"/>
+            <a:ext cx="9171360" cy="4671360"/>
           </a:xfrm>
           <a:prstGeom prst="rect">
             <a:avLst/>
@@ -20035,7 +18038,7 @@
         <p:spPr>
           <a:xfrm>
             <a:off x="897120" y="6886080"/>
-            <a:ext cx="6438960" cy="356760"/>
+            <a:ext cx="6438600" cy="356400"/>
           </a:xfrm>
           <a:prstGeom prst="rect">
             <a:avLst/>
@@ -20087,7 +18090,7 @@
         <p:spPr>
           <a:xfrm>
             <a:off x="7608600" y="6886080"/>
-            <a:ext cx="2277000" cy="356760"/>
+            <a:ext cx="2276640" cy="356400"/>
           </a:xfrm>
           <a:prstGeom prst="rect">
             <a:avLst/>
@@ -20139,7 +18142,7 @@
         <p:spPr>
           <a:xfrm>
             <a:off x="553320" y="5000400"/>
-            <a:ext cx="1655640" cy="1369800"/>
+            <a:ext cx="1655280" cy="1369440"/>
           </a:xfrm>
           <a:prstGeom prst="rect">
             <a:avLst/>
@@ -20265,7 +18268,7 @@
         <p:spPr>
           <a:xfrm>
             <a:off x="3030480" y="5251680"/>
-            <a:ext cx="1964520" cy="1113840"/>
+            <a:ext cx="1964160" cy="1113480"/>
           </a:xfrm>
           <a:prstGeom prst="rect">
             <a:avLst/>
@@ -20380,7 +18383,7 @@
         <p:spPr>
           <a:xfrm>
             <a:off x="803160" y="2645640"/>
-            <a:ext cx="2067120" cy="237960"/>
+            <a:ext cx="2066760" cy="237600"/>
           </a:xfrm>
           <a:custGeom>
             <a:avLst/>
@@ -20445,7 +18448,7 @@
         <p:spPr>
           <a:xfrm>
             <a:off x="1981080" y="5309280"/>
-            <a:ext cx="151560" cy="160920"/>
+            <a:ext cx="151200" cy="160560"/>
           </a:xfrm>
           <a:prstGeom prst="rect">
             <a:avLst/>
@@ -20468,7 +18471,7 @@
         <p:spPr>
           <a:xfrm>
             <a:off x="2017080" y="5597280"/>
-            <a:ext cx="151560" cy="160920"/>
+            <a:ext cx="151200" cy="160560"/>
           </a:xfrm>
           <a:prstGeom prst="rect">
             <a:avLst/>
@@ -20491,7 +18494,7 @@
         <p:spPr>
           <a:xfrm>
             <a:off x="4456440" y="5330160"/>
-            <a:ext cx="151560" cy="160920"/>
+            <a:ext cx="151200" cy="160560"/>
           </a:xfrm>
           <a:prstGeom prst="rect">
             <a:avLst/>
@@ -20514,7 +18517,7 @@
         <p:spPr>
           <a:xfrm>
             <a:off x="4492440" y="5582160"/>
-            <a:ext cx="151560" cy="160920"/>
+            <a:ext cx="151200" cy="160560"/>
           </a:xfrm>
           <a:prstGeom prst="rect">
             <a:avLst/>
@@ -20537,7 +18540,7 @@
         <p:spPr>
           <a:xfrm>
             <a:off x="4531320" y="5834160"/>
-            <a:ext cx="151560" cy="160920"/>
+            <a:ext cx="151200" cy="160560"/>
           </a:xfrm>
           <a:prstGeom prst="rect">
             <a:avLst/>
@@ -20560,7 +18563,7 @@
         <p:spPr>
           <a:xfrm>
             <a:off x="4780440" y="6122160"/>
-            <a:ext cx="151560" cy="160920"/>
+            <a:ext cx="151200" cy="160560"/>
           </a:xfrm>
           <a:prstGeom prst="rect">
             <a:avLst/>
@@ -20579,7 +18582,7 @@
         <p:spPr>
           <a:xfrm>
             <a:off x="5165280" y="5328000"/>
-            <a:ext cx="3696480" cy="1053360"/>
+            <a:ext cx="3696120" cy="1053000"/>
           </a:xfrm>
           <a:prstGeom prst="rect">
             <a:avLst/>
@@ -20692,7 +18695,7 @@
         <p:spPr>
           <a:xfrm>
             <a:off x="2129760" y="5898600"/>
-            <a:ext cx="170640" cy="132480"/>
+            <a:ext cx="170280" cy="132120"/>
           </a:xfrm>
           <a:prstGeom prst="rect">
             <a:avLst/>
@@ -20715,7 +18718,7 @@
         <p:spPr>
           <a:xfrm>
             <a:off x="2206800" y="6192720"/>
-            <a:ext cx="170640" cy="132480"/>
+            <a:ext cx="170280" cy="132120"/>
           </a:xfrm>
           <a:prstGeom prst="rect">
             <a:avLst/>
@@ -20738,7 +18741,7 @@
         <p:spPr>
           <a:xfrm>
             <a:off x="6976440" y="5834160"/>
-            <a:ext cx="151560" cy="160920"/>
+            <a:ext cx="151200" cy="160560"/>
           </a:xfrm>
           <a:prstGeom prst="rect">
             <a:avLst/>
@@ -20761,7 +18764,7 @@
         <p:spPr>
           <a:xfrm>
             <a:off x="6976440" y="6086160"/>
-            <a:ext cx="151560" cy="160920"/>
+            <a:ext cx="151200" cy="160560"/>
           </a:xfrm>
           <a:prstGeom prst="rect">
             <a:avLst/>
@@ -20780,7 +18783,7 @@
         <p:spPr>
           <a:xfrm>
             <a:off x="2502720" y="5633640"/>
-            <a:ext cx="453600" cy="237960"/>
+            <a:ext cx="453240" cy="237600"/>
           </a:xfrm>
           <a:custGeom>
             <a:avLst/>
@@ -20845,7 +18848,7 @@
         <p:spPr>
           <a:xfrm>
             <a:off x="2627640" y="2441160"/>
-            <a:ext cx="170640" cy="132480"/>
+            <a:ext cx="170280" cy="132120"/>
           </a:xfrm>
           <a:prstGeom prst="rect">
             <a:avLst/>
@@ -20894,7 +18897,7 @@
         <p:spPr>
           <a:xfrm>
             <a:off x="360000" y="360000"/>
-            <a:ext cx="9351720" cy="891720"/>
+            <a:ext cx="9351360" cy="891360"/>
           </a:xfrm>
           <a:prstGeom prst="rect">
             <a:avLst/>
@@ -20946,7 +18949,7 @@
         <p:spPr>
           <a:xfrm>
             <a:off x="360000" y="1980000"/>
-            <a:ext cx="9171720" cy="4671720"/>
+            <a:ext cx="9171360" cy="4671360"/>
           </a:xfrm>
           <a:prstGeom prst="rect">
             <a:avLst/>
@@ -21271,7 +19274,7 @@
         <p:spPr>
           <a:xfrm>
             <a:off x="897120" y="6886080"/>
-            <a:ext cx="6438960" cy="356760"/>
+            <a:ext cx="6438600" cy="356400"/>
           </a:xfrm>
           <a:prstGeom prst="rect">
             <a:avLst/>
@@ -21323,7 +19326,7 @@
         <p:spPr>
           <a:xfrm>
             <a:off x="7608600" y="6886080"/>
-            <a:ext cx="2277000" cy="356760"/>
+            <a:ext cx="2276640" cy="356400"/>
           </a:xfrm>
           <a:prstGeom prst="rect">
             <a:avLst/>
@@ -21405,7 +19408,7 @@
         <p:spPr>
           <a:xfrm>
             <a:off x="360000" y="360000"/>
-            <a:ext cx="9351720" cy="891720"/>
+            <a:ext cx="9351360" cy="891360"/>
           </a:xfrm>
           <a:prstGeom prst="rect">
             <a:avLst/>
@@ -21457,7 +19460,7 @@
         <p:spPr>
           <a:xfrm>
             <a:off x="360000" y="1980000"/>
-            <a:ext cx="9171720" cy="4671720"/>
+            <a:ext cx="9171360" cy="4671360"/>
           </a:xfrm>
           <a:prstGeom prst="rect">
             <a:avLst/>
@@ -21506,18 +19509,14 @@
             </a:endParaRPr>
           </a:p>
           <a:p>
-            <a:pPr marL="216000" indent="-216000">
-              <a:lnSpc>
-                <a:spcPct val="100000"/>
-              </a:lnSpc>
-              <a:spcAft>
-                <a:spcPts val="1140"/>
-              </a:spcAft>
-              <a:buClr>
-                <a:srgbClr val="1c1c1c"/>
-              </a:buClr>
-              <a:buFont typeface="Wingdings" charset="2"/>
-              <a:buChar char=""/>
+            <a:pPr>
+              <a:lnSpc>
+                <a:spcPct val="100000"/>
+              </a:lnSpc>
+              <a:spcAft>
+                <a:spcPts val="1140"/>
+              </a:spcAft>
+              <a:buNone/>
             </a:pPr>
             <a:endParaRPr b="0" lang="pt-BR" sz="1600" spc="-1" strike="noStrike">
               <a:latin typeface="Arial"/>
@@ -21698,19 +19697,14 @@
             </a:endParaRPr>
           </a:p>
           <a:p>
-            <a:pPr lvl="1" marL="432000" indent="-216000">
-              <a:lnSpc>
-                <a:spcPct val="100000"/>
-              </a:lnSpc>
-              <a:spcAft>
-                <a:spcPts val="1140"/>
-              </a:spcAft>
-              <a:buClr>
-                <a:srgbClr val="000000"/>
-              </a:buClr>
-              <a:buSzPct val="45000"/>
-              <a:buFont typeface="Wingdings" charset="2"/>
-              <a:buChar char=""/>
+            <a:pPr>
+              <a:lnSpc>
+                <a:spcPct val="100000"/>
+              </a:lnSpc>
+              <a:spcAft>
+                <a:spcPts val="1140"/>
+              </a:spcAft>
+              <a:buNone/>
             </a:pPr>
             <a:endParaRPr b="0" lang="pt-BR" sz="1600" spc="-1" strike="noStrike">
               <a:latin typeface="Arial"/>
@@ -21881,7 +19875,7 @@
         <p:spPr>
           <a:xfrm>
             <a:off x="897120" y="6886080"/>
-            <a:ext cx="6438960" cy="356760"/>
+            <a:ext cx="6438600" cy="356400"/>
           </a:xfrm>
           <a:prstGeom prst="rect">
             <a:avLst/>
@@ -21933,7 +19927,7 @@
         <p:spPr>
           <a:xfrm>
             <a:off x="7608600" y="6886080"/>
-            <a:ext cx="2277000" cy="356760"/>
+            <a:ext cx="2276640" cy="356400"/>
           </a:xfrm>
           <a:prstGeom prst="rect">
             <a:avLst/>
@@ -22015,7 +20009,7 @@
         <p:spPr>
           <a:xfrm>
             <a:off x="360000" y="360000"/>
-            <a:ext cx="9351720" cy="891720"/>
+            <a:ext cx="9351360" cy="891360"/>
           </a:xfrm>
           <a:prstGeom prst="rect">
             <a:avLst/>
@@ -22067,7 +20061,7 @@
         <p:spPr>
           <a:xfrm>
             <a:off x="360000" y="1980000"/>
-            <a:ext cx="9171720" cy="4671720"/>
+            <a:ext cx="9171360" cy="4671360"/>
           </a:xfrm>
           <a:prstGeom prst="rect">
             <a:avLst/>
@@ -22336,19 +20330,14 @@
             </a:endParaRPr>
           </a:p>
           <a:p>
-            <a:pPr lvl="1" marL="432000" indent="-216000">
-              <a:lnSpc>
-                <a:spcPct val="100000"/>
-              </a:lnSpc>
-              <a:spcAft>
-                <a:spcPts val="1140"/>
-              </a:spcAft>
-              <a:buClr>
-                <a:srgbClr val="000000"/>
-              </a:buClr>
-              <a:buSzPct val="45000"/>
-              <a:buFont typeface="Wingdings" charset="2"/>
-              <a:buChar char=""/>
+            <a:pPr>
+              <a:lnSpc>
+                <a:spcPct val="100000"/>
+              </a:lnSpc>
+              <a:spcAft>
+                <a:spcPts val="1140"/>
+              </a:spcAft>
+              <a:buNone/>
             </a:pPr>
             <a:endParaRPr b="0" lang="pt-BR" sz="1600" spc="-1" strike="noStrike">
               <a:latin typeface="Arial"/>
@@ -22369,19 +20358,14 @@
             </a:endParaRPr>
           </a:p>
           <a:p>
-            <a:pPr lvl="1" marL="432000" indent="-216000">
-              <a:lnSpc>
-                <a:spcPct val="100000"/>
-              </a:lnSpc>
-              <a:spcAft>
-                <a:spcPts val="1140"/>
-              </a:spcAft>
-              <a:buClr>
-                <a:srgbClr val="000000"/>
-              </a:buClr>
-              <a:buSzPct val="45000"/>
-              <a:buFont typeface="Wingdings" charset="2"/>
-              <a:buChar char=""/>
+            <a:pPr>
+              <a:lnSpc>
+                <a:spcPct val="100000"/>
+              </a:lnSpc>
+              <a:spcAft>
+                <a:spcPts val="1140"/>
+              </a:spcAft>
+              <a:buNone/>
             </a:pPr>
             <a:endParaRPr b="0" lang="pt-BR" sz="1600" spc="-1" strike="noStrike">
               <a:latin typeface="Arial"/>
@@ -22538,7 +20522,7 @@
         <p:spPr>
           <a:xfrm>
             <a:off x="897120" y="6886080"/>
-            <a:ext cx="6438960" cy="356760"/>
+            <a:ext cx="6438600" cy="356400"/>
           </a:xfrm>
           <a:prstGeom prst="rect">
             <a:avLst/>
@@ -22590,7 +20574,7 @@
         <p:spPr>
           <a:xfrm>
             <a:off x="7608600" y="6886080"/>
-            <a:ext cx="2277000" cy="356760"/>
+            <a:ext cx="2276640" cy="356400"/>
           </a:xfrm>
           <a:prstGeom prst="rect">
             <a:avLst/>
@@ -22672,7 +20656,7 @@
         <p:spPr>
           <a:xfrm>
             <a:off x="360000" y="360000"/>
-            <a:ext cx="9351720" cy="891720"/>
+            <a:ext cx="9351360" cy="891360"/>
           </a:xfrm>
           <a:prstGeom prst="rect">
             <a:avLst/>
@@ -22724,7 +20708,7 @@
         <p:spPr>
           <a:xfrm>
             <a:off x="360000" y="1980000"/>
-            <a:ext cx="9171720" cy="4671720"/>
+            <a:ext cx="9171360" cy="4671360"/>
           </a:xfrm>
           <a:prstGeom prst="rect">
             <a:avLst/>
@@ -22762,17 +20746,73 @@
                 <a:latin typeface="Latin Modern Sans"/>
                 <a:ea typeface="DejaVu Sans"/>
               </a:rPr>
-              <a:t>Agora vamos desenvolver nossos primeiros algoritmos em </a:t>
-            </a:r>
-            <a:r>
-              <a:rPr b="0" lang="pt-BR" sz="1600" spc="-1" strike="noStrike">
+              <a:t>Agora vamos desenvolver nossos primeiros algoritmos em linguagem python!</a:t>
+            </a:r>
+            <a:endParaRPr b="0" lang="pt-BR" sz="1600" spc="-1" strike="noStrike">
+              <a:latin typeface="Arial"/>
+            </a:endParaRPr>
+          </a:p>
+          <a:p>
+            <a:pPr>
+              <a:lnSpc>
+                <a:spcPct val="100000"/>
+              </a:lnSpc>
+              <a:spcAft>
+                <a:spcPts val="1140"/>
+              </a:spcAft>
+              <a:buNone/>
+            </a:pPr>
+            <a:endParaRPr b="0" lang="pt-BR" sz="1600" spc="-1" strike="noStrike">
+              <a:latin typeface="Arial"/>
+            </a:endParaRPr>
+          </a:p>
+          <a:p>
+            <a:pPr>
+              <a:lnSpc>
+                <a:spcPct val="100000"/>
+              </a:lnSpc>
+              <a:spcAft>
+                <a:spcPts val="1140"/>
+              </a:spcAft>
+              <a:buNone/>
+            </a:pPr>
+            <a:endParaRPr b="0" lang="pt-BR" sz="1600" spc="-1" strike="noStrike">
+              <a:latin typeface="Arial"/>
+            </a:endParaRPr>
+          </a:p>
+          <a:p>
+            <a:pPr>
+              <a:lnSpc>
+                <a:spcPct val="100000"/>
+              </a:lnSpc>
+              <a:spcAft>
+                <a:spcPts val="1140"/>
+              </a:spcAft>
+              <a:buNone/>
+            </a:pPr>
+            <a:endParaRPr b="0" lang="pt-BR" sz="1600" spc="-1" strike="noStrike">
+              <a:latin typeface="Arial"/>
+            </a:endParaRPr>
+          </a:p>
+          <a:p>
+            <a:pPr>
+              <a:lnSpc>
+                <a:spcPct val="100000"/>
+              </a:lnSpc>
+              <a:spcAft>
+                <a:spcPts val="1140"/>
+              </a:spcAft>
+              <a:buNone/>
+            </a:pPr>
+            <a:r>
+              <a:rPr b="1" lang="pt-BR" sz="1600" spc="-1" strike="noStrike">
                 <a:solidFill>
                   <a:srgbClr val="1c1c1c"/>
                 </a:solidFill>
                 <a:latin typeface="Latin Modern Sans"/>
                 <a:ea typeface="DejaVu Sans"/>
               </a:rPr>
-              <a:t>linguagem python!</a:t>
+              <a:t> </a:t>
             </a:r>
             <a:endParaRPr b="0" lang="pt-BR" sz="1600" spc="-1" strike="noStrike">
               <a:latin typeface="Arial"/>
@@ -22815,82 +20855,6 @@
                 <a:spcPts val="1140"/>
               </a:spcAft>
               <a:buNone/>
-            </a:pPr>
-            <a:endParaRPr b="0" lang="pt-BR" sz="1600" spc="-1" strike="noStrike">
-              <a:latin typeface="Arial"/>
-            </a:endParaRPr>
-          </a:p>
-          <a:p>
-            <a:pPr>
-              <a:lnSpc>
-                <a:spcPct val="100000"/>
-              </a:lnSpc>
-              <a:spcAft>
-                <a:spcPts val="1140"/>
-              </a:spcAft>
-              <a:buNone/>
-            </a:pPr>
-            <a:r>
-              <a:rPr b="1" lang="pt-BR" sz="1600" spc="-1" strike="noStrike">
-                <a:solidFill>
-                  <a:srgbClr val="1c1c1c"/>
-                </a:solidFill>
-                <a:latin typeface="Latin Modern Sans"/>
-                <a:ea typeface="DejaVu Sans"/>
-              </a:rPr>
-              <a:t> </a:t>
-            </a:r>
-            <a:endParaRPr b="0" lang="pt-BR" sz="1600" spc="-1" strike="noStrike">
-              <a:latin typeface="Arial"/>
-            </a:endParaRPr>
-          </a:p>
-          <a:p>
-            <a:pPr lvl="1" marL="432000" indent="-216000">
-              <a:lnSpc>
-                <a:spcPct val="100000"/>
-              </a:lnSpc>
-              <a:spcAft>
-                <a:spcPts val="1140"/>
-              </a:spcAft>
-              <a:buClr>
-                <a:srgbClr val="000000"/>
-              </a:buClr>
-              <a:buSzPct val="45000"/>
-              <a:buFont typeface="Wingdings" charset="2"/>
-              <a:buChar char=""/>
-            </a:pPr>
-            <a:endParaRPr b="0" lang="pt-BR" sz="1600" spc="-1" strike="noStrike">
-              <a:latin typeface="Arial"/>
-            </a:endParaRPr>
-          </a:p>
-          <a:p>
-            <a:pPr>
-              <a:lnSpc>
-                <a:spcPct val="100000"/>
-              </a:lnSpc>
-              <a:spcAft>
-                <a:spcPts val="1140"/>
-              </a:spcAft>
-              <a:buNone/>
-            </a:pPr>
-            <a:endParaRPr b="0" lang="pt-BR" sz="1600" spc="-1" strike="noStrike">
-              <a:latin typeface="Arial"/>
-            </a:endParaRPr>
-          </a:p>
-          <a:p>
-            <a:pPr lvl="1" marL="432000" indent="-216000">
-              <a:lnSpc>
-                <a:spcPct val="100000"/>
-              </a:lnSpc>
-              <a:spcAft>
-                <a:spcPts val="1140"/>
-              </a:spcAft>
-              <a:buClr>
-                <a:srgbClr val="000000"/>
-              </a:buClr>
-              <a:buSzPct val="45000"/>
-              <a:buFont typeface="Wingdings" charset="2"/>
-              <a:buChar char=""/>
             </a:pPr>
             <a:endParaRPr b="0" lang="pt-BR" sz="1600" spc="-1" strike="noStrike">
               <a:latin typeface="Arial"/>
@@ -23047,7 +21011,7 @@
         <p:spPr>
           <a:xfrm>
             <a:off x="897120" y="6886080"/>
-            <a:ext cx="6438960" cy="356760"/>
+            <a:ext cx="6438600" cy="356400"/>
           </a:xfrm>
           <a:prstGeom prst="rect">
             <a:avLst/>
@@ -23099,7 +21063,7 @@
         <p:spPr>
           <a:xfrm>
             <a:off x="7608600" y="6886080"/>
-            <a:ext cx="2277000" cy="356760"/>
+            <a:ext cx="2276640" cy="356400"/>
           </a:xfrm>
           <a:prstGeom prst="rect">
             <a:avLst/>
@@ -23181,7 +21145,7 @@
         <p:spPr>
           <a:xfrm>
             <a:off x="360000" y="360000"/>
-            <a:ext cx="9351720" cy="891720"/>
+            <a:ext cx="9351360" cy="891360"/>
           </a:xfrm>
           <a:prstGeom prst="rect">
             <a:avLst/>
@@ -23233,7 +21197,7 @@
         <p:spPr>
           <a:xfrm>
             <a:off x="360000" y="1980000"/>
-            <a:ext cx="9171720" cy="4671720"/>
+            <a:ext cx="9171360" cy="4671360"/>
           </a:xfrm>
           <a:prstGeom prst="rect">
             <a:avLst/>
@@ -23462,19 +21426,14 @@
             </a:endParaRPr>
           </a:p>
           <a:p>
-            <a:pPr lvl="1" marL="432000" indent="-216000">
-              <a:lnSpc>
-                <a:spcPct val="100000"/>
-              </a:lnSpc>
-              <a:spcAft>
-                <a:spcPts val="1140"/>
-              </a:spcAft>
-              <a:buClr>
-                <a:srgbClr val="000000"/>
-              </a:buClr>
-              <a:buSzPct val="45000"/>
-              <a:buFont typeface="Wingdings" charset="2"/>
-              <a:buChar char=""/>
+            <a:pPr>
+              <a:lnSpc>
+                <a:spcPct val="100000"/>
+              </a:lnSpc>
+              <a:spcAft>
+                <a:spcPts val="1140"/>
+              </a:spcAft>
+              <a:buNone/>
             </a:pPr>
             <a:endParaRPr b="0" lang="pt-BR" sz="1600" spc="-1" strike="noStrike">
               <a:latin typeface="Arial"/>
@@ -23495,19 +21454,14 @@
             </a:endParaRPr>
           </a:p>
           <a:p>
-            <a:pPr lvl="1" marL="432000" indent="-216000">
-              <a:lnSpc>
-                <a:spcPct val="100000"/>
-              </a:lnSpc>
-              <a:spcAft>
-                <a:spcPts val="1140"/>
-              </a:spcAft>
-              <a:buClr>
-                <a:srgbClr val="000000"/>
-              </a:buClr>
-              <a:buSzPct val="45000"/>
-              <a:buFont typeface="Wingdings" charset="2"/>
-              <a:buChar char=""/>
+            <a:pPr>
+              <a:lnSpc>
+                <a:spcPct val="100000"/>
+              </a:lnSpc>
+              <a:spcAft>
+                <a:spcPts val="1140"/>
+              </a:spcAft>
+              <a:buNone/>
             </a:pPr>
             <a:endParaRPr b="0" lang="pt-BR" sz="1600" spc="-1" strike="noStrike">
               <a:latin typeface="Arial"/>
@@ -23664,7 +21618,7 @@
         <p:spPr>
           <a:xfrm>
             <a:off x="897120" y="6886080"/>
-            <a:ext cx="6438960" cy="356760"/>
+            <a:ext cx="6438600" cy="356400"/>
           </a:xfrm>
           <a:prstGeom prst="rect">
             <a:avLst/>
@@ -23716,7 +21670,7 @@
         <p:spPr>
           <a:xfrm>
             <a:off x="7608600" y="6886080"/>
-            <a:ext cx="2277000" cy="356760"/>
+            <a:ext cx="2276640" cy="356400"/>
           </a:xfrm>
           <a:prstGeom prst="rect">
             <a:avLst/>
@@ -23798,7 +21752,7 @@
         <p:spPr>
           <a:xfrm>
             <a:off x="360000" y="360000"/>
-            <a:ext cx="9352080" cy="892080"/>
+            <a:ext cx="9351720" cy="891720"/>
           </a:xfrm>
           <a:prstGeom prst="rect">
             <a:avLst/>
@@ -23850,7 +21804,7 @@
         <p:spPr>
           <a:xfrm>
             <a:off x="360000" y="1627920"/>
-            <a:ext cx="9172080" cy="4672080"/>
+            <a:ext cx="9171720" cy="4671720"/>
           </a:xfrm>
           <a:prstGeom prst="rect">
             <a:avLst/>
@@ -24142,7 +22096,7 @@
         <p:spPr>
           <a:xfrm>
             <a:off x="7560000" y="3216960"/>
-            <a:ext cx="1506240" cy="900000"/>
+            <a:ext cx="1505880" cy="899640"/>
           </a:xfrm>
           <a:prstGeom prst="rect">
             <a:avLst/>
@@ -24303,7 +22257,7 @@
         <p:spPr>
           <a:xfrm>
             <a:off x="7560000" y="1620000"/>
-            <a:ext cx="1506240" cy="1596960"/>
+            <a:ext cx="1505880" cy="1596600"/>
           </a:xfrm>
           <a:prstGeom prst="rect">
             <a:avLst/>
@@ -24322,7 +22276,7 @@
         <p:spPr>
           <a:xfrm>
             <a:off x="897120" y="6886080"/>
-            <a:ext cx="6439320" cy="357120"/>
+            <a:ext cx="6438960" cy="356760"/>
           </a:xfrm>
           <a:prstGeom prst="rect">
             <a:avLst/>
@@ -24374,7 +22328,7 @@
         <p:spPr>
           <a:xfrm>
             <a:off x="7608600" y="6886080"/>
-            <a:ext cx="2277360" cy="357120"/>
+            <a:ext cx="2277000" cy="356760"/>
           </a:xfrm>
           <a:prstGeom prst="rect">
             <a:avLst/>
@@ -24430,7 +22384,7 @@
         <p:spPr>
           <a:xfrm>
             <a:off x="900000" y="4718520"/>
-            <a:ext cx="4116960" cy="2013480"/>
+            <a:ext cx="4116600" cy="2013120"/>
           </a:xfrm>
           <a:prstGeom prst="rect">
             <a:avLst/>
@@ -24454,7 +22408,7 @@
         <p:spPr>
           <a:xfrm>
             <a:off x="5220000" y="4680000"/>
-            <a:ext cx="4860720" cy="2159640"/>
+            <a:ext cx="4860360" cy="2159280"/>
           </a:xfrm>
           <a:prstGeom prst="rect">
             <a:avLst/>
@@ -24503,7 +22457,7 @@
         <p:spPr>
           <a:xfrm>
             <a:off x="360000" y="360000"/>
-            <a:ext cx="9352080" cy="892080"/>
+            <a:ext cx="9351720" cy="891720"/>
           </a:xfrm>
           <a:prstGeom prst="rect">
             <a:avLst/>
@@ -24555,7 +22509,7 @@
         <p:spPr>
           <a:xfrm>
             <a:off x="360000" y="1980000"/>
-            <a:ext cx="9172080" cy="4672080"/>
+            <a:ext cx="9171720" cy="4671720"/>
           </a:xfrm>
           <a:prstGeom prst="rect">
             <a:avLst/>
@@ -24818,7 +22772,7 @@
         <p:spPr>
           <a:xfrm>
             <a:off x="897120" y="6886080"/>
-            <a:ext cx="6439320" cy="357120"/>
+            <a:ext cx="6438960" cy="356760"/>
           </a:xfrm>
           <a:prstGeom prst="rect">
             <a:avLst/>
@@ -24870,7 +22824,7 @@
         <p:spPr>
           <a:xfrm>
             <a:off x="7608600" y="6886080"/>
-            <a:ext cx="2277360" cy="357120"/>
+            <a:ext cx="2277000" cy="356760"/>
           </a:xfrm>
           <a:prstGeom prst="rect">
             <a:avLst/>
@@ -24952,7 +22906,7 @@
         <p:spPr>
           <a:xfrm>
             <a:off x="360000" y="360000"/>
-            <a:ext cx="9352080" cy="892080"/>
+            <a:ext cx="9351720" cy="891720"/>
           </a:xfrm>
           <a:prstGeom prst="rect">
             <a:avLst/>
@@ -25004,7 +22958,7 @@
         <p:spPr>
           <a:xfrm>
             <a:off x="360000" y="1980000"/>
-            <a:ext cx="9172080" cy="4672080"/>
+            <a:ext cx="9171720" cy="4671720"/>
           </a:xfrm>
           <a:prstGeom prst="rect">
             <a:avLst/>
@@ -25068,6 +23022,20 @@
             </a:endParaRPr>
           </a:p>
           <a:p>
+            <a:pPr>
+              <a:lnSpc>
+                <a:spcPct val="100000"/>
+              </a:lnSpc>
+              <a:spcAft>
+                <a:spcPts val="1140"/>
+              </a:spcAft>
+              <a:buNone/>
+            </a:pPr>
+            <a:endParaRPr b="0" lang="pt-BR" sz="1600" spc="-1" strike="noStrike">
+              <a:latin typeface="Arial"/>
+            </a:endParaRPr>
+          </a:p>
+          <a:p>
             <a:pPr marL="216000" indent="-208440">
               <a:lnSpc>
                 <a:spcPct val="100000"/>
@@ -25082,17 +23050,27 @@
               <a:buFont typeface="Wingdings" charset="2"/>
               <a:buChar char=""/>
             </a:pPr>
-            <a:endParaRPr b="0" lang="pt-BR" sz="1600" spc="-1" strike="noStrike">
-              <a:latin typeface="Arial"/>
-            </a:endParaRPr>
-          </a:p>
-          <a:p>
-            <a:pPr marL="216000" indent="-208440">
-              <a:lnSpc>
-                <a:spcPct val="100000"/>
-              </a:lnSpc>
-              <a:spcAft>
-                <a:spcPts val="1140"/>
+            <a:r>
+              <a:rPr b="1" lang="pt-BR" sz="1400" spc="-1" strike="noStrike">
+                <a:solidFill>
+                  <a:srgbClr val="1c1c1c"/>
+                </a:solidFill>
+                <a:latin typeface="Latin Modern Sans"/>
+                <a:ea typeface="DejaVu Sans"/>
+              </a:rPr>
+              <a:t>Alguém já atua com programação? Compartilhe:</a:t>
+            </a:r>
+            <a:endParaRPr b="0" lang="pt-BR" sz="1400" spc="-1" strike="noStrike">
+              <a:latin typeface="Arial"/>
+            </a:endParaRPr>
+          </a:p>
+          <a:p>
+            <a:pPr lvl="1" marL="431640" indent="-208440">
+              <a:lnSpc>
+                <a:spcPct val="100000"/>
+              </a:lnSpc>
+              <a:spcAft>
+                <a:spcPts val="1134"/>
               </a:spcAft>
               <a:buClr>
                 <a:srgbClr val="000000"/>
@@ -25102,14 +23080,14 @@
               <a:buChar char=""/>
             </a:pPr>
             <a:r>
-              <a:rPr b="1" lang="pt-BR" sz="1400" spc="-1" strike="noStrike">
+              <a:rPr b="0" lang="pt-BR" sz="1400" spc="-1" strike="noStrike">
                 <a:solidFill>
                   <a:srgbClr val="1c1c1c"/>
                 </a:solidFill>
                 <a:latin typeface="Latin Modern Sans"/>
                 <a:ea typeface="DejaVu Sans"/>
               </a:rPr>
-              <a:t>Alguém já atua com programação? Compartilhe:</a:t>
+              <a:t>Projeto ou área de atuação</a:t>
             </a:r>
             <a:endParaRPr b="0" lang="pt-BR" sz="1400" spc="-1" strike="noStrike">
               <a:latin typeface="Arial"/>
@@ -25138,7 +23116,7 @@
                 <a:latin typeface="Latin Modern Sans"/>
                 <a:ea typeface="DejaVu Sans"/>
               </a:rPr>
-              <a:t>Projeto ou área de atuação</a:t>
+              <a:t>Dificuldades</a:t>
             </a:r>
             <a:endParaRPr b="0" lang="pt-BR" sz="1400" spc="-1" strike="noStrike">
               <a:latin typeface="Arial"/>
@@ -25167,42 +23145,13 @@
                 <a:latin typeface="Latin Modern Sans"/>
                 <a:ea typeface="DejaVu Sans"/>
               </a:rPr>
-              <a:t>Dificuldades</a:t>
+              <a:t>Motivação</a:t>
             </a:r>
             <a:endParaRPr b="0" lang="pt-BR" sz="1400" spc="-1" strike="noStrike">
               <a:latin typeface="Arial"/>
             </a:endParaRPr>
           </a:p>
           <a:p>
-            <a:pPr lvl="1" marL="431640" indent="-208440">
-              <a:lnSpc>
-                <a:spcPct val="100000"/>
-              </a:lnSpc>
-              <a:spcAft>
-                <a:spcPts val="1134"/>
-              </a:spcAft>
-              <a:buClr>
-                <a:srgbClr val="000000"/>
-              </a:buClr>
-              <a:buSzPct val="45000"/>
-              <a:buFont typeface="Wingdings" charset="2"/>
-              <a:buChar char=""/>
-            </a:pPr>
-            <a:r>
-              <a:rPr b="0" lang="pt-BR" sz="1400" spc="-1" strike="noStrike">
-                <a:solidFill>
-                  <a:srgbClr val="1c1c1c"/>
-                </a:solidFill>
-                <a:latin typeface="Latin Modern Sans"/>
-                <a:ea typeface="DejaVu Sans"/>
-              </a:rPr>
-              <a:t>Motivação</a:t>
-            </a:r>
-            <a:endParaRPr b="0" lang="pt-BR" sz="1400" spc="-1" strike="noStrike">
-              <a:latin typeface="Arial"/>
-            </a:endParaRPr>
-          </a:p>
-          <a:p>
             <a:pPr>
               <a:lnSpc>
                 <a:spcPct val="100000"/>
@@ -25217,19 +23166,14 @@
             </a:endParaRPr>
           </a:p>
           <a:p>
-            <a:pPr marL="216000" indent="-208440">
-              <a:lnSpc>
-                <a:spcPct val="100000"/>
-              </a:lnSpc>
-              <a:spcAft>
-                <a:spcPts val="1140"/>
-              </a:spcAft>
-              <a:buClr>
-                <a:srgbClr val="000000"/>
-              </a:buClr>
-              <a:buSzPct val="45000"/>
-              <a:buFont typeface="Wingdings" charset="2"/>
-              <a:buChar char=""/>
+            <a:pPr>
+              <a:lnSpc>
+                <a:spcPct val="100000"/>
+              </a:lnSpc>
+              <a:spcAft>
+                <a:spcPts val="1140"/>
+              </a:spcAft>
+              <a:buNone/>
             </a:pPr>
             <a:endParaRPr b="0" lang="pt-BR" sz="1600" spc="-1" strike="noStrike">
               <a:latin typeface="Arial"/>
@@ -25260,7 +23204,7 @@
         <p:spPr>
           <a:xfrm>
             <a:off x="897120" y="6886080"/>
-            <a:ext cx="6439320" cy="357120"/>
+            <a:ext cx="6438960" cy="356760"/>
           </a:xfrm>
           <a:prstGeom prst="rect">
             <a:avLst/>
@@ -25312,7 +23256,7 @@
         <p:spPr>
           <a:xfrm>
             <a:off x="7608600" y="6886080"/>
-            <a:ext cx="2277360" cy="357120"/>
+            <a:ext cx="2277000" cy="356760"/>
           </a:xfrm>
           <a:prstGeom prst="rect">
             <a:avLst/>
@@ -25394,7 +23338,7 @@
         <p:spPr>
           <a:xfrm>
             <a:off x="360000" y="360000"/>
-            <a:ext cx="9352080" cy="892080"/>
+            <a:ext cx="9351720" cy="891720"/>
           </a:xfrm>
           <a:prstGeom prst="rect">
             <a:avLst/>
@@ -25415,6 +23359,12 @@
             <a:noAutofit/>
           </a:bodyPr>
           <a:p>
+            <a:pPr>
+              <a:lnSpc>
+                <a:spcPct val="100000"/>
+              </a:lnSpc>
+              <a:buNone/>
+            </a:pPr>
             <a:r>
               <a:rPr b="1" lang="pt-BR" sz="2600" spc="-1" strike="noStrike">
                 <a:solidFill>
@@ -25423,17 +23373,7 @@
                 <a:latin typeface="Latin Modern Sans"/>
                 <a:ea typeface="DejaVu Sans"/>
               </a:rPr>
-              <a:t>O que é</a:t>
-            </a:r>
-            <a:r>
-              <a:rPr b="1" lang="pt-BR" sz="2600" spc="-1" strike="noStrike">
-                <a:solidFill>
-                  <a:srgbClr val="ffffff"/>
-                </a:solidFill>
-                <a:latin typeface="Latin Modern Sans"/>
-                <a:ea typeface="DejaVu Sans"/>
-              </a:rPr>
-              <a:t> um algoritmo?</a:t>
+              <a:t>O que é um algoritmo?</a:t>
             </a:r>
             <a:endParaRPr b="0" lang="pt-BR" sz="2600" spc="-1" strike="noStrike">
               <a:latin typeface="Arial"/>
@@ -25450,7 +23390,7 @@
         <p:spPr>
           <a:xfrm>
             <a:off x="897120" y="6886080"/>
-            <a:ext cx="6439320" cy="357120"/>
+            <a:ext cx="6438960" cy="356760"/>
           </a:xfrm>
           <a:prstGeom prst="rect">
             <a:avLst/>
@@ -25502,7 +23442,7 @@
         <p:spPr>
           <a:xfrm>
             <a:off x="7608600" y="6886080"/>
-            <a:ext cx="2277360" cy="357120"/>
+            <a:ext cx="2277000" cy="356760"/>
           </a:xfrm>
           <a:prstGeom prst="rect">
             <a:avLst/>
@@ -25558,7 +23498,7 @@
         <p:spPr>
           <a:xfrm>
             <a:off x="1620000" y="2340000"/>
-            <a:ext cx="6618240" cy="3231720"/>
+            <a:ext cx="6617880" cy="3231360"/>
           </a:xfrm>
           <a:prstGeom prst="rect">
             <a:avLst/>
@@ -25576,8 +23516,8 @@
         </p:nvSpPr>
         <p:spPr>
           <a:xfrm>
-            <a:off x="7054200" y="2155680"/>
-            <a:ext cx="564840" cy="914040"/>
+            <a:off x="7055280" y="2155680"/>
+            <a:ext cx="561960" cy="912600"/>
           </a:xfrm>
           <a:prstGeom prst="rect">
             <a:avLst/>
@@ -25604,7 +23544,7 @@
           <a:fontRef idx="minor"/>
         </p:style>
         <p:txBody>
-          <a:bodyPr wrap="none" anchor="t">
+          <a:bodyPr wrap="none" lIns="90000" rIns="90000" tIns="45000" bIns="45000" anchor="t">
             <a:spAutoFit/>
           </a:bodyPr>
           <a:p>
@@ -25669,7 +23609,7 @@
         <p:spPr>
           <a:xfrm>
             <a:off x="360000" y="360000"/>
-            <a:ext cx="9352080" cy="892080"/>
+            <a:ext cx="9351720" cy="891720"/>
           </a:xfrm>
           <a:prstGeom prst="rect">
             <a:avLst/>
@@ -25721,7 +23661,7 @@
         <p:spPr>
           <a:xfrm>
             <a:off x="897120" y="6886080"/>
-            <a:ext cx="6439320" cy="357120"/>
+            <a:ext cx="6438960" cy="356760"/>
           </a:xfrm>
           <a:prstGeom prst="rect">
             <a:avLst/>
@@ -25773,7 +23713,7 @@
         <p:spPr>
           <a:xfrm>
             <a:off x="7608600" y="6886080"/>
-            <a:ext cx="2277360" cy="357120"/>
+            <a:ext cx="2277000" cy="356760"/>
           </a:xfrm>
           <a:prstGeom prst="rect">
             <a:avLst/>
@@ -25825,7 +23765,7 @@
         <p:spPr>
           <a:xfrm>
             <a:off x="613800" y="1683360"/>
-            <a:ext cx="8926200" cy="4672080"/>
+            <a:ext cx="8925840" cy="4671720"/>
           </a:xfrm>
           <a:prstGeom prst="rect">
             <a:avLst/>
@@ -25918,6 +23858,20 @@
             </a:endParaRPr>
           </a:p>
           <a:p>
+            <a:pPr>
+              <a:lnSpc>
+                <a:spcPct val="100000"/>
+              </a:lnSpc>
+              <a:spcAft>
+                <a:spcPts val="1140"/>
+              </a:spcAft>
+              <a:buNone/>
+            </a:pPr>
+            <a:endParaRPr b="0" lang="pt-BR" sz="1500" spc="-1" strike="noStrike">
+              <a:latin typeface="Arial"/>
+            </a:endParaRPr>
+          </a:p>
+          <a:p>
             <a:pPr lvl="1" marL="673200" indent="-208440">
               <a:lnSpc>
                 <a:spcPct val="100000"/>
@@ -25932,12 +23886,36 @@
               <a:buFont typeface="Wingdings" charset="2"/>
               <a:buChar char=""/>
             </a:pPr>
+            <a:r>
+              <a:rPr b="0" lang="pt-BR" sz="1500" spc="-1" strike="noStrike">
+                <a:solidFill>
+                  <a:srgbClr val="1c1c1c"/>
+                </a:solidFill>
+                <a:latin typeface="Latin Modern Sans"/>
+                <a:ea typeface="DejaVu Sans"/>
+              </a:rPr>
+              <a:t>INFORMÁTICA: Conjunto das regras e procedimentos lógicos perfeitamente definidos que levam à solução de um problema em um número finito de etapas.</a:t>
+            </a:r>
             <a:endParaRPr b="0" lang="pt-BR" sz="1500" spc="-1" strike="noStrike">
               <a:latin typeface="Arial"/>
             </a:endParaRPr>
           </a:p>
           <a:p>
-            <a:pPr lvl="1" marL="673200" indent="-208440">
+            <a:pPr>
+              <a:lnSpc>
+                <a:spcPct val="100000"/>
+              </a:lnSpc>
+              <a:spcAft>
+                <a:spcPts val="1140"/>
+              </a:spcAft>
+              <a:buNone/>
+            </a:pPr>
+            <a:endParaRPr b="0" lang="pt-BR" sz="1800" spc="-1" strike="noStrike">
+              <a:latin typeface="Arial"/>
+            </a:endParaRPr>
+          </a:p>
+          <a:p>
+            <a:pPr marL="216000" indent="-208440">
               <a:lnSpc>
                 <a:spcPct val="100000"/>
               </a:lnSpc>
@@ -25959,7 +23937,7 @@
                 <a:latin typeface="Latin Modern Sans"/>
                 <a:ea typeface="DejaVu Sans"/>
               </a:rPr>
-              <a:t>INFORMÁTICA: Conjunto das regras e procedimentos lógicos perfeitamente definidos que levam à solução de um problema em um número finito de etapas.</a:t>
+              <a:t>Pensar Computacionalmente</a:t>
             </a:r>
             <a:endParaRPr b="0" lang="pt-BR" sz="1500" spc="-1" strike="noStrike">
               <a:latin typeface="Arial"/>
@@ -25975,7 +23953,7 @@
               </a:spcAft>
               <a:buNone/>
             </a:pPr>
-            <a:endParaRPr b="0" lang="pt-BR" sz="1800" spc="-1" strike="noStrike">
+            <a:endParaRPr b="0" lang="pt-BR" sz="1500" spc="-1" strike="noStrike">
               <a:latin typeface="Arial"/>
             </a:endParaRPr>
           </a:p>
@@ -26002,8 +23980,22 @@
                 <a:latin typeface="Latin Modern Sans"/>
                 <a:ea typeface="DejaVu Sans"/>
               </a:rPr>
-              <a:t>Pensar Computacionalmente</a:t>
-            </a:r>
+              <a:t>Sequência Lógica</a:t>
+            </a:r>
+            <a:endParaRPr b="0" lang="pt-BR" sz="1500" spc="-1" strike="noStrike">
+              <a:latin typeface="Arial"/>
+            </a:endParaRPr>
+          </a:p>
+          <a:p>
+            <a:pPr>
+              <a:lnSpc>
+                <a:spcPct val="100000"/>
+              </a:lnSpc>
+              <a:spcAft>
+                <a:spcPts val="1140"/>
+              </a:spcAft>
+              <a:buNone/>
+            </a:pPr>
             <a:endParaRPr b="0" lang="pt-BR" sz="1500" spc="-1" strike="noStrike">
               <a:latin typeface="Arial"/>
             </a:endParaRPr>
@@ -26023,25 +24015,6 @@
               <a:buFont typeface="Wingdings" charset="2"/>
               <a:buChar char=""/>
             </a:pPr>
-            <a:endParaRPr b="0" lang="pt-BR" sz="1500" spc="-1" strike="noStrike">
-              <a:latin typeface="Arial"/>
-            </a:endParaRPr>
-          </a:p>
-          <a:p>
-            <a:pPr marL="216000" indent="-208440">
-              <a:lnSpc>
-                <a:spcPct val="100000"/>
-              </a:lnSpc>
-              <a:spcAft>
-                <a:spcPts val="1140"/>
-              </a:spcAft>
-              <a:buClr>
-                <a:srgbClr val="000000"/>
-              </a:buClr>
-              <a:buSzPct val="45000"/>
-              <a:buFont typeface="Wingdings" charset="2"/>
-              <a:buChar char=""/>
-            </a:pPr>
             <a:r>
               <a:rPr b="0" lang="pt-BR" sz="1500" spc="-1" strike="noStrike">
                 <a:solidFill>
@@ -26050,74 +24023,21 @@
                 <a:latin typeface="Latin Modern Sans"/>
                 <a:ea typeface="DejaVu Sans"/>
               </a:rPr>
-              <a:t>Sequência Lógica</a:t>
+              <a:t>Ações Atômicas (Curtas e Diretas)</a:t>
             </a:r>
             <a:endParaRPr b="0" lang="pt-BR" sz="1500" spc="-1" strike="noStrike">
               <a:latin typeface="Arial"/>
             </a:endParaRPr>
           </a:p>
           <a:p>
-            <a:pPr marL="216000" indent="-208440">
-              <a:lnSpc>
-                <a:spcPct val="100000"/>
-              </a:lnSpc>
-              <a:spcAft>
-                <a:spcPts val="1140"/>
-              </a:spcAft>
-              <a:buClr>
-                <a:srgbClr val="000000"/>
-              </a:buClr>
-              <a:buSzPct val="45000"/>
-              <a:buFont typeface="Wingdings" charset="2"/>
-              <a:buChar char=""/>
-            </a:pPr>
-            <a:endParaRPr b="0" lang="pt-BR" sz="1500" spc="-1" strike="noStrike">
-              <a:latin typeface="Arial"/>
-            </a:endParaRPr>
-          </a:p>
-          <a:p>
-            <a:pPr marL="216000" indent="-208440">
-              <a:lnSpc>
-                <a:spcPct val="100000"/>
-              </a:lnSpc>
-              <a:spcAft>
-                <a:spcPts val="1140"/>
-              </a:spcAft>
-              <a:buClr>
-                <a:srgbClr val="000000"/>
-              </a:buClr>
-              <a:buSzPct val="45000"/>
-              <a:buFont typeface="Wingdings" charset="2"/>
-              <a:buChar char=""/>
-            </a:pPr>
-            <a:r>
-              <a:rPr b="0" lang="pt-BR" sz="1500" spc="-1" strike="noStrike">
-                <a:solidFill>
-                  <a:srgbClr val="1c1c1c"/>
-                </a:solidFill>
-                <a:latin typeface="Latin Modern Sans"/>
-                <a:ea typeface="DejaVu Sans"/>
-              </a:rPr>
-              <a:t>Ações Atômicas (Curtas e Diretas)</a:t>
-            </a:r>
-            <a:endParaRPr b="0" lang="pt-BR" sz="1500" spc="-1" strike="noStrike">
-              <a:latin typeface="Arial"/>
-            </a:endParaRPr>
-          </a:p>
-          <a:p>
-            <a:pPr marL="216000" indent="-208440">
-              <a:lnSpc>
-                <a:spcPct val="100000"/>
-              </a:lnSpc>
-              <a:spcAft>
-                <a:spcPts val="1140"/>
-              </a:spcAft>
-              <a:buClr>
-                <a:srgbClr val="000000"/>
-              </a:buClr>
-              <a:buSzPct val="45000"/>
-              <a:buFont typeface="Wingdings" charset="2"/>
-              <a:buChar char=""/>
+            <a:pPr>
+              <a:lnSpc>
+                <a:spcPct val="100000"/>
+              </a:lnSpc>
+              <a:spcAft>
+                <a:spcPts val="1140"/>
+              </a:spcAft>
+              <a:buNone/>
             </a:pPr>
             <a:endParaRPr b="0" lang="pt-BR" sz="1500" spc="-1" strike="noStrike">
               <a:latin typeface="Arial"/>
@@ -26178,7 +24098,7 @@
         <p:spPr>
           <a:xfrm>
             <a:off x="360000" y="360000"/>
-            <a:ext cx="9352080" cy="892080"/>
+            <a:ext cx="9351720" cy="891720"/>
           </a:xfrm>
           <a:prstGeom prst="rect">
             <a:avLst/>
@@ -26230,7 +24150,7 @@
         <p:spPr>
           <a:xfrm>
             <a:off x="897120" y="6886080"/>
-            <a:ext cx="6439320" cy="357120"/>
+            <a:ext cx="6438960" cy="356760"/>
           </a:xfrm>
           <a:prstGeom prst="rect">
             <a:avLst/>
@@ -26282,7 +24202,7 @@
         <p:spPr>
           <a:xfrm>
             <a:off x="7608600" y="6886080"/>
-            <a:ext cx="2277360" cy="357120"/>
+            <a:ext cx="2277000" cy="356760"/>
           </a:xfrm>
           <a:prstGeom prst="rect">
             <a:avLst/>
@@ -26338,7 +24258,7 @@
         <p:spPr>
           <a:xfrm>
             <a:off x="2830320" y="1866600"/>
-            <a:ext cx="4411800" cy="4404960"/>
+            <a:ext cx="4411440" cy="4404600"/>
           </a:xfrm>
           <a:prstGeom prst="rect">
             <a:avLst/>
@@ -26356,13 +24276,13 @@
         </p:nvPicPr>
         <p:blipFill>
           <a:blip r:embed="rId2"/>
-          <a:srcRect l="0" t="0" r="0" b="45555"/>
+          <a:srcRect l="0" t="0" r="0" b="45549"/>
           <a:stretch/>
         </p:blipFill>
         <p:spPr>
           <a:xfrm>
             <a:off x="2830320" y="1866600"/>
-            <a:ext cx="4411800" cy="2477520"/>
+            <a:ext cx="4411440" cy="2477160"/>
           </a:xfrm>
           <a:prstGeom prst="rect">
             <a:avLst/>
@@ -26381,7 +24301,7 @@
         <p:spPr>
           <a:xfrm>
             <a:off x="2830320" y="4308120"/>
-            <a:ext cx="4411800" cy="1955880"/>
+            <a:ext cx="4411440" cy="1955520"/>
           </a:xfrm>
           <a:prstGeom prst="actionButtonHelp">
             <a:avLst/>
@@ -26447,7 +24367,7 @@
         <p:spPr>
           <a:xfrm>
             <a:off x="360000" y="360000"/>
-            <a:ext cx="9352080" cy="892080"/>
+            <a:ext cx="9351720" cy="891720"/>
           </a:xfrm>
           <a:prstGeom prst="rect">
             <a:avLst/>
@@ -26499,7 +24419,7 @@
         <p:spPr>
           <a:xfrm>
             <a:off x="897120" y="6886080"/>
-            <a:ext cx="6439320" cy="357120"/>
+            <a:ext cx="6438960" cy="356760"/>
           </a:xfrm>
           <a:prstGeom prst="rect">
             <a:avLst/>
@@ -26551,7 +24471,7 @@
         <p:spPr>
           <a:xfrm>
             <a:off x="7608600" y="6886080"/>
-            <a:ext cx="2277360" cy="357120"/>
+            <a:ext cx="2277000" cy="356760"/>
           </a:xfrm>
           <a:prstGeom prst="rect">
             <a:avLst/>
@@ -26607,7 +24527,7 @@
         <p:spPr>
           <a:xfrm>
             <a:off x="2829960" y="1866600"/>
-            <a:ext cx="4411800" cy="4404960"/>
+            <a:ext cx="4411440" cy="4404600"/>
           </a:xfrm>
           <a:prstGeom prst="rect">
             <a:avLst/>
